--- a/Chapter20/접미사배열ppt.pptx
+++ b/Chapter20/접미사배열ppt.pptx
@@ -10,18 +10,24 @@
     <p:sldId id="258" r:id="rId4"/>
     <p:sldId id="261" r:id="rId5"/>
     <p:sldId id="264" r:id="rId6"/>
-    <p:sldId id="259" r:id="rId7"/>
-    <p:sldId id="262" r:id="rId8"/>
-    <p:sldId id="263" r:id="rId9"/>
-    <p:sldId id="265" r:id="rId10"/>
-    <p:sldId id="266" r:id="rId11"/>
-    <p:sldId id="267" r:id="rId12"/>
-    <p:sldId id="268" r:id="rId13"/>
-    <p:sldId id="260" r:id="rId14"/>
-    <p:sldId id="270" r:id="rId15"/>
-    <p:sldId id="269" r:id="rId16"/>
-    <p:sldId id="271" r:id="rId17"/>
-    <p:sldId id="272" r:id="rId18"/>
+    <p:sldId id="262" r:id="rId7"/>
+    <p:sldId id="263" r:id="rId8"/>
+    <p:sldId id="265" r:id="rId9"/>
+    <p:sldId id="266" r:id="rId10"/>
+    <p:sldId id="267" r:id="rId11"/>
+    <p:sldId id="268" r:id="rId12"/>
+    <p:sldId id="260" r:id="rId13"/>
+    <p:sldId id="270" r:id="rId14"/>
+    <p:sldId id="269" r:id="rId15"/>
+    <p:sldId id="271" r:id="rId16"/>
+    <p:sldId id="272" r:id="rId17"/>
+    <p:sldId id="273" r:id="rId18"/>
+    <p:sldId id="274" r:id="rId19"/>
+    <p:sldId id="276" r:id="rId20"/>
+    <p:sldId id="277" r:id="rId21"/>
+    <p:sldId id="275" r:id="rId22"/>
+    <p:sldId id="278" r:id="rId23"/>
+    <p:sldId id="279" r:id="rId24"/>
   </p:sldIdLst>
   <p:sldSz cx="12192000" cy="6858000"/>
   <p:notesSz cx="6858000" cy="9144000"/>
@@ -120,6 +126,11 @@
       </a:defRPr>
     </a:lvl9pPr>
   </p:defaultTextStyle>
+  <p:extLst>
+    <p:ext uri="{EFAFB233-063F-42B5-8137-9DF3F51BA10A}">
+      <p15:sldGuideLst xmlns:p15="http://schemas.microsoft.com/office/powerpoint/2012/main"/>
+    </p:ext>
+  </p:extLst>
 </p:presentation>
 </file>
 
@@ -298,7 +309,7 @@
           <a:p>
             <a:fld id="{2622C8D9-6F77-4B5F-8F05-E62BD66A937E}" type="datetimeFigureOut">
               <a:rPr lang="ko-KR" altLang="en-US" smtClean="0"/>
-              <a:t>2017-11-20</a:t>
+              <a:t>2017-11-21</a:t>
             </a:fld>
             <a:endParaRPr lang="ko-KR" altLang="en-US"/>
           </a:p>
@@ -468,7 +479,7 @@
           <a:p>
             <a:fld id="{2622C8D9-6F77-4B5F-8F05-E62BD66A937E}" type="datetimeFigureOut">
               <a:rPr lang="ko-KR" altLang="en-US" smtClean="0"/>
-              <a:t>2017-11-20</a:t>
+              <a:t>2017-11-21</a:t>
             </a:fld>
             <a:endParaRPr lang="ko-KR" altLang="en-US"/>
           </a:p>
@@ -648,7 +659,7 @@
           <a:p>
             <a:fld id="{2622C8D9-6F77-4B5F-8F05-E62BD66A937E}" type="datetimeFigureOut">
               <a:rPr lang="ko-KR" altLang="en-US" smtClean="0"/>
-              <a:t>2017-11-20</a:t>
+              <a:t>2017-11-21</a:t>
             </a:fld>
             <a:endParaRPr lang="ko-KR" altLang="en-US"/>
           </a:p>
@@ -818,7 +829,7 @@
           <a:p>
             <a:fld id="{2622C8D9-6F77-4B5F-8F05-E62BD66A937E}" type="datetimeFigureOut">
               <a:rPr lang="ko-KR" altLang="en-US" smtClean="0"/>
-              <a:t>2017-11-20</a:t>
+              <a:t>2017-11-21</a:t>
             </a:fld>
             <a:endParaRPr lang="ko-KR" altLang="en-US"/>
           </a:p>
@@ -1064,7 +1075,7 @@
           <a:p>
             <a:fld id="{2622C8D9-6F77-4B5F-8F05-E62BD66A937E}" type="datetimeFigureOut">
               <a:rPr lang="ko-KR" altLang="en-US" smtClean="0"/>
-              <a:t>2017-11-20</a:t>
+              <a:t>2017-11-21</a:t>
             </a:fld>
             <a:endParaRPr lang="ko-KR" altLang="en-US"/>
           </a:p>
@@ -1296,7 +1307,7 @@
           <a:p>
             <a:fld id="{2622C8D9-6F77-4B5F-8F05-E62BD66A937E}" type="datetimeFigureOut">
               <a:rPr lang="ko-KR" altLang="en-US" smtClean="0"/>
-              <a:t>2017-11-20</a:t>
+              <a:t>2017-11-21</a:t>
             </a:fld>
             <a:endParaRPr lang="ko-KR" altLang="en-US"/>
           </a:p>
@@ -1663,7 +1674,7 @@
           <a:p>
             <a:fld id="{2622C8D9-6F77-4B5F-8F05-E62BD66A937E}" type="datetimeFigureOut">
               <a:rPr lang="ko-KR" altLang="en-US" smtClean="0"/>
-              <a:t>2017-11-20</a:t>
+              <a:t>2017-11-21</a:t>
             </a:fld>
             <a:endParaRPr lang="ko-KR" altLang="en-US"/>
           </a:p>
@@ -1781,7 +1792,7 @@
           <a:p>
             <a:fld id="{2622C8D9-6F77-4B5F-8F05-E62BD66A937E}" type="datetimeFigureOut">
               <a:rPr lang="ko-KR" altLang="en-US" smtClean="0"/>
-              <a:t>2017-11-20</a:t>
+              <a:t>2017-11-21</a:t>
             </a:fld>
             <a:endParaRPr lang="ko-KR" altLang="en-US"/>
           </a:p>
@@ -1876,7 +1887,7 @@
           <a:p>
             <a:fld id="{2622C8D9-6F77-4B5F-8F05-E62BD66A937E}" type="datetimeFigureOut">
               <a:rPr lang="ko-KR" altLang="en-US" smtClean="0"/>
-              <a:t>2017-11-20</a:t>
+              <a:t>2017-11-21</a:t>
             </a:fld>
             <a:endParaRPr lang="ko-KR" altLang="en-US"/>
           </a:p>
@@ -2153,7 +2164,7 @@
           <a:p>
             <a:fld id="{2622C8D9-6F77-4B5F-8F05-E62BD66A937E}" type="datetimeFigureOut">
               <a:rPr lang="ko-KR" altLang="en-US" smtClean="0"/>
-              <a:t>2017-11-20</a:t>
+              <a:t>2017-11-21</a:t>
             </a:fld>
             <a:endParaRPr lang="ko-KR" altLang="en-US"/>
           </a:p>
@@ -2406,7 +2417,7 @@
           <a:p>
             <a:fld id="{2622C8D9-6F77-4B5F-8F05-E62BD66A937E}" type="datetimeFigureOut">
               <a:rPr lang="ko-KR" altLang="en-US" smtClean="0"/>
-              <a:t>2017-11-20</a:t>
+              <a:t>2017-11-21</a:t>
             </a:fld>
             <a:endParaRPr lang="ko-KR" altLang="en-US"/>
           </a:p>
@@ -2619,7 +2630,7 @@
           <a:p>
             <a:fld id="{2622C8D9-6F77-4B5F-8F05-E62BD66A937E}" type="datetimeFigureOut">
               <a:rPr lang="ko-KR" altLang="en-US" smtClean="0"/>
-              <a:t>2017-11-20</a:t>
+              <a:t>2017-11-21</a:t>
             </a:fld>
             <a:endParaRPr lang="ko-KR" altLang="en-US"/>
           </a:p>
@@ -3135,115 +3146,114 @@
         </p:nvSpPr>
         <p:spPr/>
         <p:txBody>
-          <a:bodyPr>
-            <a:normAutofit/>
-          </a:bodyPr>
-          <a:lstStyle/>
+          <a:bodyPr/>
+          <a:lstStyle/>
+          <a:p>
+            <a:r>
+              <a:rPr lang="ko-KR" altLang="en-US" dirty="0" smtClean="0"/>
+              <a:t>예를 들어 </a:t>
+            </a:r>
+            <a:endParaRPr lang="en-US" altLang="ko-KR" dirty="0" smtClean="0"/>
+          </a:p>
+          <a:p>
+            <a:endParaRPr lang="en-US" altLang="ko-KR" dirty="0"/>
+          </a:p>
           <a:p>
             <a:r>
               <a:rPr lang="en-US" altLang="ko-KR" dirty="0" smtClean="0"/>
-              <a:t>Grouping</a:t>
+              <a:t>d = 1</a:t>
             </a:r>
             <a:r>
               <a:rPr lang="ko-KR" altLang="en-US" dirty="0" smtClean="0"/>
-              <a:t>을 하면서 같은 </a:t>
+              <a:t>의 </a:t>
             </a:r>
             <a:r>
               <a:rPr lang="en-US" altLang="ko-KR" dirty="0" smtClean="0"/>
-              <a:t>Group</a:t>
+              <a:t>3</a:t>
             </a:r>
             <a:r>
               <a:rPr lang="ko-KR" altLang="en-US" dirty="0" smtClean="0"/>
-              <a:t>내에서만 비교를 하면 된다</a:t>
+              <a:t>번 그룹 </a:t>
+            </a:r>
+            <a:r>
+              <a:rPr lang="en-US" altLang="ko-KR" b="1" dirty="0" err="1"/>
+              <a:t>baaba</a:t>
+            </a:r>
+            <a:r>
+              <a:rPr lang="en-US" altLang="ko-KR" b="1" dirty="0"/>
+              <a:t>, </a:t>
+            </a:r>
+            <a:r>
+              <a:rPr lang="en-US" altLang="ko-KR" b="1" dirty="0" err="1" smtClean="0"/>
+              <a:t>baabaaba</a:t>
+            </a:r>
+            <a:r>
+              <a:rPr lang="ko-KR" altLang="en-US" b="1" dirty="0"/>
+              <a:t> </a:t>
+            </a:r>
+            <a:r>
+              <a:rPr lang="ko-KR" altLang="en-US" dirty="0" smtClean="0"/>
+              <a:t>를 비교할 때 앞 </a:t>
+            </a:r>
+            <a:r>
+              <a:rPr lang="en-US" altLang="ko-KR" dirty="0" smtClean="0"/>
+              <a:t>2</a:t>
+            </a:r>
+            <a:r>
+              <a:rPr lang="ko-KR" altLang="en-US" dirty="0" smtClean="0"/>
+              <a:t>개의 글자는 비교를 해서 같으니 같은 </a:t>
+            </a:r>
+            <a:r>
+              <a:rPr lang="en-US" altLang="ko-KR" dirty="0" smtClean="0"/>
+              <a:t>group</a:t>
+            </a:r>
+            <a:r>
+              <a:rPr lang="ko-KR" altLang="en-US" dirty="0" smtClean="0"/>
+              <a:t>에 있는 것</a:t>
+            </a:r>
+            <a:r>
+              <a:rPr lang="en-US" altLang="ko-KR" dirty="0" smtClean="0"/>
+              <a:t>! </a:t>
+            </a:r>
+          </a:p>
+          <a:p>
+            <a:endParaRPr lang="en-US" altLang="ko-KR" dirty="0"/>
+          </a:p>
+          <a:p>
+            <a:endParaRPr lang="en-US" altLang="ko-KR" dirty="0" smtClean="0"/>
+          </a:p>
+          <a:p>
+            <a:pPr marL="0" indent="0">
+              <a:buNone/>
+            </a:pPr>
+            <a:r>
+              <a:rPr lang="ko-KR" altLang="en-US" dirty="0" smtClean="0"/>
+              <a:t>따라서 앞 </a:t>
+            </a:r>
+            <a:r>
+              <a:rPr lang="en-US" altLang="ko-KR" dirty="0" smtClean="0"/>
+              <a:t>3</a:t>
+            </a:r>
+            <a:r>
+              <a:rPr lang="ko-KR" altLang="en-US" dirty="0" smtClean="0"/>
+              <a:t>번째 글자부터 비교를 하면 된다</a:t>
             </a:r>
             <a:r>
               <a:rPr lang="en-US" altLang="ko-KR" dirty="0" smtClean="0"/>
               <a:t>.</a:t>
             </a:r>
-          </a:p>
-          <a:p>
-            <a:endParaRPr lang="en-US" altLang="ko-KR" dirty="0"/>
-          </a:p>
-          <a:p>
-            <a:endParaRPr lang="en-US" altLang="ko-KR" dirty="0" smtClean="0"/>
-          </a:p>
-          <a:p>
-            <a:r>
-              <a:rPr lang="ko-KR" altLang="en-US" sz="6500" b="1" dirty="0" smtClean="0">
-                <a:solidFill>
-                  <a:srgbClr val="FF0000"/>
-                </a:solidFill>
-              </a:rPr>
-              <a:t>그리고 </a:t>
-            </a:r>
-            <a:r>
-              <a:rPr lang="en-US" altLang="ko-KR" sz="6500" b="1" dirty="0" smtClean="0">
-                <a:solidFill>
-                  <a:srgbClr val="FF0000"/>
-                </a:solidFill>
-              </a:rPr>
-              <a:t>d = n</a:t>
-            </a:r>
-            <a:r>
-              <a:rPr lang="ko-KR" altLang="en-US" sz="6500" b="1" dirty="0" smtClean="0">
-                <a:solidFill>
-                  <a:srgbClr val="FF0000"/>
-                </a:solidFill>
-              </a:rPr>
-              <a:t>에서 </a:t>
-            </a:r>
-            <a:r>
-              <a:rPr lang="en-US" altLang="ko-KR" sz="6500" b="1" dirty="0" smtClean="0">
-                <a:solidFill>
-                  <a:srgbClr val="FF0000"/>
-                </a:solidFill>
-              </a:rPr>
-              <a:t>d = 2*n</a:t>
-            </a:r>
-            <a:r>
-              <a:rPr lang="ko-KR" altLang="en-US" sz="6500" b="1" dirty="0" smtClean="0">
-                <a:solidFill>
-                  <a:srgbClr val="FF0000"/>
-                </a:solidFill>
-              </a:rPr>
-              <a:t>으로 넘어갈 때에는 </a:t>
-            </a:r>
-            <a:r>
-              <a:rPr lang="en-US" altLang="ko-KR" sz="6500" b="1" dirty="0" smtClean="0">
-                <a:solidFill>
-                  <a:srgbClr val="FF0000"/>
-                </a:solidFill>
-              </a:rPr>
-              <a:t>n</a:t>
-            </a:r>
-            <a:r>
-              <a:rPr lang="ko-KR" altLang="en-US" sz="6500" b="1" dirty="0" smtClean="0">
-                <a:solidFill>
-                  <a:srgbClr val="FF0000"/>
-                </a:solidFill>
-              </a:rPr>
-              <a:t>글자 이후만 비교해도 된다</a:t>
-            </a:r>
-            <a:r>
-              <a:rPr lang="en-US" altLang="ko-KR" sz="6500" b="1" dirty="0" smtClean="0">
-                <a:solidFill>
-                  <a:srgbClr val="FF0000"/>
-                </a:solidFill>
-              </a:rPr>
-              <a:t>.</a:t>
-            </a:r>
-            <a:endParaRPr lang="ko-KR" altLang="en-US" sz="6500" b="1" dirty="0">
-              <a:solidFill>
-                <a:srgbClr val="FF0000"/>
-              </a:solidFill>
-            </a:endParaRPr>
+            <a:r>
+              <a:rPr lang="ko-KR" altLang="en-US" dirty="0" smtClean="0"/>
+              <a:t> </a:t>
+            </a:r>
+            <a:endParaRPr lang="ko-KR" altLang="en-US" dirty="0"/>
           </a:p>
         </p:txBody>
       </p:sp>
     </p:spTree>
     <p:extLst>
       <p:ext uri="{BB962C8B-B14F-4D97-AF65-F5344CB8AC3E}">
-        <p14:creationId xmlns:p14="http://schemas.microsoft.com/office/powerpoint/2010/main" val="3660547358"/>
+        <p14:creationId xmlns:p14="http://schemas.microsoft.com/office/powerpoint/2010/main" val="2629510229"/>
       </p:ext>
     </p:extLst>
   </p:cSld>
@@ -3253,145 +3263,7 @@
   <p:timing>
     <p:tnLst>
       <p:par>
-        <p:cTn id="1" dur="indefinite" restart="never" nodeType="tmRoot">
-          <p:childTnLst>
-            <p:seq concurrent="1" nextAc="seek">
-              <p:cTn id="2" dur="indefinite" nodeType="mainSeq">
-                <p:childTnLst>
-                  <p:par>
-                    <p:cTn id="3" fill="hold">
-                      <p:stCondLst>
-                        <p:cond delay="indefinite"/>
-                      </p:stCondLst>
-                      <p:childTnLst>
-                        <p:par>
-                          <p:cTn id="4" fill="hold">
-                            <p:stCondLst>
-                              <p:cond delay="0"/>
-                            </p:stCondLst>
-                            <p:childTnLst>
-                              <p:par>
-                                <p:cTn id="5" presetID="42" presetClass="entr" presetSubtype="0" fill="hold" nodeType="clickEffect">
-                                  <p:stCondLst>
-                                    <p:cond delay="0"/>
-                                  </p:stCondLst>
-                                  <p:childTnLst>
-                                    <p:set>
-                                      <p:cBhvr>
-                                        <p:cTn id="6" dur="1" fill="hold">
-                                          <p:stCondLst>
-                                            <p:cond delay="0"/>
-                                          </p:stCondLst>
-                                        </p:cTn>
-                                        <p:tgtEl>
-                                          <p:spTgt spid="3">
-                                            <p:txEl>
-                                              <p:pRg st="3" end="3"/>
-                                            </p:txEl>
-                                          </p:spTgt>
-                                        </p:tgtEl>
-                                        <p:attrNameLst>
-                                          <p:attrName>style.visibility</p:attrName>
-                                        </p:attrNameLst>
-                                      </p:cBhvr>
-                                      <p:to>
-                                        <p:strVal val="visible"/>
-                                      </p:to>
-                                    </p:set>
-                                    <p:animEffect transition="in" filter="fade">
-                                      <p:cBhvr>
-                                        <p:cTn id="7" dur="1000"/>
-                                        <p:tgtEl>
-                                          <p:spTgt spid="3">
-                                            <p:txEl>
-                                              <p:pRg st="3" end="3"/>
-                                            </p:txEl>
-                                          </p:spTgt>
-                                        </p:tgtEl>
-                                      </p:cBhvr>
-                                    </p:animEffect>
-                                    <p:anim calcmode="lin" valueType="num">
-                                      <p:cBhvr>
-                                        <p:cTn id="8" dur="1000" fill="hold"/>
-                                        <p:tgtEl>
-                                          <p:spTgt spid="3">
-                                            <p:txEl>
-                                              <p:pRg st="3" end="3"/>
-                                            </p:txEl>
-                                          </p:spTgt>
-                                        </p:tgtEl>
-                                        <p:attrNameLst>
-                                          <p:attrName>ppt_x</p:attrName>
-                                        </p:attrNameLst>
-                                      </p:cBhvr>
-                                      <p:tavLst>
-                                        <p:tav tm="0">
-                                          <p:val>
-                                            <p:strVal val="#ppt_x"/>
-                                          </p:val>
-                                        </p:tav>
-                                        <p:tav tm="100000">
-                                          <p:val>
-                                            <p:strVal val="#ppt_x"/>
-                                          </p:val>
-                                        </p:tav>
-                                      </p:tavLst>
-                                    </p:anim>
-                                    <p:anim calcmode="lin" valueType="num">
-                                      <p:cBhvr>
-                                        <p:cTn id="9" dur="1000" fill="hold"/>
-                                        <p:tgtEl>
-                                          <p:spTgt spid="3">
-                                            <p:txEl>
-                                              <p:pRg st="3" end="3"/>
-                                            </p:txEl>
-                                          </p:spTgt>
-                                        </p:tgtEl>
-                                        <p:attrNameLst>
-                                          <p:attrName>ppt_y</p:attrName>
-                                        </p:attrNameLst>
-                                      </p:cBhvr>
-                                      <p:tavLst>
-                                        <p:tav tm="0">
-                                          <p:val>
-                                            <p:strVal val="#ppt_y+.1"/>
-                                          </p:val>
-                                        </p:tav>
-                                        <p:tav tm="100000">
-                                          <p:val>
-                                            <p:strVal val="#ppt_y"/>
-                                          </p:val>
-                                        </p:tav>
-                                      </p:tavLst>
-                                    </p:anim>
-                                  </p:childTnLst>
-                                </p:cTn>
-                              </p:par>
-                            </p:childTnLst>
-                          </p:cTn>
-                        </p:par>
-                      </p:childTnLst>
-                    </p:cTn>
-                  </p:par>
-                </p:childTnLst>
-              </p:cTn>
-              <p:prevCondLst>
-                <p:cond evt="onPrev" delay="0">
-                  <p:tgtEl>
-                    <p:sldTgt/>
-                  </p:tgtEl>
-                </p:cond>
-              </p:prevCondLst>
-              <p:nextCondLst>
-                <p:cond evt="onNext" delay="0">
-                  <p:tgtEl>
-                    <p:sldTgt/>
-                  </p:tgtEl>
-                </p:cond>
-              </p:nextCondLst>
-            </p:seq>
-          </p:childTnLst>
-        </p:cTn>
+        <p:cTn id="1" dur="indefinite" restart="never" nodeType="tmRoot"/>
       </p:par>
     </p:tnLst>
   </p:timing>
@@ -3425,134 +3297,23 @@
             <p:ph type="title"/>
           </p:nvPr>
         </p:nvSpPr>
-        <p:spPr/>
+        <p:spPr>
+          <a:xfrm>
+            <a:off x="788773" y="2762336"/>
+            <a:ext cx="10515600" cy="1325563"/>
+          </a:xfrm>
+        </p:spPr>
         <p:txBody>
           <a:bodyPr/>
           <a:lstStyle/>
           <a:p>
             <a:r>
               <a:rPr lang="ko-KR" altLang="en-US" dirty="0" smtClean="0"/>
-              <a:t>비교를 효율적으로 하는 방법</a:t>
-            </a:r>
-            <a:r>
-              <a:rPr lang="en-US" altLang="ko-KR" dirty="0" smtClean="0"/>
-              <a:t>?</a:t>
-            </a:r>
-            <a:endParaRPr lang="ko-KR" altLang="en-US" dirty="0"/>
-          </a:p>
-        </p:txBody>
-      </p:sp>
-      <p:sp>
-        <p:nvSpPr>
-          <p:cNvPr id="3" name="내용 개체 틀 2"/>
-          <p:cNvSpPr>
-            <a:spLocks noGrp="1"/>
-          </p:cNvSpPr>
-          <p:nvPr>
-            <p:ph idx="1"/>
-          </p:nvPr>
-        </p:nvSpPr>
-        <p:spPr/>
-        <p:txBody>
-          <a:bodyPr/>
-          <a:lstStyle/>
-          <a:p>
-            <a:r>
-              <a:rPr lang="ko-KR" altLang="en-US" dirty="0" smtClean="0"/>
-              <a:t>예를 들어 </a:t>
-            </a:r>
-            <a:endParaRPr lang="en-US" altLang="ko-KR" dirty="0" smtClean="0"/>
-          </a:p>
-          <a:p>
-            <a:endParaRPr lang="en-US" altLang="ko-KR" dirty="0"/>
-          </a:p>
-          <a:p>
-            <a:r>
-              <a:rPr lang="en-US" altLang="ko-KR" dirty="0" smtClean="0"/>
-              <a:t>d = 2</a:t>
-            </a:r>
-            <a:r>
-              <a:rPr lang="ko-KR" altLang="en-US" dirty="0" smtClean="0"/>
-              <a:t>의 </a:t>
-            </a:r>
-            <a:r>
-              <a:rPr lang="en-US" altLang="ko-KR" dirty="0" smtClean="0"/>
-              <a:t>3</a:t>
-            </a:r>
-            <a:r>
-              <a:rPr lang="ko-KR" altLang="en-US" dirty="0" smtClean="0"/>
-              <a:t>번 그룹 </a:t>
-            </a:r>
-            <a:r>
-              <a:rPr lang="en-US" altLang="ko-KR" b="1" dirty="0" err="1"/>
-              <a:t>baaba</a:t>
-            </a:r>
-            <a:r>
-              <a:rPr lang="en-US" altLang="ko-KR" b="1" dirty="0"/>
-              <a:t>, </a:t>
-            </a:r>
-            <a:r>
-              <a:rPr lang="en-US" altLang="ko-KR" b="1" dirty="0" err="1" smtClean="0"/>
-              <a:t>baabaaba</a:t>
-            </a:r>
-            <a:r>
-              <a:rPr lang="ko-KR" altLang="en-US" b="1" dirty="0"/>
-              <a:t> </a:t>
-            </a:r>
-            <a:r>
-              <a:rPr lang="ko-KR" altLang="en-US" dirty="0" smtClean="0"/>
-              <a:t>를 비교할 때 앞 </a:t>
-            </a:r>
-            <a:r>
-              <a:rPr lang="en-US" altLang="ko-KR" dirty="0" smtClean="0"/>
-              <a:t>2</a:t>
-            </a:r>
-            <a:r>
-              <a:rPr lang="ko-KR" altLang="en-US" dirty="0" smtClean="0"/>
-              <a:t>개의 글자는 비교를 해서 같으니 같은 </a:t>
-            </a:r>
-            <a:r>
-              <a:rPr lang="en-US" altLang="ko-KR" dirty="0" smtClean="0"/>
-              <a:t>group</a:t>
-            </a:r>
-            <a:r>
-              <a:rPr lang="ko-KR" altLang="en-US" dirty="0" smtClean="0"/>
-              <a:t>에 있는 것</a:t>
-            </a:r>
-            <a:r>
-              <a:rPr lang="en-US" altLang="ko-KR" dirty="0" smtClean="0"/>
-              <a:t>! </a:t>
-            </a:r>
-          </a:p>
-          <a:p>
-            <a:endParaRPr lang="en-US" altLang="ko-KR" dirty="0"/>
-          </a:p>
-          <a:p>
-            <a:endParaRPr lang="en-US" altLang="ko-KR" dirty="0" smtClean="0"/>
-          </a:p>
-          <a:p>
-            <a:pPr marL="0" indent="0">
-              <a:buNone/>
-            </a:pPr>
-            <a:r>
-              <a:rPr lang="ko-KR" altLang="en-US" dirty="0" smtClean="0"/>
-              <a:t>따라서 앞 </a:t>
-            </a:r>
-            <a:r>
-              <a:rPr lang="en-US" altLang="ko-KR" dirty="0" smtClean="0"/>
-              <a:t>3</a:t>
-            </a:r>
-            <a:r>
-              <a:rPr lang="ko-KR" altLang="en-US" dirty="0" smtClean="0"/>
-              <a:t>번째 글자부터 비교를 하면 된다</a:t>
+              <a:t>코드를 구경합시다</a:t>
             </a:r>
             <a:r>
               <a:rPr lang="en-US" altLang="ko-KR" dirty="0" smtClean="0"/>
               <a:t>.</a:t>
-            </a:r>
-            <a:r>
-              <a:rPr lang="ko-KR" altLang="en-US" dirty="0" smtClean="0"/>
-              <a:t> </a:t>
             </a:r>
             <a:endParaRPr lang="ko-KR" altLang="en-US" dirty="0"/>
           </a:p>
@@ -3561,7 +3322,7 @@
     </p:spTree>
     <p:extLst>
       <p:ext uri="{BB962C8B-B14F-4D97-AF65-F5344CB8AC3E}">
-        <p14:creationId xmlns:p14="http://schemas.microsoft.com/office/powerpoint/2010/main" val="2629510229"/>
+        <p14:creationId xmlns:p14="http://schemas.microsoft.com/office/powerpoint/2010/main" val="3248210411"/>
       </p:ext>
     </p:extLst>
   </p:cSld>
@@ -3605,32 +3366,290 @@
             <p:ph type="title"/>
           </p:nvPr>
         </p:nvSpPr>
+        <p:spPr/>
+        <p:txBody>
+          <a:bodyPr/>
+          <a:lstStyle/>
+          <a:p>
+            <a:r>
+              <a:rPr lang="en-US" altLang="ko-KR" dirty="0" smtClean="0"/>
+              <a:t>suffixArray.cpp</a:t>
+            </a:r>
+            <a:endParaRPr lang="ko-KR" altLang="en-US" dirty="0"/>
+          </a:p>
+        </p:txBody>
+      </p:sp>
+      <p:sp>
+        <p:nvSpPr>
+          <p:cNvPr id="3" name="내용 개체 틀 2"/>
+          <p:cNvSpPr>
+            <a:spLocks noGrp="1"/>
+          </p:cNvSpPr>
+          <p:nvPr>
+            <p:ph idx="1"/>
+          </p:nvPr>
+        </p:nvSpPr>
         <p:spPr>
           <a:xfrm>
-            <a:off x="788773" y="2762336"/>
-            <a:ext cx="10515600" cy="1325563"/>
+            <a:off x="838200" y="1825624"/>
+            <a:ext cx="10515600" cy="5032375"/>
           </a:xfrm>
         </p:spPr>
         <p:txBody>
-          <a:bodyPr/>
-          <a:lstStyle/>
-          <a:p>
+          <a:bodyPr>
+            <a:normAutofit/>
+          </a:bodyPr>
+          <a:lstStyle/>
+          <a:p>
+            <a:r>
+              <a:rPr lang="en-US" altLang="ko-KR" dirty="0" smtClean="0"/>
+              <a:t>Q. </a:t>
+            </a:r>
+            <a:r>
+              <a:rPr lang="en-US" altLang="ko-KR" dirty="0" err="1" smtClean="0"/>
+              <a:t>sa</a:t>
+            </a:r>
+            <a:r>
+              <a:rPr lang="en-US" altLang="ko-KR" dirty="0" smtClean="0"/>
+              <a:t>[</a:t>
+            </a:r>
+            <a:r>
+              <a:rPr lang="en-US" altLang="ko-KR" dirty="0" err="1" smtClean="0"/>
+              <a:t>i</a:t>
+            </a:r>
+            <a:r>
+              <a:rPr lang="en-US" altLang="ko-KR" dirty="0" smtClean="0"/>
+              <a:t>]</a:t>
+            </a:r>
             <a:r>
               <a:rPr lang="ko-KR" altLang="en-US" dirty="0" smtClean="0"/>
-              <a:t>코드를 구경합시다</a:t>
+              <a:t>의 정의는 무엇입니까</a:t>
             </a:r>
             <a:r>
               <a:rPr lang="en-US" altLang="ko-KR" dirty="0" smtClean="0"/>
-              <a:t>.</a:t>
-            </a:r>
-            <a:endParaRPr lang="ko-KR" altLang="en-US" dirty="0"/>
+              <a:t>?</a:t>
+            </a:r>
+            <a:endParaRPr lang="en-US" altLang="ko-KR" dirty="0"/>
+          </a:p>
+          <a:p>
+            <a:r>
+              <a:rPr lang="en-US" altLang="ko-KR" dirty="0" smtClean="0"/>
+              <a:t>Q. group[</a:t>
+            </a:r>
+            <a:r>
+              <a:rPr lang="en-US" altLang="ko-KR" dirty="0" err="1" smtClean="0"/>
+              <a:t>i</a:t>
+            </a:r>
+            <a:r>
+              <a:rPr lang="en-US" altLang="ko-KR" dirty="0" smtClean="0"/>
+              <a:t>] </a:t>
+            </a:r>
+            <a:r>
+              <a:rPr lang="ko-KR" altLang="en-US" dirty="0" smtClean="0"/>
+              <a:t>의 정의는 무엇입니까</a:t>
+            </a:r>
+            <a:r>
+              <a:rPr lang="en-US" altLang="ko-KR" dirty="0" smtClean="0"/>
+              <a:t>?</a:t>
+            </a:r>
+            <a:endParaRPr lang="en-US" altLang="ko-KR" dirty="0"/>
+          </a:p>
+          <a:p>
+            <a:r>
+              <a:rPr lang="en-US" altLang="ko-KR" dirty="0" smtClean="0"/>
+              <a:t>Q. group[</a:t>
+            </a:r>
+            <a:r>
+              <a:rPr lang="en-US" altLang="ko-KR" dirty="0" err="1" smtClean="0"/>
+              <a:t>i</a:t>
+            </a:r>
+            <a:r>
+              <a:rPr lang="en-US" altLang="ko-KR" dirty="0" smtClean="0"/>
+              <a:t>] = S[</a:t>
+            </a:r>
+            <a:r>
+              <a:rPr lang="en-US" altLang="ko-KR" dirty="0" err="1" smtClean="0"/>
+              <a:t>i</a:t>
+            </a:r>
+            <a:r>
+              <a:rPr lang="en-US" altLang="ko-KR" dirty="0" smtClean="0"/>
+              <a:t>];</a:t>
+            </a:r>
+            <a:r>
+              <a:rPr lang="ko-KR" altLang="en-US" dirty="0" smtClean="0"/>
+              <a:t>의 뜻은 무엇이죠</a:t>
+            </a:r>
+            <a:r>
+              <a:rPr lang="en-US" altLang="ko-KR" dirty="0" smtClean="0"/>
+              <a:t>?</a:t>
+            </a:r>
+            <a:endParaRPr lang="en-US" altLang="ko-KR" dirty="0"/>
+          </a:p>
+          <a:p>
+            <a:r>
+              <a:rPr lang="en-US" altLang="ko-KR" dirty="0" smtClean="0"/>
+              <a:t>Q. sort(</a:t>
+            </a:r>
+            <a:r>
+              <a:rPr lang="en-US" altLang="ko-KR" dirty="0" err="1" smtClean="0"/>
+              <a:t>sa</a:t>
+            </a:r>
+            <a:r>
+              <a:rPr lang="en-US" altLang="ko-KR" dirty="0" smtClean="0"/>
+              <a:t>, </a:t>
+            </a:r>
+            <a:r>
+              <a:rPr lang="en-US" altLang="ko-KR" dirty="0" err="1" smtClean="0"/>
+              <a:t>sa</a:t>
+            </a:r>
+            <a:r>
+              <a:rPr lang="en-US" altLang="ko-KR" dirty="0" smtClean="0"/>
+              <a:t> + N, </a:t>
+            </a:r>
+            <a:r>
+              <a:rPr lang="en-US" altLang="ko-KR" dirty="0" err="1" smtClean="0"/>
+              <a:t>cmp</a:t>
+            </a:r>
+            <a:r>
+              <a:rPr lang="en-US" altLang="ko-KR" dirty="0" smtClean="0"/>
+              <a:t>);</a:t>
+            </a:r>
+            <a:r>
+              <a:rPr lang="ko-KR" altLang="en-US" dirty="0" smtClean="0"/>
+              <a:t>는 어떻게 정렬이 됩니까</a:t>
+            </a:r>
+            <a:r>
+              <a:rPr lang="en-US" altLang="ko-KR" dirty="0" smtClean="0"/>
+              <a:t>?</a:t>
+            </a:r>
+          </a:p>
+          <a:p>
+            <a:r>
+              <a:rPr lang="en-US" altLang="ko-KR" dirty="0" smtClean="0"/>
+              <a:t>Q. </a:t>
+            </a:r>
+            <a:r>
+              <a:rPr lang="en-US" altLang="ko-KR" dirty="0" err="1" smtClean="0"/>
+              <a:t>newGroup</a:t>
+            </a:r>
+            <a:r>
+              <a:rPr lang="en-US" altLang="ko-KR" dirty="0" smtClean="0"/>
+              <a:t>[I + 1] = </a:t>
+            </a:r>
+            <a:r>
+              <a:rPr lang="en-US" altLang="ko-KR" dirty="0" err="1" smtClean="0"/>
+              <a:t>newGroup</a:t>
+            </a:r>
+            <a:r>
+              <a:rPr lang="en-US" altLang="ko-KR" dirty="0" smtClean="0"/>
+              <a:t>[</a:t>
+            </a:r>
+            <a:r>
+              <a:rPr lang="en-US" altLang="ko-KR" dirty="0" err="1" smtClean="0"/>
+              <a:t>i</a:t>
+            </a:r>
+            <a:r>
+              <a:rPr lang="en-US" altLang="ko-KR" dirty="0" smtClean="0"/>
+              <a:t>] + </a:t>
+            </a:r>
+            <a:r>
+              <a:rPr lang="en-US" altLang="ko-KR" dirty="0" err="1" smtClean="0"/>
+              <a:t>cmp</a:t>
+            </a:r>
+            <a:r>
+              <a:rPr lang="en-US" altLang="ko-KR" dirty="0" smtClean="0"/>
+              <a:t>(…);</a:t>
+            </a:r>
+            <a:r>
+              <a:rPr lang="ko-KR" altLang="en-US" dirty="0" smtClean="0"/>
+              <a:t>의 의미는 무엇이죠</a:t>
+            </a:r>
+            <a:r>
+              <a:rPr lang="en-US" altLang="ko-KR" dirty="0" smtClean="0"/>
+              <a:t>?</a:t>
+            </a:r>
+          </a:p>
+          <a:p>
+            <a:r>
+              <a:rPr lang="en-US" altLang="ko-KR" dirty="0" smtClean="0"/>
+              <a:t>Q. group[</a:t>
+            </a:r>
+            <a:r>
+              <a:rPr lang="en-US" altLang="ko-KR" dirty="0" err="1" smtClean="0"/>
+              <a:t>sa</a:t>
+            </a:r>
+            <a:r>
+              <a:rPr lang="en-US" altLang="ko-KR" dirty="0" smtClean="0"/>
+              <a:t>[</a:t>
+            </a:r>
+            <a:r>
+              <a:rPr lang="en-US" altLang="ko-KR" dirty="0" err="1" smtClean="0"/>
+              <a:t>i</a:t>
+            </a:r>
+            <a:r>
+              <a:rPr lang="en-US" altLang="ko-KR" dirty="0" smtClean="0"/>
+              <a:t>]] = </a:t>
+            </a:r>
+            <a:r>
+              <a:rPr lang="en-US" altLang="ko-KR" dirty="0" err="1" smtClean="0"/>
+              <a:t>newGroup</a:t>
+            </a:r>
+            <a:r>
+              <a:rPr lang="en-US" altLang="ko-KR" dirty="0" smtClean="0"/>
+              <a:t>[</a:t>
+            </a:r>
+            <a:r>
+              <a:rPr lang="en-US" altLang="ko-KR" dirty="0" err="1" smtClean="0"/>
+              <a:t>i</a:t>
+            </a:r>
+            <a:r>
+              <a:rPr lang="en-US" altLang="ko-KR" dirty="0" smtClean="0"/>
+              <a:t>];</a:t>
+            </a:r>
+            <a:r>
+              <a:rPr lang="ko-KR" altLang="en-US" dirty="0" smtClean="0"/>
+              <a:t>의 의미는 무엇입니까</a:t>
+            </a:r>
+            <a:r>
+              <a:rPr lang="en-US" altLang="ko-KR" dirty="0" smtClean="0"/>
+              <a:t>?</a:t>
+            </a:r>
+          </a:p>
+          <a:p>
+            <a:r>
+              <a:rPr lang="en-US" altLang="ko-KR" dirty="0" smtClean="0"/>
+              <a:t>Q. </a:t>
+            </a:r>
+            <a:r>
+              <a:rPr lang="en-US" altLang="ko-KR" dirty="0" err="1" smtClean="0"/>
+              <a:t>cmp</a:t>
+            </a:r>
+            <a:r>
+              <a:rPr lang="ko-KR" altLang="en-US" dirty="0" smtClean="0"/>
+              <a:t>는 무엇을 비교하죠</a:t>
+            </a:r>
+            <a:r>
+              <a:rPr lang="en-US" altLang="ko-KR" dirty="0" smtClean="0"/>
+              <a:t>?</a:t>
+            </a:r>
+          </a:p>
+          <a:p>
+            <a:r>
+              <a:rPr lang="en-US" altLang="ko-KR" dirty="0" smtClean="0"/>
+              <a:t>Q. </a:t>
+            </a:r>
+            <a:r>
+              <a:rPr lang="ko-KR" altLang="en-US" dirty="0" smtClean="0"/>
+              <a:t>시간 복잡도를 설명해주세요</a:t>
+            </a:r>
+            <a:endParaRPr lang="en-US" altLang="ko-KR" dirty="0" smtClean="0"/>
           </a:p>
         </p:txBody>
       </p:sp>
     </p:spTree>
     <p:extLst>
       <p:ext uri="{BB962C8B-B14F-4D97-AF65-F5344CB8AC3E}">
-        <p14:creationId xmlns:p14="http://schemas.microsoft.com/office/powerpoint/2010/main" val="3248210411"/>
+        <p14:creationId xmlns:p14="http://schemas.microsoft.com/office/powerpoint/2010/main" val="3235555243"/>
       </p:ext>
     </p:extLst>
   </p:cSld>
@@ -3680,333 +3699,6 @@
           <a:lstStyle/>
           <a:p>
             <a:r>
-              <a:rPr lang="en-US" altLang="ko-KR" dirty="0" smtClean="0"/>
-              <a:t>suffixArray.cpp</a:t>
-            </a:r>
-            <a:endParaRPr lang="ko-KR" altLang="en-US" dirty="0"/>
-          </a:p>
-        </p:txBody>
-      </p:sp>
-      <p:sp>
-        <p:nvSpPr>
-          <p:cNvPr id="3" name="내용 개체 틀 2"/>
-          <p:cNvSpPr>
-            <a:spLocks noGrp="1"/>
-          </p:cNvSpPr>
-          <p:nvPr>
-            <p:ph idx="1"/>
-          </p:nvPr>
-        </p:nvSpPr>
-        <p:spPr>
-          <a:xfrm>
-            <a:off x="838200" y="1825624"/>
-            <a:ext cx="10515600" cy="5032375"/>
-          </a:xfrm>
-        </p:spPr>
-        <p:txBody>
-          <a:bodyPr>
-            <a:normAutofit/>
-          </a:bodyPr>
-          <a:lstStyle/>
-          <a:p>
-            <a:r>
-              <a:rPr lang="en-US" altLang="ko-KR" dirty="0" smtClean="0"/>
-              <a:t>Q. </a:t>
-            </a:r>
-            <a:r>
-              <a:rPr lang="en-US" altLang="ko-KR" dirty="0" err="1" smtClean="0"/>
-              <a:t>sa</a:t>
-            </a:r>
-            <a:r>
-              <a:rPr lang="en-US" altLang="ko-KR" dirty="0" smtClean="0"/>
-              <a:t>[</a:t>
-            </a:r>
-            <a:r>
-              <a:rPr lang="en-US" altLang="ko-KR" dirty="0" err="1" smtClean="0"/>
-              <a:t>i</a:t>
-            </a:r>
-            <a:r>
-              <a:rPr lang="en-US" altLang="ko-KR" dirty="0" smtClean="0"/>
-              <a:t>]</a:t>
-            </a:r>
-            <a:r>
-              <a:rPr lang="ko-KR" altLang="en-US" dirty="0" smtClean="0"/>
-              <a:t>의 정의는 무엇입니까</a:t>
-            </a:r>
-            <a:r>
-              <a:rPr lang="en-US" altLang="ko-KR" dirty="0" smtClean="0"/>
-              <a:t>?</a:t>
-            </a:r>
-            <a:endParaRPr lang="en-US" altLang="ko-KR" dirty="0"/>
-          </a:p>
-          <a:p>
-            <a:r>
-              <a:rPr lang="en-US" altLang="ko-KR" dirty="0" smtClean="0"/>
-              <a:t>Q. group[</a:t>
-            </a:r>
-            <a:r>
-              <a:rPr lang="en-US" altLang="ko-KR" dirty="0" err="1" smtClean="0"/>
-              <a:t>i</a:t>
-            </a:r>
-            <a:r>
-              <a:rPr lang="en-US" altLang="ko-KR" dirty="0" smtClean="0"/>
-              <a:t>] </a:t>
-            </a:r>
-            <a:r>
-              <a:rPr lang="ko-KR" altLang="en-US" dirty="0" smtClean="0"/>
-              <a:t>의 정의는 무엇입니까</a:t>
-            </a:r>
-            <a:r>
-              <a:rPr lang="en-US" altLang="ko-KR" dirty="0" smtClean="0"/>
-              <a:t>?</a:t>
-            </a:r>
-            <a:endParaRPr lang="en-US" altLang="ko-KR" dirty="0"/>
-          </a:p>
-          <a:p>
-            <a:r>
-              <a:rPr lang="en-US" altLang="ko-KR" dirty="0" smtClean="0"/>
-              <a:t>Q. group[</a:t>
-            </a:r>
-            <a:r>
-              <a:rPr lang="en-US" altLang="ko-KR" dirty="0" err="1" smtClean="0"/>
-              <a:t>i</a:t>
-            </a:r>
-            <a:r>
-              <a:rPr lang="en-US" altLang="ko-KR" dirty="0" smtClean="0"/>
-              <a:t>] = S[</a:t>
-            </a:r>
-            <a:r>
-              <a:rPr lang="en-US" altLang="ko-KR" dirty="0" err="1" smtClean="0"/>
-              <a:t>i</a:t>
-            </a:r>
-            <a:r>
-              <a:rPr lang="en-US" altLang="ko-KR" dirty="0" smtClean="0"/>
-              <a:t>];</a:t>
-            </a:r>
-            <a:r>
-              <a:rPr lang="ko-KR" altLang="en-US" dirty="0" smtClean="0"/>
-              <a:t>의 뜻은 무엇이죠</a:t>
-            </a:r>
-            <a:r>
-              <a:rPr lang="en-US" altLang="ko-KR" dirty="0" smtClean="0"/>
-              <a:t>?</a:t>
-            </a:r>
-            <a:endParaRPr lang="en-US" altLang="ko-KR" dirty="0"/>
-          </a:p>
-          <a:p>
-            <a:r>
-              <a:rPr lang="en-US" altLang="ko-KR" dirty="0" smtClean="0"/>
-              <a:t>Q. sort(</a:t>
-            </a:r>
-            <a:r>
-              <a:rPr lang="en-US" altLang="ko-KR" dirty="0" err="1" smtClean="0"/>
-              <a:t>sa</a:t>
-            </a:r>
-            <a:r>
-              <a:rPr lang="en-US" altLang="ko-KR" dirty="0" smtClean="0"/>
-              <a:t>, </a:t>
-            </a:r>
-            <a:r>
-              <a:rPr lang="en-US" altLang="ko-KR" dirty="0" err="1" smtClean="0"/>
-              <a:t>sa</a:t>
-            </a:r>
-            <a:r>
-              <a:rPr lang="en-US" altLang="ko-KR" dirty="0" smtClean="0"/>
-              <a:t> + N, </a:t>
-            </a:r>
-            <a:r>
-              <a:rPr lang="en-US" altLang="ko-KR" dirty="0" err="1" smtClean="0"/>
-              <a:t>cmp</a:t>
-            </a:r>
-            <a:r>
-              <a:rPr lang="en-US" altLang="ko-KR" dirty="0" smtClean="0"/>
-              <a:t>);</a:t>
-            </a:r>
-            <a:r>
-              <a:rPr lang="ko-KR" altLang="en-US" dirty="0" smtClean="0"/>
-              <a:t>는 어떻게 정렬이 됩니까</a:t>
-            </a:r>
-            <a:r>
-              <a:rPr lang="en-US" altLang="ko-KR" dirty="0" smtClean="0"/>
-              <a:t>?</a:t>
-            </a:r>
-          </a:p>
-          <a:p>
-            <a:r>
-              <a:rPr lang="en-US" altLang="ko-KR" dirty="0" smtClean="0"/>
-              <a:t>Q. </a:t>
-            </a:r>
-            <a:r>
-              <a:rPr lang="en-US" altLang="ko-KR" dirty="0" err="1" smtClean="0"/>
-              <a:t>newGroup</a:t>
-            </a:r>
-            <a:r>
-              <a:rPr lang="en-US" altLang="ko-KR" dirty="0" smtClean="0"/>
-              <a:t>[I + 1] = </a:t>
-            </a:r>
-            <a:r>
-              <a:rPr lang="en-US" altLang="ko-KR" dirty="0" err="1" smtClean="0"/>
-              <a:t>newGroup</a:t>
-            </a:r>
-            <a:r>
-              <a:rPr lang="en-US" altLang="ko-KR" dirty="0" smtClean="0"/>
-              <a:t>[</a:t>
-            </a:r>
-            <a:r>
-              <a:rPr lang="en-US" altLang="ko-KR" dirty="0" err="1" smtClean="0"/>
-              <a:t>i</a:t>
-            </a:r>
-            <a:r>
-              <a:rPr lang="en-US" altLang="ko-KR" dirty="0" smtClean="0"/>
-              <a:t>] + </a:t>
-            </a:r>
-            <a:r>
-              <a:rPr lang="en-US" altLang="ko-KR" dirty="0" err="1" smtClean="0"/>
-              <a:t>cmp</a:t>
-            </a:r>
-            <a:r>
-              <a:rPr lang="en-US" altLang="ko-KR" dirty="0" smtClean="0"/>
-              <a:t>(…);</a:t>
-            </a:r>
-            <a:r>
-              <a:rPr lang="ko-KR" altLang="en-US" dirty="0" smtClean="0"/>
-              <a:t>의 의미는 무엇이죠</a:t>
-            </a:r>
-            <a:r>
-              <a:rPr lang="en-US" altLang="ko-KR" dirty="0" smtClean="0"/>
-              <a:t>?</a:t>
-            </a:r>
-          </a:p>
-          <a:p>
-            <a:r>
-              <a:rPr lang="en-US" altLang="ko-KR" dirty="0" smtClean="0"/>
-              <a:t>Q. group[</a:t>
-            </a:r>
-            <a:r>
-              <a:rPr lang="en-US" altLang="ko-KR" dirty="0" err="1" smtClean="0"/>
-              <a:t>sa</a:t>
-            </a:r>
-            <a:r>
-              <a:rPr lang="en-US" altLang="ko-KR" dirty="0" smtClean="0"/>
-              <a:t>[</a:t>
-            </a:r>
-            <a:r>
-              <a:rPr lang="en-US" altLang="ko-KR" dirty="0" err="1" smtClean="0"/>
-              <a:t>i</a:t>
-            </a:r>
-            <a:r>
-              <a:rPr lang="en-US" altLang="ko-KR" dirty="0" smtClean="0"/>
-              <a:t>]] = </a:t>
-            </a:r>
-            <a:r>
-              <a:rPr lang="en-US" altLang="ko-KR" dirty="0" err="1" smtClean="0"/>
-              <a:t>newGroup</a:t>
-            </a:r>
-            <a:r>
-              <a:rPr lang="en-US" altLang="ko-KR" dirty="0" smtClean="0"/>
-              <a:t>[</a:t>
-            </a:r>
-            <a:r>
-              <a:rPr lang="en-US" altLang="ko-KR" dirty="0" err="1" smtClean="0"/>
-              <a:t>i</a:t>
-            </a:r>
-            <a:r>
-              <a:rPr lang="en-US" altLang="ko-KR" dirty="0" smtClean="0"/>
-              <a:t>];</a:t>
-            </a:r>
-            <a:r>
-              <a:rPr lang="ko-KR" altLang="en-US" dirty="0" smtClean="0"/>
-              <a:t>의 의미는 무엇입니까</a:t>
-            </a:r>
-            <a:r>
-              <a:rPr lang="en-US" altLang="ko-KR" dirty="0" smtClean="0"/>
-              <a:t>?</a:t>
-            </a:r>
-          </a:p>
-          <a:p>
-            <a:r>
-              <a:rPr lang="en-US" altLang="ko-KR" dirty="0" smtClean="0"/>
-              <a:t>Q. </a:t>
-            </a:r>
-            <a:r>
-              <a:rPr lang="en-US" altLang="ko-KR" dirty="0" err="1" smtClean="0"/>
-              <a:t>cmp</a:t>
-            </a:r>
-            <a:r>
-              <a:rPr lang="ko-KR" altLang="en-US" dirty="0" smtClean="0"/>
-              <a:t>는 무엇을 비교하죠</a:t>
-            </a:r>
-            <a:r>
-              <a:rPr lang="en-US" altLang="ko-KR" dirty="0" smtClean="0"/>
-              <a:t>?</a:t>
-            </a:r>
-          </a:p>
-          <a:p>
-            <a:r>
-              <a:rPr lang="en-US" altLang="ko-KR" dirty="0" smtClean="0"/>
-              <a:t>Q. </a:t>
-            </a:r>
-            <a:r>
-              <a:rPr lang="ko-KR" altLang="en-US" dirty="0" smtClean="0"/>
-              <a:t>시간 복잡도를 설명해주세요</a:t>
-            </a:r>
-            <a:endParaRPr lang="en-US" altLang="ko-KR" dirty="0" smtClean="0"/>
-          </a:p>
-        </p:txBody>
-      </p:sp>
-    </p:spTree>
-    <p:extLst>
-      <p:ext uri="{BB962C8B-B14F-4D97-AF65-F5344CB8AC3E}">
-        <p14:creationId xmlns:p14="http://schemas.microsoft.com/office/powerpoint/2010/main" val="3235555243"/>
-      </p:ext>
-    </p:extLst>
-  </p:cSld>
-  <p:clrMapOvr>
-    <a:masterClrMapping/>
-  </p:clrMapOvr>
-  <p:timing>
-    <p:tnLst>
-      <p:par>
-        <p:cTn id="1" dur="indefinite" restart="never" nodeType="tmRoot"/>
-      </p:par>
-    </p:tnLst>
-  </p:timing>
-</p:sld>
-</file>
-
-<file path=ppt/slides/slide14.xml><?xml version="1.0" encoding="utf-8"?>
-<p:sld xmlns:a="http://schemas.openxmlformats.org/drawingml/2006/main" xmlns:r="http://schemas.openxmlformats.org/officeDocument/2006/relationships" xmlns:p="http://schemas.openxmlformats.org/presentationml/2006/main">
-  <p:cSld>
-    <p:spTree>
-      <p:nvGrpSpPr>
-        <p:cNvPr id="1" name=""/>
-        <p:cNvGrpSpPr/>
-        <p:nvPr/>
-      </p:nvGrpSpPr>
-      <p:grpSpPr>
-        <a:xfrm>
-          <a:off x="0" y="0"/>
-          <a:ext cx="0" cy="0"/>
-          <a:chOff x="0" y="0"/>
-          <a:chExt cx="0" cy="0"/>
-        </a:xfrm>
-      </p:grpSpPr>
-      <p:sp>
-        <p:nvSpPr>
-          <p:cNvPr id="2" name="제목 1"/>
-          <p:cNvSpPr>
-            <a:spLocks noGrp="1"/>
-          </p:cNvSpPr>
-          <p:nvPr>
-            <p:ph type="title"/>
-          </p:nvPr>
-        </p:nvSpPr>
-        <p:spPr/>
-        <p:txBody>
-          <a:bodyPr/>
-          <a:lstStyle/>
-          <a:p>
-            <a:r>
               <a:rPr lang="ko-KR" altLang="en-US" dirty="0" smtClean="0"/>
               <a:t>외우죠 우리</a:t>
             </a:r>
@@ -4062,7 +3754,7 @@
 </p:sld>
 </file>
 
-<file path=ppt/slides/slide15.xml><?xml version="1.0" encoding="utf-8"?>
+<file path=ppt/slides/slide14.xml><?xml version="1.0" encoding="utf-8"?>
 <p:sld xmlns:a="http://schemas.openxmlformats.org/drawingml/2006/main" xmlns:r="http://schemas.openxmlformats.org/officeDocument/2006/relationships" xmlns:p="http://schemas.openxmlformats.org/presentationml/2006/main">
   <p:cSld>
     <p:spTree>
@@ -4269,6 +3961,518 @@
 </p:sld>
 </file>
 
+<file path=ppt/slides/slide15.xml><?xml version="1.0" encoding="utf-8"?>
+<p:sld xmlns:a="http://schemas.openxmlformats.org/drawingml/2006/main" xmlns:r="http://schemas.openxmlformats.org/officeDocument/2006/relationships" xmlns:p="http://schemas.openxmlformats.org/presentationml/2006/main">
+  <p:cSld>
+    <p:spTree>
+      <p:nvGrpSpPr>
+        <p:cNvPr id="1" name=""/>
+        <p:cNvGrpSpPr/>
+        <p:nvPr/>
+      </p:nvGrpSpPr>
+      <p:grpSpPr>
+        <a:xfrm>
+          <a:off x="0" y="0"/>
+          <a:ext cx="0" cy="0"/>
+          <a:chOff x="0" y="0"/>
+          <a:chExt cx="0" cy="0"/>
+        </a:xfrm>
+      </p:grpSpPr>
+      <p:sp>
+        <p:nvSpPr>
+          <p:cNvPr id="2" name="제목 1"/>
+          <p:cNvSpPr>
+            <a:spLocks noGrp="1"/>
+          </p:cNvSpPr>
+          <p:nvPr>
+            <p:ph type="title"/>
+          </p:nvPr>
+        </p:nvSpPr>
+        <p:spPr/>
+        <p:txBody>
+          <a:bodyPr/>
+          <a:lstStyle/>
+          <a:p>
+            <a:r>
+              <a:rPr lang="en-US" altLang="ko-KR" dirty="0" smtClean="0"/>
+              <a:t>LCP(Longest Common Prefix)</a:t>
+            </a:r>
+            <a:endParaRPr lang="ko-KR" altLang="en-US" dirty="0"/>
+          </a:p>
+        </p:txBody>
+      </p:sp>
+      <p:sp>
+        <p:nvSpPr>
+          <p:cNvPr id="3" name="내용 개체 틀 2"/>
+          <p:cNvSpPr>
+            <a:spLocks noGrp="1"/>
+          </p:cNvSpPr>
+          <p:nvPr>
+            <p:ph idx="1"/>
+          </p:nvPr>
+        </p:nvSpPr>
+        <p:spPr/>
+        <p:txBody>
+          <a:bodyPr/>
+          <a:lstStyle/>
+          <a:p>
+            <a:r>
+              <a:rPr lang="ko-KR" altLang="en-US" dirty="0" smtClean="0"/>
+              <a:t>인접한 접미사와 몇 칸까지 겹치냐</a:t>
+            </a:r>
+            <a:r>
+              <a:rPr lang="en-US" altLang="ko-KR" dirty="0" smtClean="0"/>
+              <a:t>. -&gt; </a:t>
+            </a:r>
+            <a:r>
+              <a:rPr lang="ko-KR" altLang="en-US" dirty="0" smtClean="0"/>
+              <a:t>바로 뒤의 접미사와 몇 칸까지 겹치냐</a:t>
+            </a:r>
+            <a:endParaRPr lang="en-US" altLang="ko-KR" dirty="0" smtClean="0"/>
+          </a:p>
+          <a:p>
+            <a:endParaRPr lang="en-US" altLang="ko-KR" dirty="0"/>
+          </a:p>
+          <a:p>
+            <a:endParaRPr lang="ko-KR" altLang="en-US" dirty="0"/>
+          </a:p>
+        </p:txBody>
+      </p:sp>
+      <p:graphicFrame>
+        <p:nvGraphicFramePr>
+          <p:cNvPr id="4" name="표 3"/>
+          <p:cNvGraphicFramePr>
+            <a:graphicFrameLocks noGrp="1"/>
+          </p:cNvGraphicFramePr>
+          <p:nvPr>
+            <p:extLst>
+              <p:ext uri="{D42A27DB-BD31-4B8C-83A1-F6EECF244321}">
+                <p14:modId xmlns:p14="http://schemas.microsoft.com/office/powerpoint/2010/main" val="668969075"/>
+              </p:ext>
+            </p:extLst>
+          </p:nvPr>
+        </p:nvGraphicFramePr>
+        <p:xfrm>
+          <a:off x="1834292" y="2804160"/>
+          <a:ext cx="8495958" cy="4053840"/>
+        </p:xfrm>
+        <a:graphic>
+          <a:graphicData uri="http://schemas.openxmlformats.org/drawingml/2006/table">
+            <a:tbl>
+              <a:tblPr firstRow="1" bandRow="1">
+                <a:tableStyleId>{5C22544A-7EE6-4342-B048-85BDC9FD1C3A}</a:tableStyleId>
+              </a:tblPr>
+              <a:tblGrid>
+                <a:gridCol w="5134919">
+                  <a:extLst>
+                    <a:ext uri="{9D8B030D-6E8A-4147-A177-3AD203B41FA5}">
+                      <a16:colId xmlns:a16="http://schemas.microsoft.com/office/drawing/2014/main" val="1237195080"/>
+                    </a:ext>
+                  </a:extLst>
+                </a:gridCol>
+                <a:gridCol w="1705232">
+                  <a:extLst>
+                    <a:ext uri="{9D8B030D-6E8A-4147-A177-3AD203B41FA5}">
+                      <a16:colId xmlns:a16="http://schemas.microsoft.com/office/drawing/2014/main" val="3898782301"/>
+                    </a:ext>
+                  </a:extLst>
+                </a:gridCol>
+                <a:gridCol w="1655807">
+                  <a:extLst>
+                    <a:ext uri="{9D8B030D-6E8A-4147-A177-3AD203B41FA5}">
+                      <a16:colId xmlns:a16="http://schemas.microsoft.com/office/drawing/2014/main" val="2626005294"/>
+                    </a:ext>
+                  </a:extLst>
+                </a:gridCol>
+              </a:tblGrid>
+              <a:tr h="529150">
+                <a:tc>
+                  <a:txBody>
+                    <a:bodyPr/>
+                    <a:lstStyle/>
+                    <a:p>
+                      <a:pPr algn="ctr" latinLnBrk="1"/>
+                      <a:r>
+                        <a:rPr lang="en-US" altLang="ko-KR" sz="3200" dirty="0" smtClean="0"/>
+                        <a:t>suffix</a:t>
+                      </a:r>
+                      <a:endParaRPr lang="ko-KR" altLang="en-US" sz="3200" dirty="0"/>
+                    </a:p>
+                  </a:txBody>
+                  <a:tcPr/>
+                </a:tc>
+                <a:tc>
+                  <a:txBody>
+                    <a:bodyPr/>
+                    <a:lstStyle/>
+                    <a:p>
+                      <a:pPr algn="ctr" latinLnBrk="1"/>
+                      <a:r>
+                        <a:rPr lang="en-US" altLang="ko-KR" sz="3200" dirty="0" smtClean="0"/>
+                        <a:t>SA</a:t>
+                      </a:r>
+                      <a:endParaRPr lang="ko-KR" altLang="en-US" sz="3200" dirty="0"/>
+                    </a:p>
+                  </a:txBody>
+                  <a:tcPr/>
+                </a:tc>
+                <a:tc>
+                  <a:txBody>
+                    <a:bodyPr/>
+                    <a:lstStyle/>
+                    <a:p>
+                      <a:pPr algn="ctr" latinLnBrk="1"/>
+                      <a:r>
+                        <a:rPr lang="en-US" altLang="ko-KR" sz="3200" dirty="0" smtClean="0"/>
+                        <a:t>LCP</a:t>
+                      </a:r>
+                      <a:endParaRPr lang="ko-KR" altLang="en-US" sz="3200" dirty="0"/>
+                    </a:p>
+                  </a:txBody>
+                  <a:tcPr/>
+                </a:tc>
+                <a:extLst>
+                  <a:ext uri="{0D108BD9-81ED-4DB2-BD59-A6C34878D82A}">
+                    <a16:rowId xmlns:a16="http://schemas.microsoft.com/office/drawing/2014/main" val="3608373839"/>
+                  </a:ext>
+                </a:extLst>
+              </a:tr>
+              <a:tr h="529150">
+                <a:tc>
+                  <a:txBody>
+                    <a:bodyPr/>
+                    <a:lstStyle/>
+                    <a:p>
+                      <a:pPr algn="ctr" latinLnBrk="1"/>
+                      <a:r>
+                        <a:rPr lang="en-US" altLang="ko-KR" sz="3200" dirty="0" smtClean="0"/>
+                        <a:t>a</a:t>
+                      </a:r>
+                      <a:endParaRPr lang="ko-KR" altLang="en-US" sz="3200" dirty="0"/>
+                    </a:p>
+                  </a:txBody>
+                  <a:tcPr/>
+                </a:tc>
+                <a:tc>
+                  <a:txBody>
+                    <a:bodyPr/>
+                    <a:lstStyle/>
+                    <a:p>
+                      <a:pPr algn="ctr" latinLnBrk="1"/>
+                      <a:r>
+                        <a:rPr lang="en-US" altLang="ko-KR" sz="3200" dirty="0" smtClean="0"/>
+                        <a:t>5</a:t>
+                      </a:r>
+                      <a:endParaRPr lang="ko-KR" altLang="en-US" sz="3200" dirty="0"/>
+                    </a:p>
+                  </a:txBody>
+                  <a:tcPr/>
+                </a:tc>
+                <a:tc>
+                  <a:txBody>
+                    <a:bodyPr/>
+                    <a:lstStyle/>
+                    <a:p>
+                      <a:pPr algn="ctr" latinLnBrk="1"/>
+                      <a:r>
+                        <a:rPr lang="en-US" altLang="ko-KR" sz="3200" dirty="0" smtClean="0"/>
+                        <a:t>1</a:t>
+                      </a:r>
+                      <a:endParaRPr lang="ko-KR" altLang="en-US" sz="3200" dirty="0"/>
+                    </a:p>
+                  </a:txBody>
+                  <a:tcPr/>
+                </a:tc>
+                <a:extLst>
+                  <a:ext uri="{0D108BD9-81ED-4DB2-BD59-A6C34878D82A}">
+                    <a16:rowId xmlns:a16="http://schemas.microsoft.com/office/drawing/2014/main" val="3303038002"/>
+                  </a:ext>
+                </a:extLst>
+              </a:tr>
+              <a:tr h="529150">
+                <a:tc>
+                  <a:txBody>
+                    <a:bodyPr/>
+                    <a:lstStyle/>
+                    <a:p>
+                      <a:pPr algn="ctr" latinLnBrk="1"/>
+                      <a:r>
+                        <a:rPr lang="en-US" altLang="ko-KR" sz="3200" dirty="0" err="1" smtClean="0"/>
+                        <a:t>ana</a:t>
+                      </a:r>
+                      <a:endParaRPr lang="ko-KR" altLang="en-US" sz="3200" dirty="0"/>
+                    </a:p>
+                  </a:txBody>
+                  <a:tcPr/>
+                </a:tc>
+                <a:tc>
+                  <a:txBody>
+                    <a:bodyPr/>
+                    <a:lstStyle/>
+                    <a:p>
+                      <a:pPr algn="ctr" latinLnBrk="1"/>
+                      <a:r>
+                        <a:rPr lang="en-US" altLang="ko-KR" sz="3200" dirty="0" smtClean="0"/>
+                        <a:t>3</a:t>
+                      </a:r>
+                      <a:endParaRPr lang="ko-KR" altLang="en-US" sz="3200" dirty="0"/>
+                    </a:p>
+                  </a:txBody>
+                  <a:tcPr/>
+                </a:tc>
+                <a:tc>
+                  <a:txBody>
+                    <a:bodyPr/>
+                    <a:lstStyle/>
+                    <a:p>
+                      <a:pPr algn="ctr" latinLnBrk="1"/>
+                      <a:r>
+                        <a:rPr lang="en-US" altLang="ko-KR" sz="3200" dirty="0" smtClean="0"/>
+                        <a:t>3</a:t>
+                      </a:r>
+                      <a:endParaRPr lang="ko-KR" altLang="en-US" sz="3200" dirty="0"/>
+                    </a:p>
+                  </a:txBody>
+                  <a:tcPr/>
+                </a:tc>
+                <a:extLst>
+                  <a:ext uri="{0D108BD9-81ED-4DB2-BD59-A6C34878D82A}">
+                    <a16:rowId xmlns:a16="http://schemas.microsoft.com/office/drawing/2014/main" val="3751837614"/>
+                  </a:ext>
+                </a:extLst>
+              </a:tr>
+              <a:tr h="529150">
+                <a:tc>
+                  <a:txBody>
+                    <a:bodyPr/>
+                    <a:lstStyle/>
+                    <a:p>
+                      <a:pPr algn="ctr" latinLnBrk="1"/>
+                      <a:r>
+                        <a:rPr lang="en-US" altLang="ko-KR" sz="3200" dirty="0" err="1" smtClean="0"/>
+                        <a:t>anana</a:t>
+                      </a:r>
+                      <a:endParaRPr lang="ko-KR" altLang="en-US" sz="3200" dirty="0"/>
+                    </a:p>
+                  </a:txBody>
+                  <a:tcPr/>
+                </a:tc>
+                <a:tc>
+                  <a:txBody>
+                    <a:bodyPr/>
+                    <a:lstStyle/>
+                    <a:p>
+                      <a:pPr algn="ctr" latinLnBrk="1"/>
+                      <a:r>
+                        <a:rPr lang="en-US" altLang="ko-KR" sz="3200" dirty="0" smtClean="0"/>
+                        <a:t>1</a:t>
+                      </a:r>
+                      <a:endParaRPr lang="ko-KR" altLang="en-US" sz="3200" dirty="0"/>
+                    </a:p>
+                  </a:txBody>
+                  <a:tcPr/>
+                </a:tc>
+                <a:tc>
+                  <a:txBody>
+                    <a:bodyPr/>
+                    <a:lstStyle/>
+                    <a:p>
+                      <a:pPr algn="ctr" latinLnBrk="1"/>
+                      <a:r>
+                        <a:rPr lang="en-US" altLang="ko-KR" sz="3200" dirty="0" smtClean="0"/>
+                        <a:t>0</a:t>
+                      </a:r>
+                      <a:endParaRPr lang="ko-KR" altLang="en-US" sz="3200" dirty="0"/>
+                    </a:p>
+                  </a:txBody>
+                  <a:tcPr/>
+                </a:tc>
+                <a:extLst>
+                  <a:ext uri="{0D108BD9-81ED-4DB2-BD59-A6C34878D82A}">
+                    <a16:rowId xmlns:a16="http://schemas.microsoft.com/office/drawing/2014/main" val="2908152663"/>
+                  </a:ext>
+                </a:extLst>
+              </a:tr>
+              <a:tr h="529150">
+                <a:tc>
+                  <a:txBody>
+                    <a:bodyPr/>
+                    <a:lstStyle/>
+                    <a:p>
+                      <a:pPr algn="ctr" latinLnBrk="1"/>
+                      <a:r>
+                        <a:rPr lang="en-US" altLang="ko-KR" sz="3200" dirty="0" smtClean="0"/>
+                        <a:t>banana</a:t>
+                      </a:r>
+                      <a:endParaRPr lang="ko-KR" altLang="en-US" sz="3200" dirty="0"/>
+                    </a:p>
+                  </a:txBody>
+                  <a:tcPr/>
+                </a:tc>
+                <a:tc>
+                  <a:txBody>
+                    <a:bodyPr/>
+                    <a:lstStyle/>
+                    <a:p>
+                      <a:pPr algn="ctr" latinLnBrk="1"/>
+                      <a:r>
+                        <a:rPr lang="en-US" altLang="ko-KR" sz="3200" dirty="0" smtClean="0"/>
+                        <a:t>0</a:t>
+                      </a:r>
+                      <a:endParaRPr lang="ko-KR" altLang="en-US" sz="3200" dirty="0"/>
+                    </a:p>
+                  </a:txBody>
+                  <a:tcPr/>
+                </a:tc>
+                <a:tc>
+                  <a:txBody>
+                    <a:bodyPr/>
+                    <a:lstStyle/>
+                    <a:p>
+                      <a:pPr algn="ctr" latinLnBrk="1"/>
+                      <a:r>
+                        <a:rPr lang="en-US" altLang="ko-KR" sz="3200" dirty="0" smtClean="0"/>
+                        <a:t>0</a:t>
+                      </a:r>
+                      <a:endParaRPr lang="ko-KR" altLang="en-US" sz="3200" dirty="0"/>
+                    </a:p>
+                  </a:txBody>
+                  <a:tcPr/>
+                </a:tc>
+                <a:extLst>
+                  <a:ext uri="{0D108BD9-81ED-4DB2-BD59-A6C34878D82A}">
+                    <a16:rowId xmlns:a16="http://schemas.microsoft.com/office/drawing/2014/main" val="2615635637"/>
+                  </a:ext>
+                </a:extLst>
+              </a:tr>
+              <a:tr h="529150">
+                <a:tc>
+                  <a:txBody>
+                    <a:bodyPr/>
+                    <a:lstStyle/>
+                    <a:p>
+                      <a:pPr algn="ctr" latinLnBrk="1"/>
+                      <a:r>
+                        <a:rPr lang="en-US" altLang="ko-KR" sz="3200" dirty="0" err="1" smtClean="0"/>
+                        <a:t>na</a:t>
+                      </a:r>
+                      <a:endParaRPr lang="ko-KR" altLang="en-US" sz="3200" dirty="0"/>
+                    </a:p>
+                  </a:txBody>
+                  <a:tcPr/>
+                </a:tc>
+                <a:tc>
+                  <a:txBody>
+                    <a:bodyPr/>
+                    <a:lstStyle/>
+                    <a:p>
+                      <a:pPr algn="ctr" latinLnBrk="1"/>
+                      <a:r>
+                        <a:rPr lang="en-US" altLang="ko-KR" sz="3200" dirty="0" smtClean="0"/>
+                        <a:t>4</a:t>
+                      </a:r>
+                      <a:endParaRPr lang="ko-KR" altLang="en-US" sz="3200" dirty="0"/>
+                    </a:p>
+                  </a:txBody>
+                  <a:tcPr/>
+                </a:tc>
+                <a:tc>
+                  <a:txBody>
+                    <a:bodyPr/>
+                    <a:lstStyle/>
+                    <a:p>
+                      <a:pPr algn="ctr" latinLnBrk="1"/>
+                      <a:r>
+                        <a:rPr lang="en-US" altLang="ko-KR" sz="3200" dirty="0" smtClean="0"/>
+                        <a:t>2</a:t>
+                      </a:r>
+                      <a:endParaRPr lang="ko-KR" altLang="en-US" sz="3200" dirty="0"/>
+                    </a:p>
+                  </a:txBody>
+                  <a:tcPr/>
+                </a:tc>
+                <a:extLst>
+                  <a:ext uri="{0D108BD9-81ED-4DB2-BD59-A6C34878D82A}">
+                    <a16:rowId xmlns:a16="http://schemas.microsoft.com/office/drawing/2014/main" val="2874745690"/>
+                  </a:ext>
+                </a:extLst>
+              </a:tr>
+              <a:tr h="529150">
+                <a:tc>
+                  <a:txBody>
+                    <a:bodyPr/>
+                    <a:lstStyle/>
+                    <a:p>
+                      <a:pPr algn="ctr" latinLnBrk="1"/>
+                      <a:r>
+                        <a:rPr lang="en-US" altLang="ko-KR" sz="3200" dirty="0" smtClean="0"/>
+                        <a:t>nana</a:t>
+                      </a:r>
+                      <a:endParaRPr lang="ko-KR" altLang="en-US" sz="3200" dirty="0"/>
+                    </a:p>
+                  </a:txBody>
+                  <a:tcPr/>
+                </a:tc>
+                <a:tc>
+                  <a:txBody>
+                    <a:bodyPr/>
+                    <a:lstStyle/>
+                    <a:p>
+                      <a:pPr algn="ctr" latinLnBrk="1"/>
+                      <a:r>
+                        <a:rPr lang="en-US" altLang="ko-KR" sz="3200" dirty="0" smtClean="0"/>
+                        <a:t>2</a:t>
+                      </a:r>
+                      <a:endParaRPr lang="ko-KR" altLang="en-US" sz="3200" dirty="0"/>
+                    </a:p>
+                  </a:txBody>
+                  <a:tcPr/>
+                </a:tc>
+                <a:tc>
+                  <a:txBody>
+                    <a:bodyPr/>
+                    <a:lstStyle/>
+                    <a:p>
+                      <a:pPr algn="ctr" latinLnBrk="1"/>
+                      <a:r>
+                        <a:rPr lang="en-US" altLang="ko-KR" sz="3200" dirty="0" smtClean="0"/>
+                        <a:t>X</a:t>
+                      </a:r>
+                      <a:endParaRPr lang="ko-KR" altLang="en-US" sz="3200" dirty="0"/>
+                    </a:p>
+                  </a:txBody>
+                  <a:tcPr/>
+                </a:tc>
+                <a:extLst>
+                  <a:ext uri="{0D108BD9-81ED-4DB2-BD59-A6C34878D82A}">
+                    <a16:rowId xmlns:a16="http://schemas.microsoft.com/office/drawing/2014/main" val="483111938"/>
+                  </a:ext>
+                </a:extLst>
+              </a:tr>
+            </a:tbl>
+          </a:graphicData>
+        </a:graphic>
+      </p:graphicFrame>
+    </p:spTree>
+    <p:extLst>
+      <p:ext uri="{BB962C8B-B14F-4D97-AF65-F5344CB8AC3E}">
+        <p14:creationId xmlns:p14="http://schemas.microsoft.com/office/powerpoint/2010/main" val="1280101680"/>
+      </p:ext>
+    </p:extLst>
+  </p:cSld>
+  <p:clrMapOvr>
+    <a:masterClrMapping/>
+  </p:clrMapOvr>
+  <p:timing>
+    <p:tnLst>
+      <p:par>
+        <p:cTn id="1" dur="indefinite" restart="never" nodeType="tmRoot"/>
+      </p:par>
+    </p:tnLst>
+  </p:timing>
+</p:sld>
+</file>
+
 <file path=ppt/slides/slide16.xml><?xml version="1.0" encoding="utf-8"?>
 <p:sld xmlns:a="http://schemas.openxmlformats.org/drawingml/2006/main" xmlns:r="http://schemas.openxmlformats.org/officeDocument/2006/relationships" xmlns:p="http://schemas.openxmlformats.org/presentationml/2006/main">
   <p:cSld>
@@ -4301,7 +4505,11 @@
           <a:bodyPr/>
           <a:lstStyle/>
           <a:p>
-            <a:endParaRPr lang="ko-KR" altLang="en-US"/>
+            <a:r>
+              <a:rPr lang="en-US" altLang="ko-KR" dirty="0"/>
+              <a:t>LCP(Longest Common Prefix)</a:t>
+            </a:r>
+            <a:endParaRPr lang="ko-KR" altLang="en-US" dirty="0"/>
           </a:p>
         </p:txBody>
       </p:sp>
@@ -4320,14 +4528,191 @@
           <a:bodyPr/>
           <a:lstStyle/>
           <a:p>
-            <a:endParaRPr lang="ko-KR" altLang="en-US"/>
+            <a:r>
+              <a:rPr lang="en-US" altLang="ko-KR" dirty="0" smtClean="0"/>
+              <a:t>Suffix Array</a:t>
+            </a:r>
+            <a:r>
+              <a:rPr lang="ko-KR" altLang="en-US" dirty="0" smtClean="0"/>
+              <a:t>가 주어지면 </a:t>
+            </a:r>
+            <a:r>
+              <a:rPr lang="en-US" altLang="ko-KR" dirty="0" smtClean="0"/>
+              <a:t>O(N)</a:t>
+            </a:r>
+            <a:r>
+              <a:rPr lang="ko-KR" altLang="en-US" dirty="0" smtClean="0"/>
+              <a:t>만에 구할 수 있다</a:t>
+            </a:r>
+            <a:r>
+              <a:rPr lang="en-US" altLang="ko-KR" dirty="0" smtClean="0"/>
+              <a:t>!</a:t>
+            </a:r>
+          </a:p>
+          <a:p>
+            <a:endParaRPr lang="en-US" altLang="ko-KR" dirty="0"/>
+          </a:p>
+          <a:p>
+            <a:endParaRPr lang="en-US" altLang="ko-KR" dirty="0" smtClean="0"/>
+          </a:p>
+          <a:p>
+            <a:r>
+              <a:rPr lang="ko-KR" altLang="en-US" b="1" dirty="0" smtClean="0">
+                <a:solidFill>
+                  <a:srgbClr val="FF0000"/>
+                </a:solidFill>
+              </a:rPr>
+              <a:t>어떤 두 인접한 접미사 </a:t>
+            </a:r>
+            <a:r>
+              <a:rPr lang="en-US" altLang="ko-KR" b="1" dirty="0" smtClean="0">
+                <a:solidFill>
+                  <a:srgbClr val="FF0000"/>
+                </a:solidFill>
+              </a:rPr>
+              <a:t>X, Y</a:t>
+            </a:r>
+            <a:r>
+              <a:rPr lang="ko-KR" altLang="en-US" b="1" dirty="0" smtClean="0">
+                <a:solidFill>
+                  <a:srgbClr val="FF0000"/>
+                </a:solidFill>
+              </a:rPr>
+              <a:t>가 있고 그들의 </a:t>
+            </a:r>
+            <a:r>
+              <a:rPr lang="en-US" altLang="ko-KR" b="1" dirty="0" smtClean="0">
+                <a:solidFill>
+                  <a:srgbClr val="FF0000"/>
+                </a:solidFill>
+              </a:rPr>
+              <a:t>LCP </a:t>
+            </a:r>
+            <a:r>
+              <a:rPr lang="ko-KR" altLang="en-US" b="1" dirty="0" smtClean="0">
+                <a:solidFill>
+                  <a:srgbClr val="FF0000"/>
+                </a:solidFill>
+              </a:rPr>
+              <a:t>값이 </a:t>
+            </a:r>
+            <a:r>
+              <a:rPr lang="en-US" altLang="ko-KR" b="1" dirty="0" smtClean="0">
+                <a:solidFill>
+                  <a:srgbClr val="FF0000"/>
+                </a:solidFill>
+              </a:rPr>
+              <a:t>z(&gt; 0)</a:t>
+            </a:r>
+            <a:r>
+              <a:rPr lang="ko-KR" altLang="en-US" b="1" dirty="0" smtClean="0">
+                <a:solidFill>
+                  <a:srgbClr val="FF0000"/>
+                </a:solidFill>
+              </a:rPr>
+              <a:t>이면</a:t>
+            </a:r>
+            <a:r>
+              <a:rPr lang="en-US" altLang="ko-KR" b="1" dirty="0" smtClean="0">
+                <a:solidFill>
+                  <a:srgbClr val="FF0000"/>
+                </a:solidFill>
+              </a:rPr>
+              <a:t>, X, Y</a:t>
+            </a:r>
+            <a:r>
+              <a:rPr lang="ko-KR" altLang="en-US" b="1" dirty="0" smtClean="0">
+                <a:solidFill>
+                  <a:srgbClr val="FF0000"/>
+                </a:solidFill>
+              </a:rPr>
+              <a:t>에서 앞의 한 글자씩을 뺀 것 역시 접미사이며</a:t>
+            </a:r>
+            <a:r>
+              <a:rPr lang="en-US" altLang="ko-KR" b="1" dirty="0" smtClean="0">
+                <a:solidFill>
+                  <a:srgbClr val="FF0000"/>
+                </a:solidFill>
+              </a:rPr>
+              <a:t>, </a:t>
+            </a:r>
+            <a:r>
+              <a:rPr lang="ko-KR" altLang="en-US" b="1" dirty="0" smtClean="0">
+                <a:solidFill>
+                  <a:srgbClr val="FF0000"/>
+                </a:solidFill>
+              </a:rPr>
+              <a:t>이들의 </a:t>
+            </a:r>
+            <a:r>
+              <a:rPr lang="en-US" altLang="ko-KR" b="1" dirty="0" smtClean="0">
+                <a:solidFill>
+                  <a:srgbClr val="FF0000"/>
+                </a:solidFill>
+              </a:rPr>
+              <a:t>LCP </a:t>
+            </a:r>
+            <a:r>
+              <a:rPr lang="ko-KR" altLang="en-US" b="1" dirty="0" smtClean="0">
+                <a:solidFill>
+                  <a:srgbClr val="FF0000"/>
+                </a:solidFill>
+              </a:rPr>
+              <a:t>값은 최소 </a:t>
+            </a:r>
+            <a:r>
+              <a:rPr lang="en-US" altLang="ko-KR" b="1" dirty="0" smtClean="0">
+                <a:solidFill>
+                  <a:srgbClr val="FF0000"/>
+                </a:solidFill>
+              </a:rPr>
+              <a:t>z – 1</a:t>
+            </a:r>
+            <a:r>
+              <a:rPr lang="ko-KR" altLang="en-US" b="1" dirty="0" smtClean="0">
+                <a:solidFill>
+                  <a:srgbClr val="FF0000"/>
+                </a:solidFill>
+              </a:rPr>
+              <a:t>이다</a:t>
+            </a:r>
+            <a:r>
+              <a:rPr lang="en-US" altLang="ko-KR" b="1" dirty="0" smtClean="0">
+                <a:solidFill>
+                  <a:srgbClr val="FF0000"/>
+                </a:solidFill>
+              </a:rPr>
+              <a:t>.</a:t>
+            </a:r>
+          </a:p>
+          <a:p>
+            <a:endParaRPr lang="en-US" altLang="ko-KR" b="1" dirty="0">
+              <a:solidFill>
+                <a:srgbClr val="FF0000"/>
+              </a:solidFill>
+            </a:endParaRPr>
+          </a:p>
+          <a:p>
+            <a:r>
+              <a:rPr lang="ko-KR" altLang="en-US" b="1" dirty="0" smtClean="0">
+                <a:solidFill>
+                  <a:srgbClr val="FF0000"/>
+                </a:solidFill>
+              </a:rPr>
+              <a:t>코드 구경</a:t>
+            </a:r>
+            <a:endParaRPr lang="ko-KR" altLang="en-US" b="1" dirty="0">
+              <a:solidFill>
+                <a:srgbClr val="FF0000"/>
+              </a:solidFill>
+            </a:endParaRPr>
           </a:p>
         </p:txBody>
       </p:sp>
     </p:spTree>
     <p:extLst>
       <p:ext uri="{BB962C8B-B14F-4D97-AF65-F5344CB8AC3E}">
-        <p14:creationId xmlns:p14="http://schemas.microsoft.com/office/powerpoint/2010/main" val="1280101680"/>
+        <p14:creationId xmlns:p14="http://schemas.microsoft.com/office/powerpoint/2010/main" val="302587588"/>
       </p:ext>
     </p:extLst>
   </p:cSld>
@@ -4376,7 +4761,11 @@
           <a:bodyPr/>
           <a:lstStyle/>
           <a:p>
-            <a:endParaRPr lang="ko-KR" altLang="en-US"/>
+            <a:r>
+              <a:rPr lang="ko-KR" altLang="en-US" dirty="0" smtClean="0"/>
+              <a:t>외울까요 </a:t>
+            </a:r>
+            <a:endParaRPr lang="ko-KR" altLang="en-US" dirty="0"/>
           </a:p>
         </p:txBody>
       </p:sp>
@@ -4395,14 +4784,264 @@
           <a:bodyPr/>
           <a:lstStyle/>
           <a:p>
-            <a:endParaRPr lang="ko-KR" altLang="en-US"/>
+            <a:r>
+              <a:rPr lang="en-US" altLang="ko-KR" dirty="0">
+                <a:hlinkClick r:id="rId2"/>
+              </a:rPr>
+              <a:t>https://</a:t>
+            </a:r>
+            <a:r>
+              <a:rPr lang="en-US" altLang="ko-KR" dirty="0" smtClean="0">
+                <a:hlinkClick r:id="rId2"/>
+              </a:rPr>
+              <a:t>www.acmicpc.net/problem/9248</a:t>
+            </a:r>
+            <a:endParaRPr lang="ko-KR" altLang="en-US" dirty="0"/>
+          </a:p>
+          <a:p>
+            <a:endParaRPr lang="ko-KR" altLang="en-US" dirty="0"/>
           </a:p>
         </p:txBody>
       </p:sp>
     </p:spTree>
     <p:extLst>
       <p:ext uri="{BB962C8B-B14F-4D97-AF65-F5344CB8AC3E}">
-        <p14:creationId xmlns:p14="http://schemas.microsoft.com/office/powerpoint/2010/main" val="302587588"/>
+        <p14:creationId xmlns:p14="http://schemas.microsoft.com/office/powerpoint/2010/main" val="4088913484"/>
+      </p:ext>
+    </p:extLst>
+  </p:cSld>
+  <p:clrMapOvr>
+    <a:masterClrMapping/>
+  </p:clrMapOvr>
+  <p:timing>
+    <p:tnLst>
+      <p:par>
+        <p:cTn id="1" dur="indefinite" restart="never" nodeType="tmRoot"/>
+      </p:par>
+    </p:tnLst>
+  </p:timing>
+</p:sld>
+</file>
+
+<file path=ppt/slides/slide18.xml><?xml version="1.0" encoding="utf-8"?>
+<p:sld xmlns:a="http://schemas.openxmlformats.org/drawingml/2006/main" xmlns:r="http://schemas.openxmlformats.org/officeDocument/2006/relationships" xmlns:p="http://schemas.openxmlformats.org/presentationml/2006/main">
+  <p:cSld>
+    <p:spTree>
+      <p:nvGrpSpPr>
+        <p:cNvPr id="1" name=""/>
+        <p:cNvGrpSpPr/>
+        <p:nvPr/>
+      </p:nvGrpSpPr>
+      <p:grpSpPr>
+        <a:xfrm>
+          <a:off x="0" y="0"/>
+          <a:ext cx="0" cy="0"/>
+          <a:chOff x="0" y="0"/>
+          <a:chExt cx="0" cy="0"/>
+        </a:xfrm>
+      </p:grpSpPr>
+      <p:sp>
+        <p:nvSpPr>
+          <p:cNvPr id="2" name="제목 1"/>
+          <p:cNvSpPr>
+            <a:spLocks noGrp="1"/>
+          </p:cNvSpPr>
+          <p:nvPr>
+            <p:ph type="title"/>
+          </p:nvPr>
+        </p:nvSpPr>
+        <p:spPr/>
+        <p:txBody>
+          <a:bodyPr/>
+          <a:lstStyle/>
+          <a:p>
+            <a:r>
+              <a:rPr lang="ko-KR" altLang="en-US" dirty="0" smtClean="0"/>
+              <a:t>응용해볼까요</a:t>
+            </a:r>
+            <a:r>
+              <a:rPr lang="en-US" altLang="ko-KR" dirty="0" smtClean="0"/>
+              <a:t>?</a:t>
+            </a:r>
+            <a:endParaRPr lang="ko-KR" altLang="en-US" dirty="0"/>
+          </a:p>
+        </p:txBody>
+      </p:sp>
+      <p:sp>
+        <p:nvSpPr>
+          <p:cNvPr id="3" name="내용 개체 틀 2"/>
+          <p:cNvSpPr>
+            <a:spLocks noGrp="1"/>
+          </p:cNvSpPr>
+          <p:nvPr>
+            <p:ph idx="1"/>
+          </p:nvPr>
+        </p:nvSpPr>
+        <p:spPr/>
+        <p:txBody>
+          <a:bodyPr/>
+          <a:lstStyle/>
+          <a:p>
+            <a:r>
+              <a:rPr lang="en-US" altLang="ko-KR" dirty="0">
+                <a:hlinkClick r:id="rId2"/>
+              </a:rPr>
+              <a:t>https://www.acmicpc.net/problem/3033</a:t>
+            </a:r>
+            <a:endParaRPr lang="ko-KR" altLang="en-US" dirty="0"/>
+          </a:p>
+        </p:txBody>
+      </p:sp>
+    </p:spTree>
+    <p:extLst>
+      <p:ext uri="{BB962C8B-B14F-4D97-AF65-F5344CB8AC3E}">
+        <p14:creationId xmlns:p14="http://schemas.microsoft.com/office/powerpoint/2010/main" val="2960279945"/>
+      </p:ext>
+    </p:extLst>
+  </p:cSld>
+  <p:clrMapOvr>
+    <a:masterClrMapping/>
+  </p:clrMapOvr>
+  <p:timing>
+    <p:tnLst>
+      <p:par>
+        <p:cTn id="1" dur="indefinite" restart="never" nodeType="tmRoot"/>
+      </p:par>
+    </p:tnLst>
+  </p:timing>
+</p:sld>
+</file>
+
+<file path=ppt/slides/slide19.xml><?xml version="1.0" encoding="utf-8"?>
+<p:sld xmlns:a="http://schemas.openxmlformats.org/drawingml/2006/main" xmlns:r="http://schemas.openxmlformats.org/officeDocument/2006/relationships" xmlns:p="http://schemas.openxmlformats.org/presentationml/2006/main">
+  <p:cSld>
+    <p:spTree>
+      <p:nvGrpSpPr>
+        <p:cNvPr id="1" name=""/>
+        <p:cNvGrpSpPr/>
+        <p:nvPr/>
+      </p:nvGrpSpPr>
+      <p:grpSpPr>
+        <a:xfrm>
+          <a:off x="0" y="0"/>
+          <a:ext cx="0" cy="0"/>
+          <a:chOff x="0" y="0"/>
+          <a:chExt cx="0" cy="0"/>
+        </a:xfrm>
+      </p:grpSpPr>
+      <p:sp>
+        <p:nvSpPr>
+          <p:cNvPr id="2" name="제목 1"/>
+          <p:cNvSpPr>
+            <a:spLocks noGrp="1"/>
+          </p:cNvSpPr>
+          <p:nvPr>
+            <p:ph type="title"/>
+          </p:nvPr>
+        </p:nvSpPr>
+        <p:spPr/>
+        <p:txBody>
+          <a:bodyPr/>
+          <a:lstStyle/>
+          <a:p>
+            <a:r>
+              <a:rPr lang="ko-KR" altLang="en-US" dirty="0" smtClean="0"/>
+              <a:t>응용해볼까요</a:t>
+            </a:r>
+            <a:r>
+              <a:rPr lang="en-US" altLang="ko-KR" dirty="0" smtClean="0"/>
+              <a:t>?</a:t>
+            </a:r>
+            <a:endParaRPr lang="ko-KR" altLang="en-US" dirty="0"/>
+          </a:p>
+        </p:txBody>
+      </p:sp>
+      <p:sp>
+        <p:nvSpPr>
+          <p:cNvPr id="3" name="내용 개체 틀 2"/>
+          <p:cNvSpPr>
+            <a:spLocks noGrp="1"/>
+          </p:cNvSpPr>
+          <p:nvPr>
+            <p:ph idx="1"/>
+          </p:nvPr>
+        </p:nvSpPr>
+        <p:spPr/>
+        <p:txBody>
+          <a:bodyPr/>
+          <a:lstStyle/>
+          <a:p>
+            <a:r>
+              <a:rPr lang="ko-KR" altLang="en-US" dirty="0" smtClean="0"/>
+              <a:t>예제 </a:t>
+            </a:r>
+            <a:r>
+              <a:rPr lang="en-US" altLang="ko-KR" dirty="0" smtClean="0"/>
+              <a:t>: </a:t>
+            </a:r>
+            <a:r>
+              <a:rPr lang="ko-KR" altLang="en-US" dirty="0" smtClean="0"/>
+              <a:t>서로 다른 부분 문자열의 수</a:t>
+            </a:r>
+            <a:endParaRPr lang="en-US" altLang="ko-KR" dirty="0" smtClean="0"/>
+          </a:p>
+          <a:p>
+            <a:endParaRPr lang="en-US" altLang="ko-KR" dirty="0"/>
+          </a:p>
+          <a:p>
+            <a:endParaRPr lang="en-US" altLang="ko-KR" dirty="0" smtClean="0"/>
+          </a:p>
+          <a:p>
+            <a:r>
+              <a:rPr lang="ko-KR" altLang="en-US" dirty="0" smtClean="0"/>
+              <a:t>모든 부분 문자열이란 </a:t>
+            </a:r>
+            <a:r>
+              <a:rPr lang="en-US" altLang="ko-KR" dirty="0" smtClean="0"/>
+              <a:t>-&gt; </a:t>
+            </a:r>
+            <a:r>
+              <a:rPr lang="ko-KR" altLang="en-US" dirty="0" smtClean="0"/>
+              <a:t>접미사들의 접두사들</a:t>
+            </a:r>
+            <a:r>
+              <a:rPr lang="en-US" altLang="ko-KR" dirty="0" smtClean="0"/>
+              <a:t>.</a:t>
+            </a:r>
+          </a:p>
+          <a:p>
+            <a:endParaRPr lang="en-US" altLang="ko-KR" dirty="0"/>
+          </a:p>
+          <a:p>
+            <a:r>
+              <a:rPr lang="ko-KR" altLang="en-US" dirty="0" smtClean="0"/>
+              <a:t>여기서 중복되는 접미사들의 접두사들을 제거한다</a:t>
+            </a:r>
+            <a:r>
+              <a:rPr lang="en-US" altLang="ko-KR" dirty="0" smtClean="0"/>
+              <a:t>!</a:t>
+            </a:r>
+          </a:p>
+          <a:p>
+            <a:endParaRPr lang="en-US" altLang="ko-KR" dirty="0"/>
+          </a:p>
+          <a:p>
+            <a:r>
+              <a:rPr lang="ko-KR" altLang="en-US" dirty="0" smtClean="0"/>
+              <a:t>어떻게</a:t>
+            </a:r>
+            <a:r>
+              <a:rPr lang="en-US" altLang="ko-KR" dirty="0" smtClean="0"/>
+              <a:t>? </a:t>
+            </a:r>
+            <a:endParaRPr lang="ko-KR" altLang="en-US" dirty="0"/>
+          </a:p>
+        </p:txBody>
+      </p:sp>
+    </p:spTree>
+    <p:extLst>
+      <p:ext uri="{BB962C8B-B14F-4D97-AF65-F5344CB8AC3E}">
+        <p14:creationId xmlns:p14="http://schemas.microsoft.com/office/powerpoint/2010/main" val="2130340074"/>
       </p:ext>
     </p:extLst>
   </p:cSld>
@@ -4562,6 +5201,468 @@
   <p:clrMapOvr>
     <a:masterClrMapping/>
   </p:clrMapOvr>
+</p:sld>
+</file>
+
+<file path=ppt/slides/slide20.xml><?xml version="1.0" encoding="utf-8"?>
+<p:sld xmlns:a="http://schemas.openxmlformats.org/drawingml/2006/main" xmlns:r="http://schemas.openxmlformats.org/officeDocument/2006/relationships" xmlns:p="http://schemas.openxmlformats.org/presentationml/2006/main">
+  <p:cSld>
+    <p:spTree>
+      <p:nvGrpSpPr>
+        <p:cNvPr id="1" name=""/>
+        <p:cNvGrpSpPr/>
+        <p:nvPr/>
+      </p:nvGrpSpPr>
+      <p:grpSpPr>
+        <a:xfrm>
+          <a:off x="0" y="0"/>
+          <a:ext cx="0" cy="0"/>
+          <a:chOff x="0" y="0"/>
+          <a:chExt cx="0" cy="0"/>
+        </a:xfrm>
+      </p:grpSpPr>
+      <p:sp>
+        <p:nvSpPr>
+          <p:cNvPr id="2" name="제목 1"/>
+          <p:cNvSpPr>
+            <a:spLocks noGrp="1"/>
+          </p:cNvSpPr>
+          <p:nvPr>
+            <p:ph type="title"/>
+          </p:nvPr>
+        </p:nvSpPr>
+        <p:spPr/>
+        <p:txBody>
+          <a:bodyPr/>
+          <a:lstStyle/>
+          <a:p>
+            <a:r>
+              <a:rPr lang="ko-KR" altLang="en-US" dirty="0" smtClean="0"/>
+              <a:t>응용해볼까요</a:t>
+            </a:r>
+            <a:r>
+              <a:rPr lang="en-US" altLang="ko-KR" dirty="0" smtClean="0"/>
+              <a:t>?</a:t>
+            </a:r>
+            <a:endParaRPr lang="ko-KR" altLang="en-US" dirty="0"/>
+          </a:p>
+        </p:txBody>
+      </p:sp>
+      <p:sp>
+        <p:nvSpPr>
+          <p:cNvPr id="3" name="내용 개체 틀 2"/>
+          <p:cNvSpPr>
+            <a:spLocks noGrp="1"/>
+          </p:cNvSpPr>
+          <p:nvPr>
+            <p:ph idx="1"/>
+          </p:nvPr>
+        </p:nvSpPr>
+        <p:spPr/>
+        <p:txBody>
+          <a:bodyPr/>
+          <a:lstStyle/>
+          <a:p>
+            <a:r>
+              <a:rPr lang="ko-KR" altLang="en-US" dirty="0" smtClean="0"/>
+              <a:t>꿀을 빨아요 우리</a:t>
+            </a:r>
+            <a:endParaRPr lang="en-US" altLang="ko-KR" dirty="0" smtClean="0"/>
+          </a:p>
+          <a:p>
+            <a:endParaRPr lang="en-US" altLang="ko-KR" dirty="0"/>
+          </a:p>
+          <a:p>
+            <a:r>
+              <a:rPr lang="en-US" altLang="ko-KR" dirty="0">
+                <a:hlinkClick r:id="rId2"/>
+              </a:rPr>
+              <a:t>https://</a:t>
+            </a:r>
+            <a:r>
+              <a:rPr lang="en-US" altLang="ko-KR" dirty="0" smtClean="0">
+                <a:hlinkClick r:id="rId2"/>
+              </a:rPr>
+              <a:t>www.acmicpc.net/problem/11478</a:t>
+            </a:r>
+            <a:endParaRPr lang="en-US" altLang="ko-KR" dirty="0" smtClean="0"/>
+          </a:p>
+          <a:p>
+            <a:endParaRPr lang="en-US" altLang="ko-KR" dirty="0"/>
+          </a:p>
+          <a:p>
+            <a:r>
+              <a:rPr lang="en-US" altLang="ko-KR" dirty="0">
+                <a:hlinkClick r:id="rId3"/>
+              </a:rPr>
+              <a:t>https://</a:t>
+            </a:r>
+            <a:r>
+              <a:rPr lang="en-US" altLang="ko-KR" dirty="0" smtClean="0">
+                <a:hlinkClick r:id="rId3"/>
+              </a:rPr>
+              <a:t>www.acmicpc.net/problem/11479</a:t>
+            </a:r>
+            <a:endParaRPr lang="en-US" altLang="ko-KR" dirty="0" smtClean="0"/>
+          </a:p>
+          <a:p>
+            <a:endParaRPr lang="ko-KR" altLang="en-US" dirty="0"/>
+          </a:p>
+        </p:txBody>
+      </p:sp>
+    </p:spTree>
+    <p:extLst>
+      <p:ext uri="{BB962C8B-B14F-4D97-AF65-F5344CB8AC3E}">
+        <p14:creationId xmlns:p14="http://schemas.microsoft.com/office/powerpoint/2010/main" val="155864399"/>
+      </p:ext>
+    </p:extLst>
+  </p:cSld>
+  <p:clrMapOvr>
+    <a:masterClrMapping/>
+  </p:clrMapOvr>
+  <p:timing>
+    <p:tnLst>
+      <p:par>
+        <p:cTn id="1" dur="indefinite" restart="never" nodeType="tmRoot"/>
+      </p:par>
+    </p:tnLst>
+  </p:timing>
+</p:sld>
+</file>
+
+<file path=ppt/slides/slide21.xml><?xml version="1.0" encoding="utf-8"?>
+<p:sld xmlns:a="http://schemas.openxmlformats.org/drawingml/2006/main" xmlns:r="http://schemas.openxmlformats.org/officeDocument/2006/relationships" xmlns:p="http://schemas.openxmlformats.org/presentationml/2006/main">
+  <p:cSld>
+    <p:spTree>
+      <p:nvGrpSpPr>
+        <p:cNvPr id="1" name=""/>
+        <p:cNvGrpSpPr/>
+        <p:nvPr/>
+      </p:nvGrpSpPr>
+      <p:grpSpPr>
+        <a:xfrm>
+          <a:off x="0" y="0"/>
+          <a:ext cx="0" cy="0"/>
+          <a:chOff x="0" y="0"/>
+          <a:chExt cx="0" cy="0"/>
+        </a:xfrm>
+      </p:grpSpPr>
+      <p:sp>
+        <p:nvSpPr>
+          <p:cNvPr id="2" name="제목 1"/>
+          <p:cNvSpPr>
+            <a:spLocks noGrp="1"/>
+          </p:cNvSpPr>
+          <p:nvPr>
+            <p:ph type="title"/>
+          </p:nvPr>
+        </p:nvSpPr>
+        <p:spPr/>
+        <p:txBody>
+          <a:bodyPr/>
+          <a:lstStyle/>
+          <a:p>
+            <a:r>
+              <a:rPr lang="ko-KR" altLang="en-US" dirty="0" smtClean="0"/>
+              <a:t>말버릇</a:t>
+            </a:r>
+            <a:endParaRPr lang="ko-KR" altLang="en-US" dirty="0"/>
+          </a:p>
+        </p:txBody>
+      </p:sp>
+      <p:sp>
+        <p:nvSpPr>
+          <p:cNvPr id="3" name="내용 개체 틀 2"/>
+          <p:cNvSpPr>
+            <a:spLocks noGrp="1"/>
+          </p:cNvSpPr>
+          <p:nvPr>
+            <p:ph idx="1"/>
+          </p:nvPr>
+        </p:nvSpPr>
+        <p:spPr/>
+        <p:txBody>
+          <a:bodyPr/>
+          <a:lstStyle/>
+          <a:p>
+            <a:r>
+              <a:rPr lang="en-US" altLang="ko-KR" dirty="0" smtClean="0"/>
+              <a:t>LCP</a:t>
+            </a:r>
+            <a:r>
+              <a:rPr lang="ko-KR" altLang="en-US" dirty="0" smtClean="0"/>
+              <a:t>로 어떻게 해결할 수 있을까요</a:t>
+            </a:r>
+            <a:r>
+              <a:rPr lang="en-US" altLang="ko-KR" dirty="0" smtClean="0"/>
+              <a:t>?</a:t>
+            </a:r>
+            <a:endParaRPr lang="ko-KR" altLang="en-US" dirty="0"/>
+          </a:p>
+        </p:txBody>
+      </p:sp>
+    </p:spTree>
+    <p:extLst>
+      <p:ext uri="{BB962C8B-B14F-4D97-AF65-F5344CB8AC3E}">
+        <p14:creationId xmlns:p14="http://schemas.microsoft.com/office/powerpoint/2010/main" val="3244064458"/>
+      </p:ext>
+    </p:extLst>
+  </p:cSld>
+  <p:clrMapOvr>
+    <a:masterClrMapping/>
+  </p:clrMapOvr>
+  <p:timing>
+    <p:tnLst>
+      <p:par>
+        <p:cTn id="1" dur="indefinite" restart="never" nodeType="tmRoot"/>
+      </p:par>
+    </p:tnLst>
+  </p:timing>
+</p:sld>
+</file>
+
+<file path=ppt/slides/slide22.xml><?xml version="1.0" encoding="utf-8"?>
+<p:sld xmlns:a="http://schemas.openxmlformats.org/drawingml/2006/main" xmlns:r="http://schemas.openxmlformats.org/officeDocument/2006/relationships" xmlns:p="http://schemas.openxmlformats.org/presentationml/2006/main">
+  <p:cSld>
+    <p:spTree>
+      <p:nvGrpSpPr>
+        <p:cNvPr id="1" name=""/>
+        <p:cNvGrpSpPr/>
+        <p:nvPr/>
+      </p:nvGrpSpPr>
+      <p:grpSpPr>
+        <a:xfrm>
+          <a:off x="0" y="0"/>
+          <a:ext cx="0" cy="0"/>
+          <a:chOff x="0" y="0"/>
+          <a:chExt cx="0" cy="0"/>
+        </a:xfrm>
+      </p:grpSpPr>
+      <p:sp>
+        <p:nvSpPr>
+          <p:cNvPr id="2" name="제목 1"/>
+          <p:cNvSpPr>
+            <a:spLocks noGrp="1"/>
+          </p:cNvSpPr>
+          <p:nvPr>
+            <p:ph type="title"/>
+          </p:nvPr>
+        </p:nvSpPr>
+        <p:spPr/>
+        <p:txBody>
+          <a:bodyPr/>
+          <a:lstStyle/>
+          <a:p>
+            <a:r>
+              <a:rPr lang="ko-KR" altLang="en-US" dirty="0" smtClean="0"/>
+              <a:t>숙제</a:t>
+            </a:r>
+            <a:endParaRPr lang="ko-KR" altLang="en-US" dirty="0"/>
+          </a:p>
+        </p:txBody>
+      </p:sp>
+      <p:sp>
+        <p:nvSpPr>
+          <p:cNvPr id="3" name="내용 개체 틀 2"/>
+          <p:cNvSpPr>
+            <a:spLocks noGrp="1"/>
+          </p:cNvSpPr>
+          <p:nvPr>
+            <p:ph idx="1"/>
+          </p:nvPr>
+        </p:nvSpPr>
+        <p:spPr/>
+        <p:txBody>
+          <a:bodyPr/>
+          <a:lstStyle/>
+          <a:p>
+            <a:r>
+              <a:rPr lang="en-US" altLang="ko-KR" dirty="0">
+                <a:hlinkClick r:id="rId2"/>
+              </a:rPr>
+              <a:t>https://</a:t>
+            </a:r>
+            <a:r>
+              <a:rPr lang="en-US" altLang="ko-KR" dirty="0" smtClean="0">
+                <a:hlinkClick r:id="rId2"/>
+              </a:rPr>
+              <a:t>www.acmicpc.net/problem/10413</a:t>
+            </a:r>
+            <a:endParaRPr lang="en-US" altLang="ko-KR" dirty="0" smtClean="0"/>
+          </a:p>
+          <a:p>
+            <a:endParaRPr lang="en-US" altLang="ko-KR" dirty="0"/>
+          </a:p>
+          <a:p>
+            <a:endParaRPr lang="ko-KR" altLang="en-US" dirty="0"/>
+          </a:p>
+        </p:txBody>
+      </p:sp>
+    </p:spTree>
+    <p:extLst>
+      <p:ext uri="{BB962C8B-B14F-4D97-AF65-F5344CB8AC3E}">
+        <p14:creationId xmlns:p14="http://schemas.microsoft.com/office/powerpoint/2010/main" val="3578687962"/>
+      </p:ext>
+    </p:extLst>
+  </p:cSld>
+  <p:clrMapOvr>
+    <a:masterClrMapping/>
+  </p:clrMapOvr>
+  <p:timing>
+    <p:tnLst>
+      <p:par>
+        <p:cTn id="1" dur="indefinite" restart="never" nodeType="tmRoot"/>
+      </p:par>
+    </p:tnLst>
+  </p:timing>
+</p:sld>
+</file>
+
+<file path=ppt/slides/slide23.xml><?xml version="1.0" encoding="utf-8"?>
+<p:sld xmlns:a="http://schemas.openxmlformats.org/drawingml/2006/main" xmlns:r="http://schemas.openxmlformats.org/officeDocument/2006/relationships" xmlns:p="http://schemas.openxmlformats.org/presentationml/2006/main">
+  <p:cSld>
+    <p:spTree>
+      <p:nvGrpSpPr>
+        <p:cNvPr id="1" name=""/>
+        <p:cNvGrpSpPr/>
+        <p:nvPr/>
+      </p:nvGrpSpPr>
+      <p:grpSpPr>
+        <a:xfrm>
+          <a:off x="0" y="0"/>
+          <a:ext cx="0" cy="0"/>
+          <a:chOff x="0" y="0"/>
+          <a:chExt cx="0" cy="0"/>
+        </a:xfrm>
+      </p:grpSpPr>
+      <p:sp>
+        <p:nvSpPr>
+          <p:cNvPr id="2" name="제목 1"/>
+          <p:cNvSpPr>
+            <a:spLocks noGrp="1"/>
+          </p:cNvSpPr>
+          <p:nvPr>
+            <p:ph type="title"/>
+          </p:nvPr>
+        </p:nvSpPr>
+        <p:spPr/>
+        <p:txBody>
+          <a:bodyPr/>
+          <a:lstStyle/>
+          <a:p>
+            <a:r>
+              <a:rPr lang="ko-KR" altLang="en-US" dirty="0" smtClean="0"/>
+              <a:t>숙제</a:t>
+            </a:r>
+            <a:endParaRPr lang="ko-KR" altLang="en-US" dirty="0"/>
+          </a:p>
+        </p:txBody>
+      </p:sp>
+      <p:sp>
+        <p:nvSpPr>
+          <p:cNvPr id="3" name="내용 개체 틀 2"/>
+          <p:cNvSpPr>
+            <a:spLocks noGrp="1"/>
+          </p:cNvSpPr>
+          <p:nvPr>
+            <p:ph idx="1"/>
+          </p:nvPr>
+        </p:nvSpPr>
+        <p:spPr/>
+        <p:txBody>
+          <a:bodyPr/>
+          <a:lstStyle/>
+          <a:p>
+            <a:r>
+              <a:rPr lang="en-US" altLang="ko-KR" dirty="0" smtClean="0"/>
+              <a:t>~</a:t>
+            </a:r>
+            <a:r>
+              <a:rPr lang="ko-KR" altLang="en-US" dirty="0" smtClean="0"/>
+              <a:t>등산로</a:t>
+            </a:r>
+            <a:r>
+              <a:rPr lang="en-US" altLang="ko-KR" dirty="0" smtClean="0"/>
+              <a:t>, </a:t>
+            </a:r>
+            <a:r>
+              <a:rPr lang="ko-KR" altLang="en-US" dirty="0" smtClean="0"/>
+              <a:t>예제 </a:t>
+            </a:r>
+            <a:r>
+              <a:rPr lang="en-US" altLang="ko-KR" dirty="0" smtClean="0"/>
+              <a:t>2</a:t>
+            </a:r>
+            <a:r>
+              <a:rPr lang="ko-KR" altLang="en-US" dirty="0" smtClean="0"/>
+              <a:t>번째 문제 빼고</a:t>
+            </a:r>
+            <a:endParaRPr lang="en-US" altLang="ko-KR" dirty="0" smtClean="0"/>
+          </a:p>
+          <a:p>
+            <a:endParaRPr lang="en-US" altLang="ko-KR" dirty="0"/>
+          </a:p>
+          <a:p>
+            <a:r>
+              <a:rPr lang="en-US" altLang="ko-KR" dirty="0">
+                <a:hlinkClick r:id="rId2"/>
+              </a:rPr>
+              <a:t>https://</a:t>
+            </a:r>
+            <a:r>
+              <a:rPr lang="en-US" altLang="ko-KR" dirty="0" smtClean="0">
+                <a:hlinkClick r:id="rId2"/>
+              </a:rPr>
+              <a:t>www.acmicpc.net/problem/3653</a:t>
+            </a:r>
+            <a:endParaRPr lang="en-US" altLang="ko-KR" dirty="0" smtClean="0"/>
+          </a:p>
+          <a:p>
+            <a:r>
+              <a:rPr lang="en-US" altLang="ko-KR" dirty="0">
+                <a:hlinkClick r:id="rId3"/>
+              </a:rPr>
+              <a:t>https://</a:t>
+            </a:r>
+            <a:r>
+              <a:rPr lang="en-US" altLang="ko-KR" dirty="0" smtClean="0">
+                <a:hlinkClick r:id="rId3"/>
+              </a:rPr>
+              <a:t>www.acmicpc.net/problem/7578</a:t>
+            </a:r>
+            <a:endParaRPr lang="en-US" altLang="ko-KR" dirty="0" smtClean="0"/>
+          </a:p>
+          <a:p>
+            <a:endParaRPr lang="en-US" altLang="ko-KR" dirty="0"/>
+          </a:p>
+          <a:p>
+            <a:endParaRPr lang="en-US" altLang="ko-KR" dirty="0" smtClean="0"/>
+          </a:p>
+          <a:p>
+            <a:endParaRPr lang="en-US" altLang="ko-KR" dirty="0"/>
+          </a:p>
+          <a:p>
+            <a:endParaRPr lang="ko-KR" altLang="en-US" dirty="0"/>
+          </a:p>
+        </p:txBody>
+      </p:sp>
+    </p:spTree>
+    <p:extLst>
+      <p:ext uri="{BB962C8B-B14F-4D97-AF65-F5344CB8AC3E}">
+        <p14:creationId xmlns:p14="http://schemas.microsoft.com/office/powerpoint/2010/main" val="469372824"/>
+      </p:ext>
+    </p:extLst>
+  </p:cSld>
+  <p:clrMapOvr>
+    <a:masterClrMapping/>
+  </p:clrMapOvr>
+  <p:timing>
+    <p:tnLst>
+      <p:par>
+        <p:cTn id="1" dur="indefinite" restart="never" nodeType="tmRoot"/>
+      </p:par>
+    </p:tnLst>
+  </p:timing>
 </p:sld>
 </file>
 
@@ -5287,7 +6388,11 @@
             <a:pPr algn="ctr"/>
             <a:r>
               <a:rPr lang="en-US" altLang="ko-KR" sz="5400" b="1" dirty="0" smtClean="0"/>
-              <a:t>N* (</a:t>
+              <a:t>N * </a:t>
+            </a:r>
+            <a:r>
+              <a:rPr lang="en-US" altLang="ko-KR" sz="5400" b="1" dirty="0" smtClean="0"/>
+              <a:t>(</a:t>
             </a:r>
             <a:r>
               <a:rPr lang="en-US" altLang="ko-KR" sz="5400" b="1" dirty="0" err="1" smtClean="0"/>
@@ -5368,273 +6473,6 @@
             <a:r>
               <a:rPr lang="en-US" altLang="ko-KR" dirty="0" smtClean="0"/>
               <a:t>(d = 1) S = “</a:t>
-            </a:r>
-            <a:r>
-              <a:rPr lang="en-US" altLang="ko-KR" dirty="0" err="1" smtClean="0"/>
-              <a:t>baabaaba</a:t>
-            </a:r>
-            <a:r>
-              <a:rPr lang="en-US" altLang="ko-KR" dirty="0" smtClean="0"/>
-              <a:t>”</a:t>
-            </a:r>
-            <a:endParaRPr lang="ko-KR" altLang="en-US" dirty="0"/>
-          </a:p>
-        </p:txBody>
-      </p:sp>
-      <p:graphicFrame>
-        <p:nvGraphicFramePr>
-          <p:cNvPr id="5" name="표 4"/>
-          <p:cNvGraphicFramePr>
-            <a:graphicFrameLocks noGrp="1"/>
-          </p:cNvGraphicFramePr>
-          <p:nvPr>
-            <p:extLst>
-              <p:ext uri="{D42A27DB-BD31-4B8C-83A1-F6EECF244321}">
-                <p14:modId xmlns:p14="http://schemas.microsoft.com/office/powerpoint/2010/main" val="3207656219"/>
-              </p:ext>
-            </p:extLst>
-          </p:nvPr>
-        </p:nvGraphicFramePr>
-        <p:xfrm>
-          <a:off x="838199" y="1690688"/>
-          <a:ext cx="10974859" cy="4299680"/>
-        </p:xfrm>
-        <a:graphic>
-          <a:graphicData uri="http://schemas.openxmlformats.org/drawingml/2006/table">
-            <a:tbl>
-              <a:tblPr firstRow="1" bandRow="1">
-                <a:tableStyleId>{5C22544A-7EE6-4342-B048-85BDC9FD1C3A}</a:tableStyleId>
-              </a:tblPr>
-              <a:tblGrid>
-                <a:gridCol w="3288958">
-                  <a:extLst>
-                    <a:ext uri="{9D8B030D-6E8A-4147-A177-3AD203B41FA5}">
-                      <a16:colId xmlns:a16="http://schemas.microsoft.com/office/drawing/2014/main" val="1857036238"/>
-                    </a:ext>
-                  </a:extLst>
-                </a:gridCol>
-                <a:gridCol w="7685901">
-                  <a:extLst>
-                    <a:ext uri="{9D8B030D-6E8A-4147-A177-3AD203B41FA5}">
-                      <a16:colId xmlns:a16="http://schemas.microsoft.com/office/drawing/2014/main" val="2297559982"/>
-                    </a:ext>
-                  </a:extLst>
-                </a:gridCol>
-              </a:tblGrid>
-              <a:tr h="1077226">
-                <a:tc>
-                  <a:txBody>
-                    <a:bodyPr/>
-                    <a:lstStyle/>
-                    <a:p>
-                      <a:pPr algn="ctr" latinLnBrk="1"/>
-                      <a:r>
-                        <a:rPr lang="en-US" altLang="ko-KR" sz="4800" b="1" dirty="0" smtClean="0"/>
-                        <a:t>group</a:t>
-                      </a:r>
-                      <a:endParaRPr lang="ko-KR" altLang="en-US" sz="4800" b="1" dirty="0"/>
-                    </a:p>
-                  </a:txBody>
-                  <a:tcPr/>
-                </a:tc>
-                <a:tc>
-                  <a:txBody>
-                    <a:bodyPr/>
-                    <a:lstStyle/>
-                    <a:p>
-                      <a:pPr algn="ctr" latinLnBrk="1"/>
-                      <a:r>
-                        <a:rPr lang="en-US" altLang="ko-KR" sz="4800" b="1" dirty="0" smtClean="0"/>
-                        <a:t>suffixes</a:t>
-                      </a:r>
-                      <a:endParaRPr lang="ko-KR" altLang="en-US" sz="4800" b="1" dirty="0"/>
-                    </a:p>
-                  </a:txBody>
-                  <a:tcPr/>
-                </a:tc>
-                <a:extLst>
-                  <a:ext uri="{0D108BD9-81ED-4DB2-BD59-A6C34878D82A}">
-                    <a16:rowId xmlns:a16="http://schemas.microsoft.com/office/drawing/2014/main" val="2109151873"/>
-                  </a:ext>
-                </a:extLst>
-              </a:tr>
-              <a:tr h="1611227">
-                <a:tc>
-                  <a:txBody>
-                    <a:bodyPr/>
-                    <a:lstStyle/>
-                    <a:p>
-                      <a:pPr algn="ctr" latinLnBrk="1"/>
-                      <a:r>
-                        <a:rPr lang="en-US" altLang="ko-KR" sz="4800" b="1" dirty="0" smtClean="0"/>
-                        <a:t>0</a:t>
-                      </a:r>
-                      <a:endParaRPr lang="ko-KR" altLang="en-US" sz="4800" b="1" dirty="0"/>
-                    </a:p>
-                  </a:txBody>
-                  <a:tcPr/>
-                </a:tc>
-                <a:tc>
-                  <a:txBody>
-                    <a:bodyPr/>
-                    <a:lstStyle/>
-                    <a:p>
-                      <a:pPr algn="ctr" latinLnBrk="1"/>
-                      <a:r>
-                        <a:rPr lang="en-US" altLang="ko-KR" sz="4800" b="1" dirty="0" smtClean="0"/>
-                        <a:t>a, </a:t>
-                      </a:r>
-                      <a:r>
-                        <a:rPr lang="en-US" altLang="ko-KR" sz="4800" b="1" dirty="0" err="1" smtClean="0"/>
-                        <a:t>aaba</a:t>
-                      </a:r>
-                      <a:r>
-                        <a:rPr lang="en-US" altLang="ko-KR" sz="4800" b="1" dirty="0" smtClean="0"/>
-                        <a:t>, </a:t>
-                      </a:r>
-                      <a:r>
-                        <a:rPr lang="en-US" altLang="ko-KR" sz="4800" b="1" dirty="0" err="1" smtClean="0"/>
-                        <a:t>aabaaba</a:t>
-                      </a:r>
-                      <a:r>
-                        <a:rPr lang="en-US" altLang="ko-KR" sz="4800" b="1" dirty="0" smtClean="0"/>
-                        <a:t>, aba, </a:t>
-                      </a:r>
-                      <a:r>
-                        <a:rPr lang="en-US" altLang="ko-KR" sz="4800" b="1" dirty="0" err="1" smtClean="0"/>
-                        <a:t>abaaba</a:t>
-                      </a:r>
-                      <a:endParaRPr lang="ko-KR" altLang="en-US" sz="4800" b="1" dirty="0"/>
-                    </a:p>
-                  </a:txBody>
-                  <a:tcPr/>
-                </a:tc>
-                <a:extLst>
-                  <a:ext uri="{0D108BD9-81ED-4DB2-BD59-A6C34878D82A}">
-                    <a16:rowId xmlns:a16="http://schemas.microsoft.com/office/drawing/2014/main" val="1432488104"/>
-                  </a:ext>
-                </a:extLst>
-              </a:tr>
-              <a:tr h="1611227">
-                <a:tc>
-                  <a:txBody>
-                    <a:bodyPr/>
-                    <a:lstStyle/>
-                    <a:p>
-                      <a:pPr algn="ctr" latinLnBrk="1"/>
-                      <a:r>
-                        <a:rPr lang="en-US" altLang="ko-KR" sz="4800" b="1" dirty="0" smtClean="0"/>
-                        <a:t>1</a:t>
-                      </a:r>
-                      <a:endParaRPr lang="ko-KR" altLang="en-US" sz="4800" b="1" dirty="0"/>
-                    </a:p>
-                  </a:txBody>
-                  <a:tcPr/>
-                </a:tc>
-                <a:tc>
-                  <a:txBody>
-                    <a:bodyPr/>
-                    <a:lstStyle/>
-                    <a:p>
-                      <a:pPr algn="ctr" latinLnBrk="1"/>
-                      <a:r>
-                        <a:rPr lang="en-US" altLang="ko-KR" sz="4800" b="1" dirty="0" err="1" smtClean="0"/>
-                        <a:t>ba</a:t>
-                      </a:r>
-                      <a:r>
-                        <a:rPr lang="en-US" altLang="ko-KR" sz="4800" b="1" dirty="0" smtClean="0"/>
-                        <a:t>, </a:t>
-                      </a:r>
-                      <a:r>
-                        <a:rPr lang="en-US" altLang="ko-KR" sz="4800" b="1" dirty="0" err="1" smtClean="0"/>
-                        <a:t>baaba</a:t>
-                      </a:r>
-                      <a:r>
-                        <a:rPr lang="en-US" altLang="ko-KR" sz="4800" b="1" dirty="0" smtClean="0"/>
-                        <a:t>, </a:t>
-                      </a:r>
-                      <a:r>
-                        <a:rPr lang="en-US" altLang="ko-KR" sz="4800" b="1" dirty="0" err="1" smtClean="0"/>
-                        <a:t>baabaaba</a:t>
-                      </a:r>
-                      <a:endParaRPr lang="ko-KR" altLang="en-US" sz="4800" b="1" dirty="0"/>
-                    </a:p>
-                  </a:txBody>
-                  <a:tcPr/>
-                </a:tc>
-                <a:extLst>
-                  <a:ext uri="{0D108BD9-81ED-4DB2-BD59-A6C34878D82A}">
-                    <a16:rowId xmlns:a16="http://schemas.microsoft.com/office/drawing/2014/main" val="836167731"/>
-                  </a:ext>
-                </a:extLst>
-              </a:tr>
-            </a:tbl>
-          </a:graphicData>
-        </a:graphic>
-      </p:graphicFrame>
-    </p:spTree>
-    <p:extLst>
-      <p:ext uri="{BB962C8B-B14F-4D97-AF65-F5344CB8AC3E}">
-        <p14:creationId xmlns:p14="http://schemas.microsoft.com/office/powerpoint/2010/main" val="2957761725"/>
-      </p:ext>
-    </p:extLst>
-  </p:cSld>
-  <p:clrMapOvr>
-    <a:masterClrMapping/>
-  </p:clrMapOvr>
-  <p:timing>
-    <p:tnLst>
-      <p:par>
-        <p:cTn id="1" dur="indefinite" restart="never" nodeType="tmRoot"/>
-      </p:par>
-    </p:tnLst>
-  </p:timing>
-</p:sld>
-</file>
-
-<file path=ppt/slides/slide7.xml><?xml version="1.0" encoding="utf-8"?>
-<p:sld xmlns:a="http://schemas.openxmlformats.org/drawingml/2006/main" xmlns:r="http://schemas.openxmlformats.org/officeDocument/2006/relationships" xmlns:p="http://schemas.openxmlformats.org/presentationml/2006/main">
-  <p:cSld>
-    <p:spTree>
-      <p:nvGrpSpPr>
-        <p:cNvPr id="1" name=""/>
-        <p:cNvGrpSpPr/>
-        <p:nvPr/>
-      </p:nvGrpSpPr>
-      <p:grpSpPr>
-        <a:xfrm>
-          <a:off x="0" y="0"/>
-          <a:ext cx="0" cy="0"/>
-          <a:chOff x="0" y="0"/>
-          <a:chExt cx="0" cy="0"/>
-        </a:xfrm>
-      </p:grpSpPr>
-      <p:sp>
-        <p:nvSpPr>
-          <p:cNvPr id="2" name="제목 1"/>
-          <p:cNvSpPr>
-            <a:spLocks noGrp="1"/>
-          </p:cNvSpPr>
-          <p:nvPr>
-            <p:ph type="title"/>
-          </p:nvPr>
-        </p:nvSpPr>
-        <p:spPr/>
-        <p:txBody>
-          <a:bodyPr/>
-          <a:lstStyle/>
-          <a:p>
-            <a:r>
-              <a:rPr lang="ko-KR" altLang="en-US" dirty="0" smtClean="0"/>
-              <a:t>과정 </a:t>
-            </a:r>
-            <a:r>
-              <a:rPr lang="en-US" altLang="ko-KR" dirty="0" smtClean="0"/>
-              <a:t>(d = 2) </a:t>
-            </a:r>
-            <a:r>
-              <a:rPr lang="en-US" altLang="ko-KR" dirty="0" smtClean="0"/>
-              <a:t>S = “</a:t>
             </a:r>
             <a:r>
               <a:rPr lang="en-US" altLang="ko-KR" dirty="0" err="1" smtClean="0"/>
@@ -5945,7 +6783,7 @@
 </p:sld>
 </file>
 
-<file path=ppt/slides/slide8.xml><?xml version="1.0" encoding="utf-8"?>
+<file path=ppt/slides/slide7.xml><?xml version="1.0" encoding="utf-8"?>
 <p:sld xmlns:a="http://schemas.openxmlformats.org/drawingml/2006/main" xmlns:r="http://schemas.openxmlformats.org/officeDocument/2006/relationships" xmlns:p="http://schemas.openxmlformats.org/presentationml/2006/main">
   <p:cSld>
     <p:spTree>
@@ -5983,11 +6821,7 @@
             </a:r>
             <a:r>
               <a:rPr lang="en-US" altLang="ko-KR" dirty="0" smtClean="0"/>
-              <a:t>(d = 4) </a:t>
-            </a:r>
-            <a:r>
-              <a:rPr lang="en-US" altLang="ko-KR" dirty="0" smtClean="0"/>
-              <a:t>S = “</a:t>
+              <a:t>(d = 2) S = “</a:t>
             </a:r>
             <a:r>
               <a:rPr lang="en-US" altLang="ko-KR" dirty="0" err="1" smtClean="0"/>
@@ -6388,7 +7222,7 @@
 </p:sld>
 </file>
 
-<file path=ppt/slides/slide9.xml><?xml version="1.0" encoding="utf-8"?>
+<file path=ppt/slides/slide8.xml><?xml version="1.0" encoding="utf-8"?>
 <p:sld xmlns:a="http://schemas.openxmlformats.org/drawingml/2006/main" xmlns:r="http://schemas.openxmlformats.org/officeDocument/2006/relationships" xmlns:p="http://schemas.openxmlformats.org/presentationml/2006/main">
   <p:cSld>
     <p:spTree>
@@ -6426,11 +7260,7 @@
             </a:r>
             <a:r>
               <a:rPr lang="en-US" altLang="ko-KR" dirty="0" smtClean="0"/>
-              <a:t>(d = 8) </a:t>
-            </a:r>
-            <a:r>
-              <a:rPr lang="en-US" altLang="ko-KR" dirty="0" smtClean="0"/>
-              <a:t>S = “</a:t>
+              <a:t>(d = 4) S = “</a:t>
             </a:r>
             <a:r>
               <a:rPr lang="en-US" altLang="ko-KR" dirty="0" err="1" smtClean="0"/>
@@ -6905,6 +7735,325 @@
 </p:sld>
 </file>
 
+<file path=ppt/slides/slide9.xml><?xml version="1.0" encoding="utf-8"?>
+<p:sld xmlns:a="http://schemas.openxmlformats.org/drawingml/2006/main" xmlns:r="http://schemas.openxmlformats.org/officeDocument/2006/relationships" xmlns:p="http://schemas.openxmlformats.org/presentationml/2006/main">
+  <p:cSld>
+    <p:spTree>
+      <p:nvGrpSpPr>
+        <p:cNvPr id="1" name=""/>
+        <p:cNvGrpSpPr/>
+        <p:nvPr/>
+      </p:nvGrpSpPr>
+      <p:grpSpPr>
+        <a:xfrm>
+          <a:off x="0" y="0"/>
+          <a:ext cx="0" cy="0"/>
+          <a:chOff x="0" y="0"/>
+          <a:chExt cx="0" cy="0"/>
+        </a:xfrm>
+      </p:grpSpPr>
+      <p:sp>
+        <p:nvSpPr>
+          <p:cNvPr id="2" name="제목 1"/>
+          <p:cNvSpPr>
+            <a:spLocks noGrp="1"/>
+          </p:cNvSpPr>
+          <p:nvPr>
+            <p:ph type="title"/>
+          </p:nvPr>
+        </p:nvSpPr>
+        <p:spPr/>
+        <p:txBody>
+          <a:bodyPr/>
+          <a:lstStyle/>
+          <a:p>
+            <a:r>
+              <a:rPr lang="ko-KR" altLang="en-US" dirty="0" smtClean="0"/>
+              <a:t>비교를 효율적으로 하는 방법</a:t>
+            </a:r>
+            <a:r>
+              <a:rPr lang="en-US" altLang="ko-KR" dirty="0" smtClean="0"/>
+              <a:t>?</a:t>
+            </a:r>
+            <a:endParaRPr lang="ko-KR" altLang="en-US" dirty="0"/>
+          </a:p>
+        </p:txBody>
+      </p:sp>
+      <p:sp>
+        <p:nvSpPr>
+          <p:cNvPr id="3" name="내용 개체 틀 2"/>
+          <p:cNvSpPr>
+            <a:spLocks noGrp="1"/>
+          </p:cNvSpPr>
+          <p:nvPr>
+            <p:ph idx="1"/>
+          </p:nvPr>
+        </p:nvSpPr>
+        <p:spPr/>
+        <p:txBody>
+          <a:bodyPr>
+            <a:normAutofit/>
+          </a:bodyPr>
+          <a:lstStyle/>
+          <a:p>
+            <a:r>
+              <a:rPr lang="en-US" altLang="ko-KR" dirty="0" smtClean="0"/>
+              <a:t>Grouping</a:t>
+            </a:r>
+            <a:r>
+              <a:rPr lang="ko-KR" altLang="en-US" dirty="0" smtClean="0"/>
+              <a:t>을 하면서 같은 </a:t>
+            </a:r>
+            <a:r>
+              <a:rPr lang="en-US" altLang="ko-KR" dirty="0" smtClean="0"/>
+              <a:t>Group</a:t>
+            </a:r>
+            <a:r>
+              <a:rPr lang="ko-KR" altLang="en-US" dirty="0" smtClean="0"/>
+              <a:t>내에서만 비교를 하면 된다</a:t>
+            </a:r>
+            <a:r>
+              <a:rPr lang="en-US" altLang="ko-KR" dirty="0" smtClean="0"/>
+              <a:t>.</a:t>
+            </a:r>
+          </a:p>
+          <a:p>
+            <a:endParaRPr lang="en-US" altLang="ko-KR" dirty="0"/>
+          </a:p>
+          <a:p>
+            <a:endParaRPr lang="en-US" altLang="ko-KR" dirty="0" smtClean="0"/>
+          </a:p>
+          <a:p>
+            <a:r>
+              <a:rPr lang="ko-KR" altLang="en-US" sz="6500" b="1" dirty="0" smtClean="0">
+                <a:solidFill>
+                  <a:srgbClr val="FF0000"/>
+                </a:solidFill>
+              </a:rPr>
+              <a:t>그리고 </a:t>
+            </a:r>
+            <a:r>
+              <a:rPr lang="en-US" altLang="ko-KR" sz="6500" b="1" dirty="0" smtClean="0">
+                <a:solidFill>
+                  <a:srgbClr val="FF0000"/>
+                </a:solidFill>
+              </a:rPr>
+              <a:t>d = n</a:t>
+            </a:r>
+            <a:r>
+              <a:rPr lang="ko-KR" altLang="en-US" sz="6500" b="1" dirty="0" smtClean="0">
+                <a:solidFill>
+                  <a:srgbClr val="FF0000"/>
+                </a:solidFill>
+              </a:rPr>
+              <a:t>에서 </a:t>
+            </a:r>
+            <a:r>
+              <a:rPr lang="en-US" altLang="ko-KR" sz="6500" b="1" dirty="0" smtClean="0">
+                <a:solidFill>
+                  <a:srgbClr val="FF0000"/>
+                </a:solidFill>
+              </a:rPr>
+              <a:t>d = 2*n</a:t>
+            </a:r>
+            <a:r>
+              <a:rPr lang="ko-KR" altLang="en-US" sz="6500" b="1" dirty="0" smtClean="0">
+                <a:solidFill>
+                  <a:srgbClr val="FF0000"/>
+                </a:solidFill>
+              </a:rPr>
+              <a:t>으로 넘어갈 때에는 </a:t>
+            </a:r>
+            <a:r>
+              <a:rPr lang="en-US" altLang="ko-KR" sz="6500" b="1" dirty="0" smtClean="0">
+                <a:solidFill>
+                  <a:srgbClr val="FF0000"/>
+                </a:solidFill>
+              </a:rPr>
+              <a:t>n</a:t>
+            </a:r>
+            <a:r>
+              <a:rPr lang="ko-KR" altLang="en-US" sz="6500" b="1" dirty="0" smtClean="0">
+                <a:solidFill>
+                  <a:srgbClr val="FF0000"/>
+                </a:solidFill>
+              </a:rPr>
+              <a:t>글자 이후만 비교해도 된다</a:t>
+            </a:r>
+            <a:r>
+              <a:rPr lang="en-US" altLang="ko-KR" sz="6500" b="1" dirty="0" smtClean="0">
+                <a:solidFill>
+                  <a:srgbClr val="FF0000"/>
+                </a:solidFill>
+              </a:rPr>
+              <a:t>.</a:t>
+            </a:r>
+            <a:endParaRPr lang="ko-KR" altLang="en-US" sz="6500" b="1" dirty="0">
+              <a:solidFill>
+                <a:srgbClr val="FF0000"/>
+              </a:solidFill>
+            </a:endParaRPr>
+          </a:p>
+        </p:txBody>
+      </p:sp>
+    </p:spTree>
+    <p:extLst>
+      <p:ext uri="{BB962C8B-B14F-4D97-AF65-F5344CB8AC3E}">
+        <p14:creationId xmlns:p14="http://schemas.microsoft.com/office/powerpoint/2010/main" val="3660547358"/>
+      </p:ext>
+    </p:extLst>
+  </p:cSld>
+  <p:clrMapOvr>
+    <a:masterClrMapping/>
+  </p:clrMapOvr>
+  <p:timing>
+    <p:tnLst>
+      <p:par>
+        <p:cTn id="1" dur="indefinite" restart="never" nodeType="tmRoot">
+          <p:childTnLst>
+            <p:seq concurrent="1" nextAc="seek">
+              <p:cTn id="2" dur="indefinite" nodeType="mainSeq">
+                <p:childTnLst>
+                  <p:par>
+                    <p:cTn id="3" fill="hold">
+                      <p:stCondLst>
+                        <p:cond delay="indefinite"/>
+                      </p:stCondLst>
+                      <p:childTnLst>
+                        <p:par>
+                          <p:cTn id="4" fill="hold">
+                            <p:stCondLst>
+                              <p:cond delay="0"/>
+                            </p:stCondLst>
+                            <p:childTnLst>
+                              <p:par>
+                                <p:cTn id="5" presetID="42" presetClass="entr" presetSubtype="0" fill="hold" nodeType="clickEffect">
+                                  <p:stCondLst>
+                                    <p:cond delay="0"/>
+                                  </p:stCondLst>
+                                  <p:childTnLst>
+                                    <p:set>
+                                      <p:cBhvr>
+                                        <p:cTn id="6" dur="1" fill="hold">
+                                          <p:stCondLst>
+                                            <p:cond delay="0"/>
+                                          </p:stCondLst>
+                                        </p:cTn>
+                                        <p:tgtEl>
+                                          <p:spTgt spid="3">
+                                            <p:txEl>
+                                              <p:pRg st="3" end="3"/>
+                                            </p:txEl>
+                                          </p:spTgt>
+                                        </p:tgtEl>
+                                        <p:attrNameLst>
+                                          <p:attrName>style.visibility</p:attrName>
+                                        </p:attrNameLst>
+                                      </p:cBhvr>
+                                      <p:to>
+                                        <p:strVal val="visible"/>
+                                      </p:to>
+                                    </p:set>
+                                    <p:animEffect transition="in" filter="fade">
+                                      <p:cBhvr>
+                                        <p:cTn id="7" dur="1000"/>
+                                        <p:tgtEl>
+                                          <p:spTgt spid="3">
+                                            <p:txEl>
+                                              <p:pRg st="3" end="3"/>
+                                            </p:txEl>
+                                          </p:spTgt>
+                                        </p:tgtEl>
+                                      </p:cBhvr>
+                                    </p:animEffect>
+                                    <p:anim calcmode="lin" valueType="num">
+                                      <p:cBhvr>
+                                        <p:cTn id="8" dur="1000" fill="hold"/>
+                                        <p:tgtEl>
+                                          <p:spTgt spid="3">
+                                            <p:txEl>
+                                              <p:pRg st="3" end="3"/>
+                                            </p:txEl>
+                                          </p:spTgt>
+                                        </p:tgtEl>
+                                        <p:attrNameLst>
+                                          <p:attrName>ppt_x</p:attrName>
+                                        </p:attrNameLst>
+                                      </p:cBhvr>
+                                      <p:tavLst>
+                                        <p:tav tm="0">
+                                          <p:val>
+                                            <p:strVal val="#ppt_x"/>
+                                          </p:val>
+                                        </p:tav>
+                                        <p:tav tm="100000">
+                                          <p:val>
+                                            <p:strVal val="#ppt_x"/>
+                                          </p:val>
+                                        </p:tav>
+                                      </p:tavLst>
+                                    </p:anim>
+                                    <p:anim calcmode="lin" valueType="num">
+                                      <p:cBhvr>
+                                        <p:cTn id="9" dur="1000" fill="hold"/>
+                                        <p:tgtEl>
+                                          <p:spTgt spid="3">
+                                            <p:txEl>
+                                              <p:pRg st="3" end="3"/>
+                                            </p:txEl>
+                                          </p:spTgt>
+                                        </p:tgtEl>
+                                        <p:attrNameLst>
+                                          <p:attrName>ppt_y</p:attrName>
+                                        </p:attrNameLst>
+                                      </p:cBhvr>
+                                      <p:tavLst>
+                                        <p:tav tm="0">
+                                          <p:val>
+                                            <p:strVal val="#ppt_y+.1"/>
+                                          </p:val>
+                                        </p:tav>
+                                        <p:tav tm="100000">
+                                          <p:val>
+                                            <p:strVal val="#ppt_y"/>
+                                          </p:val>
+                                        </p:tav>
+                                      </p:tavLst>
+                                    </p:anim>
+                                  </p:childTnLst>
+                                </p:cTn>
+                              </p:par>
+                            </p:childTnLst>
+                          </p:cTn>
+                        </p:par>
+                      </p:childTnLst>
+                    </p:cTn>
+                  </p:par>
+                </p:childTnLst>
+              </p:cTn>
+              <p:prevCondLst>
+                <p:cond evt="onPrev" delay="0">
+                  <p:tgtEl>
+                    <p:sldTgt/>
+                  </p:tgtEl>
+                </p:cond>
+              </p:prevCondLst>
+              <p:nextCondLst>
+                <p:cond evt="onNext" delay="0">
+                  <p:tgtEl>
+                    <p:sldTgt/>
+                  </p:tgtEl>
+                </p:cond>
+              </p:nextCondLst>
+            </p:seq>
+          </p:childTnLst>
+        </p:cTn>
+      </p:par>
+    </p:tnLst>
+  </p:timing>
+</p:sld>
+</file>
+
 <file path=ppt/theme/theme1.xml><?xml version="1.0" encoding="utf-8"?>
 <a:theme xmlns:a="http://schemas.openxmlformats.org/drawingml/2006/main" name="Office 테마">
   <a:themeElements>

--- a/Chapter20/접미사배열ppt.pptx
+++ b/Chapter20/접미사배열ppt.pptx
@@ -21,13 +21,14 @@
     <p:sldId id="269" r:id="rId15"/>
     <p:sldId id="271" r:id="rId16"/>
     <p:sldId id="272" r:id="rId17"/>
-    <p:sldId id="273" r:id="rId18"/>
-    <p:sldId id="274" r:id="rId19"/>
-    <p:sldId id="276" r:id="rId20"/>
-    <p:sldId id="277" r:id="rId21"/>
-    <p:sldId id="275" r:id="rId22"/>
-    <p:sldId id="278" r:id="rId23"/>
-    <p:sldId id="279" r:id="rId24"/>
+    <p:sldId id="280" r:id="rId18"/>
+    <p:sldId id="273" r:id="rId19"/>
+    <p:sldId id="274" r:id="rId20"/>
+    <p:sldId id="276" r:id="rId21"/>
+    <p:sldId id="277" r:id="rId22"/>
+    <p:sldId id="275" r:id="rId23"/>
+    <p:sldId id="278" r:id="rId24"/>
+    <p:sldId id="279" r:id="rId25"/>
   </p:sldIdLst>
   <p:sldSz cx="12192000" cy="6858000"/>
   <p:notesSz cx="6858000" cy="9144000"/>
@@ -309,7 +310,7 @@
           <a:p>
             <a:fld id="{2622C8D9-6F77-4B5F-8F05-E62BD66A937E}" type="datetimeFigureOut">
               <a:rPr lang="ko-KR" altLang="en-US" smtClean="0"/>
-              <a:t>2017-11-21</a:t>
+              <a:t>2017-11-25</a:t>
             </a:fld>
             <a:endParaRPr lang="ko-KR" altLang="en-US"/>
           </a:p>
@@ -479,7 +480,7 @@
           <a:p>
             <a:fld id="{2622C8D9-6F77-4B5F-8F05-E62BD66A937E}" type="datetimeFigureOut">
               <a:rPr lang="ko-KR" altLang="en-US" smtClean="0"/>
-              <a:t>2017-11-21</a:t>
+              <a:t>2017-11-25</a:t>
             </a:fld>
             <a:endParaRPr lang="ko-KR" altLang="en-US"/>
           </a:p>
@@ -659,7 +660,7 @@
           <a:p>
             <a:fld id="{2622C8D9-6F77-4B5F-8F05-E62BD66A937E}" type="datetimeFigureOut">
               <a:rPr lang="ko-KR" altLang="en-US" smtClean="0"/>
-              <a:t>2017-11-21</a:t>
+              <a:t>2017-11-25</a:t>
             </a:fld>
             <a:endParaRPr lang="ko-KR" altLang="en-US"/>
           </a:p>
@@ -829,7 +830,7 @@
           <a:p>
             <a:fld id="{2622C8D9-6F77-4B5F-8F05-E62BD66A937E}" type="datetimeFigureOut">
               <a:rPr lang="ko-KR" altLang="en-US" smtClean="0"/>
-              <a:t>2017-11-21</a:t>
+              <a:t>2017-11-25</a:t>
             </a:fld>
             <a:endParaRPr lang="ko-KR" altLang="en-US"/>
           </a:p>
@@ -1075,7 +1076,7 @@
           <a:p>
             <a:fld id="{2622C8D9-6F77-4B5F-8F05-E62BD66A937E}" type="datetimeFigureOut">
               <a:rPr lang="ko-KR" altLang="en-US" smtClean="0"/>
-              <a:t>2017-11-21</a:t>
+              <a:t>2017-11-25</a:t>
             </a:fld>
             <a:endParaRPr lang="ko-KR" altLang="en-US"/>
           </a:p>
@@ -1307,7 +1308,7 @@
           <a:p>
             <a:fld id="{2622C8D9-6F77-4B5F-8F05-E62BD66A937E}" type="datetimeFigureOut">
               <a:rPr lang="ko-KR" altLang="en-US" smtClean="0"/>
-              <a:t>2017-11-21</a:t>
+              <a:t>2017-11-25</a:t>
             </a:fld>
             <a:endParaRPr lang="ko-KR" altLang="en-US"/>
           </a:p>
@@ -1674,7 +1675,7 @@
           <a:p>
             <a:fld id="{2622C8D9-6F77-4B5F-8F05-E62BD66A937E}" type="datetimeFigureOut">
               <a:rPr lang="ko-KR" altLang="en-US" smtClean="0"/>
-              <a:t>2017-11-21</a:t>
+              <a:t>2017-11-25</a:t>
             </a:fld>
             <a:endParaRPr lang="ko-KR" altLang="en-US"/>
           </a:p>
@@ -1792,7 +1793,7 @@
           <a:p>
             <a:fld id="{2622C8D9-6F77-4B5F-8F05-E62BD66A937E}" type="datetimeFigureOut">
               <a:rPr lang="ko-KR" altLang="en-US" smtClean="0"/>
-              <a:t>2017-11-21</a:t>
+              <a:t>2017-11-25</a:t>
             </a:fld>
             <a:endParaRPr lang="ko-KR" altLang="en-US"/>
           </a:p>
@@ -1887,7 +1888,7 @@
           <a:p>
             <a:fld id="{2622C8D9-6F77-4B5F-8F05-E62BD66A937E}" type="datetimeFigureOut">
               <a:rPr lang="ko-KR" altLang="en-US" smtClean="0"/>
-              <a:t>2017-11-21</a:t>
+              <a:t>2017-11-25</a:t>
             </a:fld>
             <a:endParaRPr lang="ko-KR" altLang="en-US"/>
           </a:p>
@@ -2164,7 +2165,7 @@
           <a:p>
             <a:fld id="{2622C8D9-6F77-4B5F-8F05-E62BD66A937E}" type="datetimeFigureOut">
               <a:rPr lang="ko-KR" altLang="en-US" smtClean="0"/>
-              <a:t>2017-11-21</a:t>
+              <a:t>2017-11-25</a:t>
             </a:fld>
             <a:endParaRPr lang="ko-KR" altLang="en-US"/>
           </a:p>
@@ -2417,7 +2418,7 @@
           <a:p>
             <a:fld id="{2622C8D9-6F77-4B5F-8F05-E62BD66A937E}" type="datetimeFigureOut">
               <a:rPr lang="ko-KR" altLang="en-US" smtClean="0"/>
-              <a:t>2017-11-21</a:t>
+              <a:t>2017-11-25</a:t>
             </a:fld>
             <a:endParaRPr lang="ko-KR" altLang="en-US"/>
           </a:p>
@@ -2630,7 +2631,7 @@
           <a:p>
             <a:fld id="{2622C8D9-6F77-4B5F-8F05-E62BD66A937E}" type="datetimeFigureOut">
               <a:rPr lang="ko-KR" altLang="en-US" smtClean="0"/>
-              <a:t>2017-11-21</a:t>
+              <a:t>2017-11-25</a:t>
             </a:fld>
             <a:endParaRPr lang="ko-KR" altLang="en-US"/>
           </a:p>
@@ -3406,8 +3407,8 @@
               <a:t>Q. </a:t>
             </a:r>
             <a:r>
-              <a:rPr lang="en-US" altLang="ko-KR" dirty="0" err="1" smtClean="0"/>
-              <a:t>sa</a:t>
+              <a:rPr lang="en-US" altLang="ko-KR" dirty="0" smtClean="0"/>
+              <a:t>SA</a:t>
             </a:r>
             <a:r>
               <a:rPr lang="en-US" altLang="ko-KR" dirty="0" smtClean="0"/>
@@ -3488,23 +3489,15 @@
           <a:p>
             <a:r>
               <a:rPr lang="en-US" altLang="ko-KR" dirty="0" smtClean="0"/>
-              <a:t>Q. sort(</a:t>
-            </a:r>
-            <a:r>
-              <a:rPr lang="en-US" altLang="ko-KR" dirty="0" err="1" smtClean="0"/>
-              <a:t>sa</a:t>
-            </a:r>
-            <a:r>
-              <a:rPr lang="en-US" altLang="ko-KR" dirty="0" smtClean="0"/>
-              <a:t>, </a:t>
-            </a:r>
-            <a:r>
-              <a:rPr lang="en-US" altLang="ko-KR" dirty="0" err="1" smtClean="0"/>
-              <a:t>sa</a:t>
-            </a:r>
-            <a:r>
-              <a:rPr lang="en-US" altLang="ko-KR" dirty="0" smtClean="0"/>
-              <a:t> + N, </a:t>
+              <a:t>Q. </a:t>
+            </a:r>
+            <a:r>
+              <a:rPr lang="en-US" altLang="ko-KR" dirty="0"/>
+              <a:t>sort(SA, SA </a:t>
+            </a:r>
+            <a:r>
+              <a:rPr lang="en-US" altLang="ko-KR" dirty="0" smtClean="0"/>
+              <a:t>+ N, </a:t>
             </a:r>
             <a:r>
               <a:rPr lang="en-US" altLang="ko-KR" dirty="0" err="1" smtClean="0"/>
@@ -4523,9 +4516,16 @@
             <p:ph idx="1"/>
           </p:nvPr>
         </p:nvSpPr>
-        <p:spPr/>
-        <p:txBody>
-          <a:bodyPr/>
+        <p:spPr>
+          <a:xfrm>
+            <a:off x="838200" y="1825624"/>
+            <a:ext cx="10515600" cy="5032375"/>
+          </a:xfrm>
+        </p:spPr>
+        <p:txBody>
+          <a:bodyPr>
+            <a:normAutofit lnSpcReduction="10000"/>
+          </a:bodyPr>
           <a:lstStyle/>
           <a:p>
             <a:r>
@@ -4686,6 +4686,76 @@
             </a:r>
           </a:p>
           <a:p>
+            <a:endParaRPr lang="en-US" altLang="ko-KR" b="1" dirty="0" smtClean="0">
+              <a:solidFill>
+                <a:srgbClr val="FF0000"/>
+              </a:solidFill>
+            </a:endParaRPr>
+          </a:p>
+          <a:p>
+            <a:r>
+              <a:rPr lang="en-US" altLang="ko-KR" b="1" dirty="0" err="1" smtClean="0"/>
+              <a:t>ababc</a:t>
+            </a:r>
+            <a:r>
+              <a:rPr lang="en-US" altLang="ko-KR" b="1" dirty="0" smtClean="0"/>
+              <a:t> </a:t>
+            </a:r>
+            <a:r>
+              <a:rPr lang="ko-KR" altLang="en-US" b="1" dirty="0" smtClean="0"/>
+              <a:t>와 </a:t>
+            </a:r>
+            <a:r>
+              <a:rPr lang="en-US" altLang="ko-KR" b="1" dirty="0" err="1" smtClean="0"/>
+              <a:t>abad</a:t>
+            </a:r>
+            <a:r>
+              <a:rPr lang="ko-KR" altLang="en-US" b="1" dirty="0" smtClean="0"/>
+              <a:t>는 앞에서부터 </a:t>
+            </a:r>
+            <a:r>
+              <a:rPr lang="en-US" altLang="ko-KR" b="1" dirty="0" smtClean="0"/>
+              <a:t>3</a:t>
+            </a:r>
+            <a:r>
+              <a:rPr lang="ko-KR" altLang="en-US" b="1" dirty="0" smtClean="0"/>
+              <a:t>글자가 일치하는데</a:t>
+            </a:r>
+            <a:r>
+              <a:rPr lang="en-US" altLang="ko-KR" b="1" dirty="0" smtClean="0"/>
+              <a:t>, </a:t>
+            </a:r>
+            <a:r>
+              <a:rPr lang="ko-KR" altLang="en-US" b="1" dirty="0" smtClean="0"/>
+              <a:t>제일 앞의 한 글자씩 뺀 </a:t>
+            </a:r>
+            <a:r>
+              <a:rPr lang="en-US" altLang="ko-KR" b="1" dirty="0" err="1" smtClean="0"/>
+              <a:t>babc</a:t>
+            </a:r>
+            <a:r>
+              <a:rPr lang="ko-KR" altLang="en-US" b="1" dirty="0" smtClean="0"/>
+              <a:t>와 </a:t>
+            </a:r>
+            <a:r>
+              <a:rPr lang="en-US" altLang="ko-KR" b="1" dirty="0" smtClean="0"/>
+              <a:t>bad</a:t>
+            </a:r>
+            <a:r>
+              <a:rPr lang="ko-KR" altLang="en-US" b="1" dirty="0" smtClean="0"/>
+              <a:t>는 앞에서부터 </a:t>
+            </a:r>
+            <a:r>
+              <a:rPr lang="en-US" altLang="ko-KR" b="1" dirty="0" smtClean="0"/>
+              <a:t>2</a:t>
+            </a:r>
+            <a:r>
+              <a:rPr lang="ko-KR" altLang="en-US" b="1" dirty="0" smtClean="0"/>
+              <a:t>글자가 일치</a:t>
+            </a:r>
+            <a:endParaRPr lang="en-US" altLang="ko-KR" b="1" dirty="0"/>
+          </a:p>
+          <a:p>
             <a:endParaRPr lang="en-US" altLang="ko-KR" b="1" dirty="0">
               <a:solidFill>
                 <a:srgbClr val="FF0000"/>
@@ -4699,7 +4769,15 @@
                   <a:srgbClr val="FF0000"/>
                 </a:solidFill>
               </a:rPr>
-              <a:t>코드 구경</a:t>
+              <a:t>코드 </a:t>
+            </a:r>
+            <a:r>
+              <a:rPr lang="ko-KR" altLang="en-US" b="1" dirty="0" smtClean="0">
+                <a:solidFill>
+                  <a:srgbClr val="FF0000"/>
+                </a:solidFill>
+              </a:rPr>
+              <a:t>구경</a:t>
             </a:r>
             <a:endParaRPr lang="ko-KR" altLang="en-US" b="1" dirty="0">
               <a:solidFill>
@@ -4762,51 +4840,228 @@
           <a:lstStyle/>
           <a:p>
             <a:r>
+              <a:rPr lang="en-US" altLang="ko-KR" dirty="0"/>
+              <a:t>LCP(Longest Common Prefix)</a:t>
+            </a:r>
+            <a:endParaRPr lang="ko-KR" altLang="en-US" dirty="0"/>
+          </a:p>
+        </p:txBody>
+      </p:sp>
+      <p:sp>
+        <p:nvSpPr>
+          <p:cNvPr id="3" name="내용 개체 틀 2"/>
+          <p:cNvSpPr>
+            <a:spLocks noGrp="1"/>
+          </p:cNvSpPr>
+          <p:nvPr>
+            <p:ph idx="1"/>
+          </p:nvPr>
+        </p:nvSpPr>
+        <p:spPr>
+          <a:xfrm>
+            <a:off x="838200" y="1825624"/>
+            <a:ext cx="10515600" cy="5032375"/>
+          </a:xfrm>
+        </p:spPr>
+        <p:txBody>
+          <a:bodyPr>
+            <a:normAutofit/>
+          </a:bodyPr>
+          <a:lstStyle/>
+          <a:p>
+            <a:r>
+              <a:rPr lang="en-US" altLang="ko-KR" dirty="0" smtClean="0"/>
+              <a:t>Q. SA[</a:t>
+            </a:r>
+            <a:r>
+              <a:rPr lang="en-US" altLang="ko-KR" dirty="0" err="1" smtClean="0"/>
+              <a:t>i</a:t>
+            </a:r>
+            <a:r>
+              <a:rPr lang="en-US" altLang="ko-KR" dirty="0" smtClean="0"/>
+              <a:t>]</a:t>
+            </a:r>
+            <a:r>
               <a:rPr lang="ko-KR" altLang="en-US" dirty="0" smtClean="0"/>
-              <a:t>외울까요 </a:t>
-            </a:r>
-            <a:endParaRPr lang="ko-KR" altLang="en-US" dirty="0"/>
-          </a:p>
-        </p:txBody>
-      </p:sp>
-      <p:sp>
-        <p:nvSpPr>
-          <p:cNvPr id="3" name="내용 개체 틀 2"/>
-          <p:cNvSpPr>
-            <a:spLocks noGrp="1"/>
-          </p:cNvSpPr>
-          <p:nvPr>
-            <p:ph idx="1"/>
-          </p:nvPr>
-        </p:nvSpPr>
-        <p:spPr/>
-        <p:txBody>
-          <a:bodyPr/>
-          <a:lstStyle/>
-          <a:p>
-            <a:r>
-              <a:rPr lang="en-US" altLang="ko-KR" dirty="0">
-                <a:hlinkClick r:id="rId2"/>
-              </a:rPr>
-              <a:t>https://</a:t>
-            </a:r>
-            <a:r>
-              <a:rPr lang="en-US" altLang="ko-KR" dirty="0" smtClean="0">
-                <a:hlinkClick r:id="rId2"/>
-              </a:rPr>
-              <a:t>www.acmicpc.net/problem/9248</a:t>
-            </a:r>
-            <a:endParaRPr lang="ko-KR" altLang="en-US" dirty="0"/>
-          </a:p>
-          <a:p>
-            <a:endParaRPr lang="ko-KR" altLang="en-US" dirty="0"/>
+              <a:t>와 </a:t>
+            </a:r>
+            <a:r>
+              <a:rPr lang="en-US" altLang="ko-KR" dirty="0" smtClean="0"/>
+              <a:t>group[</a:t>
+            </a:r>
+            <a:r>
+              <a:rPr lang="en-US" altLang="ko-KR" dirty="0" err="1" smtClean="0"/>
+              <a:t>i</a:t>
+            </a:r>
+            <a:r>
+              <a:rPr lang="en-US" altLang="ko-KR" dirty="0" smtClean="0"/>
+              <a:t>]</a:t>
+            </a:r>
+            <a:r>
+              <a:rPr lang="ko-KR" altLang="en-US" dirty="0" smtClean="0"/>
+              <a:t>의 정의를 다시 생각해봅시다</a:t>
+            </a:r>
+            <a:r>
+              <a:rPr lang="en-US" altLang="ko-KR" dirty="0" smtClean="0"/>
+              <a:t>.</a:t>
+            </a:r>
+          </a:p>
+          <a:p>
+            <a:endParaRPr lang="en-US" altLang="ko-KR" dirty="0"/>
+          </a:p>
+          <a:p>
+            <a:r>
+              <a:rPr lang="en-US" altLang="ko-KR" dirty="0" err="1" smtClean="0"/>
+              <a:t>Q.group</a:t>
+            </a:r>
+            <a:r>
+              <a:rPr lang="en-US" altLang="ko-KR" dirty="0" smtClean="0"/>
+              <a:t>[</a:t>
+            </a:r>
+            <a:r>
+              <a:rPr lang="en-US" altLang="ko-KR" dirty="0" err="1" smtClean="0"/>
+              <a:t>sa</a:t>
+            </a:r>
+            <a:r>
+              <a:rPr lang="en-US" altLang="ko-KR" dirty="0" smtClean="0"/>
+              <a:t>[</a:t>
+            </a:r>
+            <a:r>
+              <a:rPr lang="en-US" altLang="ko-KR" dirty="0" err="1" smtClean="0"/>
+              <a:t>i</a:t>
+            </a:r>
+            <a:r>
+              <a:rPr lang="en-US" altLang="ko-KR" dirty="0" smtClean="0"/>
+              <a:t>]] </a:t>
+            </a:r>
+            <a:r>
+              <a:rPr lang="ko-KR" altLang="en-US" dirty="0" smtClean="0"/>
+              <a:t>는 왜</a:t>
+            </a:r>
+            <a:r>
+              <a:rPr lang="en-US" altLang="ko-KR" dirty="0"/>
+              <a:t> </a:t>
+            </a:r>
+            <a:r>
+              <a:rPr lang="en-US" altLang="ko-KR" dirty="0" err="1" smtClean="0"/>
+              <a:t>i</a:t>
+            </a:r>
+            <a:r>
+              <a:rPr lang="ko-KR" altLang="en-US" dirty="0" smtClean="0"/>
+              <a:t>인가요</a:t>
+            </a:r>
+            <a:r>
+              <a:rPr lang="en-US" altLang="ko-KR" dirty="0" smtClean="0"/>
+              <a:t>?</a:t>
+            </a:r>
+          </a:p>
+          <a:p>
+            <a:endParaRPr lang="en-US" altLang="ko-KR" dirty="0"/>
+          </a:p>
+          <a:p>
+            <a:r>
+              <a:rPr lang="en-US" altLang="ko-KR" dirty="0" smtClean="0"/>
+              <a:t>if(</a:t>
+            </a:r>
+            <a:r>
+              <a:rPr lang="en-US" altLang="ko-KR" dirty="0" err="1" smtClean="0"/>
+              <a:t>pos</a:t>
+            </a:r>
+            <a:r>
+              <a:rPr lang="en-US" altLang="ko-KR" dirty="0" smtClean="0"/>
+              <a:t>[</a:t>
+            </a:r>
+            <a:r>
+              <a:rPr lang="en-US" altLang="ko-KR" dirty="0" err="1" smtClean="0"/>
+              <a:t>i</a:t>
+            </a:r>
+            <a:r>
+              <a:rPr lang="en-US" altLang="ko-KR" dirty="0" smtClean="0"/>
+              <a:t>] == N – 1) </a:t>
+            </a:r>
+            <a:r>
+              <a:rPr lang="en-US" altLang="ko-KR" dirty="0" smtClean="0"/>
+              <a:t>continue</a:t>
+            </a:r>
+            <a:r>
+              <a:rPr lang="ko-KR" altLang="en-US" dirty="0" smtClean="0"/>
+              <a:t>는 왜 그렇죠</a:t>
+            </a:r>
+            <a:r>
+              <a:rPr lang="en-US" altLang="ko-KR" dirty="0" smtClean="0"/>
+              <a:t>?</a:t>
+            </a:r>
+          </a:p>
+          <a:p>
+            <a:endParaRPr lang="en-US" altLang="ko-KR" dirty="0"/>
+          </a:p>
+          <a:p>
+            <a:r>
+              <a:rPr lang="en-US" altLang="ko-KR" dirty="0" smtClean="0"/>
+              <a:t>group[</a:t>
+            </a:r>
+            <a:r>
+              <a:rPr lang="en-US" altLang="ko-KR" dirty="0" err="1" smtClean="0"/>
+              <a:t>i</a:t>
+            </a:r>
+            <a:r>
+              <a:rPr lang="en-US" altLang="ko-KR" dirty="0" smtClean="0"/>
+              <a:t>] + 1 </a:t>
+            </a:r>
+            <a:r>
+              <a:rPr lang="ko-KR" altLang="en-US" dirty="0" smtClean="0"/>
+              <a:t>의 의미와 </a:t>
+            </a:r>
+            <a:r>
+              <a:rPr lang="en-US" altLang="ko-KR" dirty="0" smtClean="0"/>
+              <a:t>SA[group[</a:t>
+            </a:r>
+            <a:r>
+              <a:rPr lang="en-US" altLang="ko-KR" dirty="0" err="1" smtClean="0"/>
+              <a:t>i</a:t>
+            </a:r>
+            <a:r>
+              <a:rPr lang="en-US" altLang="ko-KR" dirty="0" smtClean="0"/>
+              <a:t>] + 1]</a:t>
+            </a:r>
+            <a:r>
+              <a:rPr lang="ko-KR" altLang="en-US" dirty="0" smtClean="0"/>
+              <a:t>의 의미는 무엇이죠</a:t>
+            </a:r>
+            <a:r>
+              <a:rPr lang="en-US" altLang="ko-KR" dirty="0" smtClean="0"/>
+              <a:t>?</a:t>
+            </a:r>
+          </a:p>
+          <a:p>
+            <a:endParaRPr lang="en-US" altLang="ko-KR" dirty="0"/>
+          </a:p>
+          <a:p>
+            <a:r>
+              <a:rPr lang="en-US" altLang="ko-KR" dirty="0" smtClean="0"/>
+              <a:t>k = max(k – 1, 0) </a:t>
+            </a:r>
+            <a:r>
+              <a:rPr lang="ko-KR" altLang="en-US" dirty="0" smtClean="0"/>
+              <a:t>은 무엇을 말합니까</a:t>
+            </a:r>
+            <a:r>
+              <a:rPr lang="en-US" altLang="ko-KR" dirty="0" smtClean="0"/>
+              <a:t>?</a:t>
+            </a:r>
+          </a:p>
+          <a:p>
+            <a:endParaRPr lang="en-US" altLang="ko-KR" dirty="0"/>
+          </a:p>
+          <a:p>
+            <a:endParaRPr lang="en-US" altLang="ko-KR" dirty="0" smtClean="0"/>
           </a:p>
         </p:txBody>
       </p:sp>
     </p:spTree>
     <p:extLst>
       <p:ext uri="{BB962C8B-B14F-4D97-AF65-F5344CB8AC3E}">
-        <p14:creationId xmlns:p14="http://schemas.microsoft.com/office/powerpoint/2010/main" val="4088913484"/>
+        <p14:creationId xmlns:p14="http://schemas.microsoft.com/office/powerpoint/2010/main" val="1541041521"/>
       </p:ext>
     </p:extLst>
   </p:cSld>
@@ -4857,11 +5112,7 @@
           <a:p>
             <a:r>
               <a:rPr lang="ko-KR" altLang="en-US" dirty="0" smtClean="0"/>
-              <a:t>응용해볼까요</a:t>
-            </a:r>
-            <a:r>
-              <a:rPr lang="en-US" altLang="ko-KR" dirty="0" smtClean="0"/>
-              <a:t>?</a:t>
+              <a:t>외울까요 </a:t>
             </a:r>
             <a:endParaRPr lang="ko-KR" altLang="en-US" dirty="0"/>
           </a:p>
@@ -4886,8 +5137,17 @@
               <a:rPr lang="en-US" altLang="ko-KR" dirty="0">
                 <a:hlinkClick r:id="rId2"/>
               </a:rPr>
-              <a:t>https://www.acmicpc.net/problem/3033</a:t>
-            </a:r>
+              <a:t>https://</a:t>
+            </a:r>
+            <a:r>
+              <a:rPr lang="en-US" altLang="ko-KR" dirty="0" smtClean="0">
+                <a:hlinkClick r:id="rId2"/>
+              </a:rPr>
+              <a:t>www.acmicpc.net/problem/9248</a:t>
+            </a:r>
+            <a:endParaRPr lang="ko-KR" altLang="en-US" dirty="0"/>
+          </a:p>
+          <a:p>
             <a:endParaRPr lang="ko-KR" altLang="en-US" dirty="0"/>
           </a:p>
         </p:txBody>
@@ -4895,7 +5155,7 @@
     </p:spTree>
     <p:extLst>
       <p:ext uri="{BB962C8B-B14F-4D97-AF65-F5344CB8AC3E}">
-        <p14:creationId xmlns:p14="http://schemas.microsoft.com/office/powerpoint/2010/main" val="2960279945"/>
+        <p14:creationId xmlns:p14="http://schemas.microsoft.com/office/powerpoint/2010/main" val="4088913484"/>
       </p:ext>
     </p:extLst>
   </p:cSld>
@@ -4972,67 +5232,10 @@
           <a:lstStyle/>
           <a:p>
             <a:r>
-              <a:rPr lang="ko-KR" altLang="en-US" dirty="0" smtClean="0"/>
-              <a:t>예제 </a:t>
-            </a:r>
-            <a:r>
-              <a:rPr lang="en-US" altLang="ko-KR" dirty="0" smtClean="0"/>
-              <a:t>: </a:t>
-            </a:r>
-            <a:r>
-              <a:rPr lang="ko-KR" altLang="en-US" dirty="0" smtClean="0"/>
-              <a:t>서로 다른 부분 문자열의 수</a:t>
-            </a:r>
-            <a:endParaRPr lang="en-US" altLang="ko-KR" dirty="0" smtClean="0"/>
-          </a:p>
-          <a:p>
-            <a:endParaRPr lang="en-US" altLang="ko-KR" dirty="0"/>
-          </a:p>
-          <a:p>
-            <a:endParaRPr lang="en-US" altLang="ko-KR" dirty="0" smtClean="0"/>
-          </a:p>
-          <a:p>
-            <a:r>
-              <a:rPr lang="ko-KR" altLang="en-US" dirty="0" smtClean="0"/>
-              <a:t>모든 부분 문자열이란 </a:t>
-            </a:r>
-            <a:r>
-              <a:rPr lang="en-US" altLang="ko-KR" dirty="0" smtClean="0"/>
-              <a:t>-&gt; </a:t>
-            </a:r>
-            <a:r>
-              <a:rPr lang="ko-KR" altLang="en-US" dirty="0" smtClean="0"/>
-              <a:t>접미사들의 접두사들</a:t>
-            </a:r>
-            <a:r>
-              <a:rPr lang="en-US" altLang="ko-KR" dirty="0" smtClean="0"/>
-              <a:t>.</a:t>
-            </a:r>
-          </a:p>
-          <a:p>
-            <a:endParaRPr lang="en-US" altLang="ko-KR" dirty="0"/>
-          </a:p>
-          <a:p>
-            <a:r>
-              <a:rPr lang="ko-KR" altLang="en-US" dirty="0" smtClean="0"/>
-              <a:t>여기서 중복되는 접미사들의 접두사들을 제거한다</a:t>
-            </a:r>
-            <a:r>
-              <a:rPr lang="en-US" altLang="ko-KR" dirty="0" smtClean="0"/>
-              <a:t>!</a:t>
-            </a:r>
-          </a:p>
-          <a:p>
-            <a:endParaRPr lang="en-US" altLang="ko-KR" dirty="0"/>
-          </a:p>
-          <a:p>
-            <a:r>
-              <a:rPr lang="ko-KR" altLang="en-US" dirty="0" smtClean="0"/>
-              <a:t>어떻게</a:t>
-            </a:r>
-            <a:r>
-              <a:rPr lang="en-US" altLang="ko-KR" dirty="0" smtClean="0"/>
-              <a:t>? </a:t>
+              <a:rPr lang="en-US" altLang="ko-KR" dirty="0">
+                <a:hlinkClick r:id="rId2"/>
+              </a:rPr>
+              <a:t>https://www.acmicpc.net/problem/3033</a:t>
             </a:r>
             <a:endParaRPr lang="ko-KR" altLang="en-US" dirty="0"/>
           </a:p>
@@ -5041,7 +5244,7 @@
     </p:spTree>
     <p:extLst>
       <p:ext uri="{BB962C8B-B14F-4D97-AF65-F5344CB8AC3E}">
-        <p14:creationId xmlns:p14="http://schemas.microsoft.com/office/powerpoint/2010/main" val="2130340074"/>
+        <p14:creationId xmlns:p14="http://schemas.microsoft.com/office/powerpoint/2010/main" val="2960279945"/>
       </p:ext>
     </p:extLst>
   </p:cSld>
@@ -5265,7 +5468,15 @@
           <a:p>
             <a:r>
               <a:rPr lang="ko-KR" altLang="en-US" dirty="0" smtClean="0"/>
-              <a:t>꿀을 빨아요 우리</a:t>
+              <a:t>예제 </a:t>
+            </a:r>
+            <a:r>
+              <a:rPr lang="en-US" altLang="ko-KR" dirty="0" smtClean="0"/>
+              <a:t>: </a:t>
+            </a:r>
+            <a:r>
+              <a:rPr lang="ko-KR" altLang="en-US" dirty="0" smtClean="0"/>
+              <a:t>서로 다른 부분 문자열의 수</a:t>
             </a:r>
             <a:endParaRPr lang="en-US" altLang="ko-KR" dirty="0" smtClean="0"/>
           </a:p>
@@ -5273,39 +5484,51 @@
             <a:endParaRPr lang="en-US" altLang="ko-KR" dirty="0"/>
           </a:p>
           <a:p>
-            <a:r>
-              <a:rPr lang="en-US" altLang="ko-KR" dirty="0">
-                <a:hlinkClick r:id="rId2"/>
-              </a:rPr>
-              <a:t>https://</a:t>
-            </a:r>
-            <a:r>
-              <a:rPr lang="en-US" altLang="ko-KR" dirty="0" smtClean="0">
-                <a:hlinkClick r:id="rId2"/>
-              </a:rPr>
-              <a:t>www.acmicpc.net/problem/11478</a:t>
-            </a:r>
             <a:endParaRPr lang="en-US" altLang="ko-KR" dirty="0" smtClean="0"/>
           </a:p>
           <a:p>
+            <a:r>
+              <a:rPr lang="ko-KR" altLang="en-US" dirty="0" smtClean="0"/>
+              <a:t>모든 부분 문자열이란 </a:t>
+            </a:r>
+            <a:r>
+              <a:rPr lang="en-US" altLang="ko-KR" dirty="0" smtClean="0"/>
+              <a:t>-&gt; </a:t>
+            </a:r>
+            <a:r>
+              <a:rPr lang="ko-KR" altLang="en-US" dirty="0" smtClean="0"/>
+              <a:t>접미사들의 접두사들</a:t>
+            </a:r>
+            <a:r>
+              <a:rPr lang="en-US" altLang="ko-KR" dirty="0" smtClean="0"/>
+              <a:t>.</a:t>
+            </a:r>
+          </a:p>
+          <a:p>
             <a:endParaRPr lang="en-US" altLang="ko-KR" dirty="0"/>
           </a:p>
           <a:p>
             <a:r>
-              <a:rPr lang="en-US" altLang="ko-KR" dirty="0">
-                <a:hlinkClick r:id="rId3"/>
-              </a:rPr>
-              <a:t>https://</a:t>
-            </a:r>
-            <a:r>
-              <a:rPr lang="en-US" altLang="ko-KR" dirty="0" smtClean="0">
-                <a:hlinkClick r:id="rId3"/>
-              </a:rPr>
-              <a:t>www.acmicpc.net/problem/11479</a:t>
-            </a:r>
-            <a:endParaRPr lang="en-US" altLang="ko-KR" dirty="0" smtClean="0"/>
-          </a:p>
-          <a:p>
+              <a:rPr lang="ko-KR" altLang="en-US" dirty="0" smtClean="0"/>
+              <a:t>여기서 중복되는 접미사들의 접두사들을 제거한다</a:t>
+            </a:r>
+            <a:r>
+              <a:rPr lang="en-US" altLang="ko-KR" dirty="0" smtClean="0"/>
+              <a:t>!</a:t>
+            </a:r>
+          </a:p>
+          <a:p>
+            <a:endParaRPr lang="en-US" altLang="ko-KR" dirty="0"/>
+          </a:p>
+          <a:p>
+            <a:r>
+              <a:rPr lang="ko-KR" altLang="en-US" dirty="0" smtClean="0"/>
+              <a:t>어떻게</a:t>
+            </a:r>
+            <a:r>
+              <a:rPr lang="en-US" altLang="ko-KR" dirty="0" smtClean="0"/>
+              <a:t>? </a:t>
+            </a:r>
             <a:endParaRPr lang="ko-KR" altLang="en-US" dirty="0"/>
           </a:p>
         </p:txBody>
@@ -5313,7 +5536,7 @@
     </p:spTree>
     <p:extLst>
       <p:ext uri="{BB962C8B-B14F-4D97-AF65-F5344CB8AC3E}">
-        <p14:creationId xmlns:p14="http://schemas.microsoft.com/office/powerpoint/2010/main" val="155864399"/>
+        <p14:creationId xmlns:p14="http://schemas.microsoft.com/office/powerpoint/2010/main" val="2130340074"/>
       </p:ext>
     </p:extLst>
   </p:cSld>
@@ -5364,7 +5587,11 @@
           <a:p>
             <a:r>
               <a:rPr lang="ko-KR" altLang="en-US" dirty="0" smtClean="0"/>
-              <a:t>말버릇</a:t>
+              <a:t>응용해볼까요</a:t>
+            </a:r>
+            <a:r>
+              <a:rPr lang="en-US" altLang="ko-KR" dirty="0" smtClean="0"/>
+              <a:t>?</a:t>
             </a:r>
             <a:endParaRPr lang="ko-KR" altLang="en-US" dirty="0"/>
           </a:p>
@@ -5386,17 +5613,48 @@
           <a:lstStyle/>
           <a:p>
             <a:r>
-              <a:rPr lang="en-US" altLang="ko-KR" dirty="0" smtClean="0"/>
-              <a:t>LCP</a:t>
-            </a:r>
-            <a:r>
               <a:rPr lang="ko-KR" altLang="en-US" dirty="0" smtClean="0"/>
-              <a:t>로 어떻게 해결할 수 있을까요</a:t>
-            </a:r>
-            <a:r>
-              <a:rPr lang="en-US" altLang="ko-KR" dirty="0" smtClean="0"/>
-              <a:t>?</a:t>
-            </a:r>
+              <a:t>꿀을 빨아요 우리</a:t>
+            </a:r>
+            <a:endParaRPr lang="en-US" altLang="ko-KR" dirty="0" smtClean="0"/>
+          </a:p>
+          <a:p>
+            <a:endParaRPr lang="en-US" altLang="ko-KR" dirty="0"/>
+          </a:p>
+          <a:p>
+            <a:r>
+              <a:rPr lang="en-US" altLang="ko-KR" dirty="0">
+                <a:hlinkClick r:id="rId2"/>
+              </a:rPr>
+              <a:t>https://</a:t>
+            </a:r>
+            <a:r>
+              <a:rPr lang="en-US" altLang="ko-KR" dirty="0" smtClean="0">
+                <a:hlinkClick r:id="rId2"/>
+              </a:rPr>
+              <a:t>www.acmicpc.net/problem/11478</a:t>
+            </a:r>
+            <a:endParaRPr lang="en-US" altLang="ko-KR" dirty="0" smtClean="0"/>
+          </a:p>
+          <a:p>
+            <a:endParaRPr lang="en-US" altLang="ko-KR" dirty="0"/>
+          </a:p>
+          <a:p>
+            <a:r>
+              <a:rPr lang="en-US" altLang="ko-KR" dirty="0">
+                <a:hlinkClick r:id="rId3"/>
+              </a:rPr>
+              <a:t>https://</a:t>
+            </a:r>
+            <a:r>
+              <a:rPr lang="en-US" altLang="ko-KR" dirty="0" smtClean="0">
+                <a:hlinkClick r:id="rId3"/>
+              </a:rPr>
+              <a:t>www.acmicpc.net/problem/11479</a:t>
+            </a:r>
+            <a:endParaRPr lang="en-US" altLang="ko-KR" dirty="0" smtClean="0"/>
+          </a:p>
+          <a:p>
             <a:endParaRPr lang="ko-KR" altLang="en-US" dirty="0"/>
           </a:p>
         </p:txBody>
@@ -5404,7 +5662,7 @@
     </p:spTree>
     <p:extLst>
       <p:ext uri="{BB962C8B-B14F-4D97-AF65-F5344CB8AC3E}">
-        <p14:creationId xmlns:p14="http://schemas.microsoft.com/office/powerpoint/2010/main" val="3244064458"/>
+        <p14:creationId xmlns:p14="http://schemas.microsoft.com/office/powerpoint/2010/main" val="155864399"/>
       </p:ext>
     </p:extLst>
   </p:cSld>
@@ -5455,6 +5713,97 @@
           <a:p>
             <a:r>
               <a:rPr lang="ko-KR" altLang="en-US" dirty="0" smtClean="0"/>
+              <a:t>말버릇</a:t>
+            </a:r>
+            <a:endParaRPr lang="ko-KR" altLang="en-US" dirty="0"/>
+          </a:p>
+        </p:txBody>
+      </p:sp>
+      <p:sp>
+        <p:nvSpPr>
+          <p:cNvPr id="3" name="내용 개체 틀 2"/>
+          <p:cNvSpPr>
+            <a:spLocks noGrp="1"/>
+          </p:cNvSpPr>
+          <p:nvPr>
+            <p:ph idx="1"/>
+          </p:nvPr>
+        </p:nvSpPr>
+        <p:spPr/>
+        <p:txBody>
+          <a:bodyPr/>
+          <a:lstStyle/>
+          <a:p>
+            <a:r>
+              <a:rPr lang="en-US" altLang="ko-KR" dirty="0" smtClean="0"/>
+              <a:t>LCP</a:t>
+            </a:r>
+            <a:r>
+              <a:rPr lang="ko-KR" altLang="en-US" dirty="0" smtClean="0"/>
+              <a:t>로 어떻게 해결할 수 있을까요</a:t>
+            </a:r>
+            <a:r>
+              <a:rPr lang="en-US" altLang="ko-KR" dirty="0" smtClean="0"/>
+              <a:t>?</a:t>
+            </a:r>
+            <a:endParaRPr lang="ko-KR" altLang="en-US" dirty="0"/>
+          </a:p>
+        </p:txBody>
+      </p:sp>
+    </p:spTree>
+    <p:extLst>
+      <p:ext uri="{BB962C8B-B14F-4D97-AF65-F5344CB8AC3E}">
+        <p14:creationId xmlns:p14="http://schemas.microsoft.com/office/powerpoint/2010/main" val="3244064458"/>
+      </p:ext>
+    </p:extLst>
+  </p:cSld>
+  <p:clrMapOvr>
+    <a:masterClrMapping/>
+  </p:clrMapOvr>
+  <p:timing>
+    <p:tnLst>
+      <p:par>
+        <p:cTn id="1" dur="indefinite" restart="never" nodeType="tmRoot"/>
+      </p:par>
+    </p:tnLst>
+  </p:timing>
+</p:sld>
+</file>
+
+<file path=ppt/slides/slide23.xml><?xml version="1.0" encoding="utf-8"?>
+<p:sld xmlns:a="http://schemas.openxmlformats.org/drawingml/2006/main" xmlns:r="http://schemas.openxmlformats.org/officeDocument/2006/relationships" xmlns:p="http://schemas.openxmlformats.org/presentationml/2006/main">
+  <p:cSld>
+    <p:spTree>
+      <p:nvGrpSpPr>
+        <p:cNvPr id="1" name=""/>
+        <p:cNvGrpSpPr/>
+        <p:nvPr/>
+      </p:nvGrpSpPr>
+      <p:grpSpPr>
+        <a:xfrm>
+          <a:off x="0" y="0"/>
+          <a:ext cx="0" cy="0"/>
+          <a:chOff x="0" y="0"/>
+          <a:chExt cx="0" cy="0"/>
+        </a:xfrm>
+      </p:grpSpPr>
+      <p:sp>
+        <p:nvSpPr>
+          <p:cNvPr id="2" name="제목 1"/>
+          <p:cNvSpPr>
+            <a:spLocks noGrp="1"/>
+          </p:cNvSpPr>
+          <p:nvPr>
+            <p:ph type="title"/>
+          </p:nvPr>
+        </p:nvSpPr>
+        <p:spPr/>
+        <p:txBody>
+          <a:bodyPr/>
+          <a:lstStyle/>
+          <a:p>
+            <a:r>
+              <a:rPr lang="ko-KR" altLang="en-US" dirty="0" smtClean="0"/>
               <a:t>숙제</a:t>
             </a:r>
             <a:endParaRPr lang="ko-KR" altLang="en-US" dirty="0"/>
@@ -5518,7 +5867,7 @@
 </p:sld>
 </file>
 
-<file path=ppt/slides/slide23.xml><?xml version="1.0" encoding="utf-8"?>
+<file path=ppt/slides/slide24.xml><?xml version="1.0" encoding="utf-8"?>
 <p:sld xmlns:a="http://schemas.openxmlformats.org/drawingml/2006/main" xmlns:r="http://schemas.openxmlformats.org/officeDocument/2006/relationships" xmlns:p="http://schemas.openxmlformats.org/presentationml/2006/main">
   <p:cSld>
     <p:spTree>
@@ -6107,12 +6456,8 @@
               <a:t>는 </a:t>
             </a:r>
             <a:r>
-              <a:rPr lang="ko-KR" altLang="en-US" dirty="0" err="1" smtClean="0"/>
-              <a:t>사전순으로</a:t>
-            </a:r>
-            <a:r>
               <a:rPr lang="ko-KR" altLang="en-US" dirty="0" smtClean="0"/>
-              <a:t> </a:t>
+              <a:t>사전 순으로 </a:t>
             </a:r>
             <a:r>
               <a:rPr lang="en-US" altLang="ko-KR" dirty="0" err="1" smtClean="0"/>
@@ -6388,11 +6733,7 @@
             <a:pPr algn="ctr"/>
             <a:r>
               <a:rPr lang="en-US" altLang="ko-KR" sz="5400" b="1" dirty="0" smtClean="0"/>
-              <a:t>N * </a:t>
-            </a:r>
-            <a:r>
-              <a:rPr lang="en-US" altLang="ko-KR" sz="5400" b="1" dirty="0" smtClean="0"/>
-              <a:t>(</a:t>
+              <a:t>N * (</a:t>
             </a:r>
             <a:r>
               <a:rPr lang="en-US" altLang="ko-KR" sz="5400" b="1" dirty="0" err="1" smtClean="0"/>

--- a/Chapter20/접미사배열ppt.pptx
+++ b/Chapter20/접미사배열ppt.pptx
@@ -137,11 +137,7 @@
 <file path=ppt/commentAuthors.xml><?xml version="1.0" encoding="utf-8"?>
 <p:cmAuthorLst xmlns:a="http://schemas.openxmlformats.org/drawingml/2006/main" xmlns:r="http://schemas.openxmlformats.org/officeDocument/2006/relationships" xmlns:p="http://schemas.openxmlformats.org/presentationml/2006/main">
   <p:cmAuthor id="1" name="Sangjo" initials="S" lastIdx="4" clrIdx="0">
-    <p:extLst>
-      <p:ext uri="{19B8F6BF-5375-455C-9EA6-DF929625EA0E}">
-        <p15:presenceInfo xmlns:p15="http://schemas.microsoft.com/office/powerpoint/2012/main" userId="Sangjo" providerId="None"/>
-      </p:ext>
-    </p:extLst>
+    <p:extLst/>
   </p:cmAuthor>
 </p:cmAuthorLst>
 </file>
@@ -309,7 +305,7 @@
           <a:p>
             <a:fld id="{2622C8D9-6F77-4B5F-8F05-E62BD66A937E}" type="datetimeFigureOut">
               <a:rPr lang="ko-KR" altLang="en-US" smtClean="0"/>
-              <a:t>2017-11-21</a:t>
+              <a:t>2017. 11. 26.</a:t>
             </a:fld>
             <a:endParaRPr lang="ko-KR" altLang="en-US"/>
           </a:p>
@@ -479,7 +475,7 @@
           <a:p>
             <a:fld id="{2622C8D9-6F77-4B5F-8F05-E62BD66A937E}" type="datetimeFigureOut">
               <a:rPr lang="ko-KR" altLang="en-US" smtClean="0"/>
-              <a:t>2017-11-21</a:t>
+              <a:t>2017. 11. 26.</a:t>
             </a:fld>
             <a:endParaRPr lang="ko-KR" altLang="en-US"/>
           </a:p>
@@ -659,7 +655,7 @@
           <a:p>
             <a:fld id="{2622C8D9-6F77-4B5F-8F05-E62BD66A937E}" type="datetimeFigureOut">
               <a:rPr lang="ko-KR" altLang="en-US" smtClean="0"/>
-              <a:t>2017-11-21</a:t>
+              <a:t>2017. 11. 26.</a:t>
             </a:fld>
             <a:endParaRPr lang="ko-KR" altLang="en-US"/>
           </a:p>
@@ -829,7 +825,7 @@
           <a:p>
             <a:fld id="{2622C8D9-6F77-4B5F-8F05-E62BD66A937E}" type="datetimeFigureOut">
               <a:rPr lang="ko-KR" altLang="en-US" smtClean="0"/>
-              <a:t>2017-11-21</a:t>
+              <a:t>2017. 11. 26.</a:t>
             </a:fld>
             <a:endParaRPr lang="ko-KR" altLang="en-US"/>
           </a:p>
@@ -1075,7 +1071,7 @@
           <a:p>
             <a:fld id="{2622C8D9-6F77-4B5F-8F05-E62BD66A937E}" type="datetimeFigureOut">
               <a:rPr lang="ko-KR" altLang="en-US" smtClean="0"/>
-              <a:t>2017-11-21</a:t>
+              <a:t>2017. 11. 26.</a:t>
             </a:fld>
             <a:endParaRPr lang="ko-KR" altLang="en-US"/>
           </a:p>
@@ -1307,7 +1303,7 @@
           <a:p>
             <a:fld id="{2622C8D9-6F77-4B5F-8F05-E62BD66A937E}" type="datetimeFigureOut">
               <a:rPr lang="ko-KR" altLang="en-US" smtClean="0"/>
-              <a:t>2017-11-21</a:t>
+              <a:t>2017. 11. 26.</a:t>
             </a:fld>
             <a:endParaRPr lang="ko-KR" altLang="en-US"/>
           </a:p>
@@ -1674,7 +1670,7 @@
           <a:p>
             <a:fld id="{2622C8D9-6F77-4B5F-8F05-E62BD66A937E}" type="datetimeFigureOut">
               <a:rPr lang="ko-KR" altLang="en-US" smtClean="0"/>
-              <a:t>2017-11-21</a:t>
+              <a:t>2017. 11. 26.</a:t>
             </a:fld>
             <a:endParaRPr lang="ko-KR" altLang="en-US"/>
           </a:p>
@@ -1792,7 +1788,7 @@
           <a:p>
             <a:fld id="{2622C8D9-6F77-4B5F-8F05-E62BD66A937E}" type="datetimeFigureOut">
               <a:rPr lang="ko-KR" altLang="en-US" smtClean="0"/>
-              <a:t>2017-11-21</a:t>
+              <a:t>2017. 11. 26.</a:t>
             </a:fld>
             <a:endParaRPr lang="ko-KR" altLang="en-US"/>
           </a:p>
@@ -1887,7 +1883,7 @@
           <a:p>
             <a:fld id="{2622C8D9-6F77-4B5F-8F05-E62BD66A937E}" type="datetimeFigureOut">
               <a:rPr lang="ko-KR" altLang="en-US" smtClean="0"/>
-              <a:t>2017-11-21</a:t>
+              <a:t>2017. 11. 26.</a:t>
             </a:fld>
             <a:endParaRPr lang="ko-KR" altLang="en-US"/>
           </a:p>
@@ -2164,7 +2160,7 @@
           <a:p>
             <a:fld id="{2622C8D9-6F77-4B5F-8F05-E62BD66A937E}" type="datetimeFigureOut">
               <a:rPr lang="ko-KR" altLang="en-US" smtClean="0"/>
-              <a:t>2017-11-21</a:t>
+              <a:t>2017. 11. 26.</a:t>
             </a:fld>
             <a:endParaRPr lang="ko-KR" altLang="en-US"/>
           </a:p>
@@ -2417,7 +2413,7 @@
           <a:p>
             <a:fld id="{2622C8D9-6F77-4B5F-8F05-E62BD66A937E}" type="datetimeFigureOut">
               <a:rPr lang="ko-KR" altLang="en-US" smtClean="0"/>
-              <a:t>2017-11-21</a:t>
+              <a:t>2017. 11. 26.</a:t>
             </a:fld>
             <a:endParaRPr lang="ko-KR" altLang="en-US"/>
           </a:p>
@@ -2630,7 +2626,7 @@
           <a:p>
             <a:fld id="{2622C8D9-6F77-4B5F-8F05-E62BD66A937E}" type="datetimeFigureOut">
               <a:rPr lang="ko-KR" altLang="en-US" smtClean="0"/>
-              <a:t>2017-11-21</a:t>
+              <a:t>2017. 11. 26.</a:t>
             </a:fld>
             <a:endParaRPr lang="ko-KR" altLang="en-US"/>
           </a:p>
@@ -4066,21 +4062,21 @@
                 <a:gridCol w="5134919">
                   <a:extLst>
                     <a:ext uri="{9D8B030D-6E8A-4147-A177-3AD203B41FA5}">
-                      <a16:colId xmlns:a16="http://schemas.microsoft.com/office/drawing/2014/main" val="1237195080"/>
+                      <a16:colId xmlns:a16="http://schemas.microsoft.com/office/drawing/2014/main" xmlns="" val="1237195080"/>
                     </a:ext>
                   </a:extLst>
                 </a:gridCol>
                 <a:gridCol w="1705232">
                   <a:extLst>
                     <a:ext uri="{9D8B030D-6E8A-4147-A177-3AD203B41FA5}">
-                      <a16:colId xmlns:a16="http://schemas.microsoft.com/office/drawing/2014/main" val="3898782301"/>
+                      <a16:colId xmlns:a16="http://schemas.microsoft.com/office/drawing/2014/main" xmlns="" val="3898782301"/>
                     </a:ext>
                   </a:extLst>
                 </a:gridCol>
                 <a:gridCol w="1655807">
                   <a:extLst>
                     <a:ext uri="{9D8B030D-6E8A-4147-A177-3AD203B41FA5}">
-                      <a16:colId xmlns:a16="http://schemas.microsoft.com/office/drawing/2014/main" val="2626005294"/>
+                      <a16:colId xmlns:a16="http://schemas.microsoft.com/office/drawing/2014/main" xmlns="" val="2626005294"/>
                     </a:ext>
                   </a:extLst>
                 </a:gridCol>
@@ -4133,7 +4129,7 @@
                 </a:tc>
                 <a:extLst>
                   <a:ext uri="{0D108BD9-81ED-4DB2-BD59-A6C34878D82A}">
-                    <a16:rowId xmlns:a16="http://schemas.microsoft.com/office/drawing/2014/main" val="3608373839"/>
+                    <a16:rowId xmlns:a16="http://schemas.microsoft.com/office/drawing/2014/main" xmlns="" val="3608373839"/>
                   </a:ext>
                 </a:extLst>
               </a:tr>
@@ -4185,7 +4181,7 @@
                 </a:tc>
                 <a:extLst>
                   <a:ext uri="{0D108BD9-81ED-4DB2-BD59-A6C34878D82A}">
-                    <a16:rowId xmlns:a16="http://schemas.microsoft.com/office/drawing/2014/main" val="3303038002"/>
+                    <a16:rowId xmlns:a16="http://schemas.microsoft.com/office/drawing/2014/main" xmlns="" val="3303038002"/>
                   </a:ext>
                 </a:extLst>
               </a:tr>
@@ -4237,7 +4233,7 @@
                 </a:tc>
                 <a:extLst>
                   <a:ext uri="{0D108BD9-81ED-4DB2-BD59-A6C34878D82A}">
-                    <a16:rowId xmlns:a16="http://schemas.microsoft.com/office/drawing/2014/main" val="3751837614"/>
+                    <a16:rowId xmlns:a16="http://schemas.microsoft.com/office/drawing/2014/main" xmlns="" val="3751837614"/>
                   </a:ext>
                 </a:extLst>
               </a:tr>
@@ -4289,7 +4285,7 @@
                 </a:tc>
                 <a:extLst>
                   <a:ext uri="{0D108BD9-81ED-4DB2-BD59-A6C34878D82A}">
-                    <a16:rowId xmlns:a16="http://schemas.microsoft.com/office/drawing/2014/main" val="2908152663"/>
+                    <a16:rowId xmlns:a16="http://schemas.microsoft.com/office/drawing/2014/main" xmlns="" val="2908152663"/>
                   </a:ext>
                 </a:extLst>
               </a:tr>
@@ -4341,7 +4337,7 @@
                 </a:tc>
                 <a:extLst>
                   <a:ext uri="{0D108BD9-81ED-4DB2-BD59-A6C34878D82A}">
-                    <a16:rowId xmlns:a16="http://schemas.microsoft.com/office/drawing/2014/main" val="2615635637"/>
+                    <a16:rowId xmlns:a16="http://schemas.microsoft.com/office/drawing/2014/main" xmlns="" val="2615635637"/>
                   </a:ext>
                 </a:extLst>
               </a:tr>
@@ -4393,7 +4389,7 @@
                 </a:tc>
                 <a:extLst>
                   <a:ext uri="{0D108BD9-81ED-4DB2-BD59-A6C34878D82A}">
-                    <a16:rowId xmlns:a16="http://schemas.microsoft.com/office/drawing/2014/main" val="2874745690"/>
+                    <a16:rowId xmlns:a16="http://schemas.microsoft.com/office/drawing/2014/main" xmlns="" val="2874745690"/>
                   </a:ext>
                 </a:extLst>
               </a:tr>
@@ -4445,7 +4441,7 @@
                 </a:tc>
                 <a:extLst>
                   <a:ext uri="{0D108BD9-81ED-4DB2-BD59-A6C34878D82A}">
-                    <a16:rowId xmlns:a16="http://schemas.microsoft.com/office/drawing/2014/main" val="483111938"/>
+                    <a16:rowId xmlns:a16="http://schemas.microsoft.com/office/drawing/2014/main" xmlns="" val="483111938"/>
                   </a:ext>
                 </a:extLst>
               </a:tr>
@@ -6181,8 +6177,8 @@
         </p:nvSpPr>
         <p:spPr>
           <a:xfrm>
-            <a:off x="5029200" y="2771775"/>
-            <a:ext cx="4714875" cy="2028825"/>
+            <a:off x="4317124" y="3768691"/>
+            <a:ext cx="2525110" cy="1290623"/>
           </a:xfrm>
           <a:prstGeom prst="wedgeRectCallout">
             <a:avLst>
@@ -6224,7 +6220,7 @@
           <a:p>
             <a:pPr algn="ctr"/>
             <a:r>
-              <a:rPr lang="ko-KR" altLang="en-US" sz="2800" b="1" dirty="0" smtClean="0">
+              <a:rPr lang="ko-KR" altLang="en-US" sz="2000" b="1" dirty="0" smtClean="0">
                 <a:solidFill>
                   <a:srgbClr val="FF0000"/>
                 </a:solidFill>
@@ -6232,14 +6228,14 @@
               <a:t>우리가 최종적으로 구하고자 하는 것</a:t>
             </a:r>
             <a:r>
-              <a:rPr lang="en-US" altLang="ko-KR" sz="2800" b="1" dirty="0" smtClean="0">
+              <a:rPr lang="en-US" altLang="ko-KR" sz="2000" b="1" dirty="0" smtClean="0">
                 <a:solidFill>
                   <a:srgbClr val="FF0000"/>
                 </a:solidFill>
               </a:rPr>
               <a:t>!!!!</a:t>
             </a:r>
-            <a:endParaRPr lang="ko-KR" altLang="en-US" sz="2800" b="1" dirty="0">
+            <a:endParaRPr lang="ko-KR" altLang="en-US" sz="2000" b="1" dirty="0">
               <a:solidFill>
                 <a:srgbClr val="FF0000"/>
               </a:solidFill>
@@ -6388,11 +6384,7 @@
             <a:pPr algn="ctr"/>
             <a:r>
               <a:rPr lang="en-US" altLang="ko-KR" sz="5400" b="1" dirty="0" smtClean="0"/>
-              <a:t>N * </a:t>
-            </a:r>
-            <a:r>
-              <a:rPr lang="en-US" altLang="ko-KR" sz="5400" b="1" dirty="0" smtClean="0"/>
-              <a:t>(</a:t>
+              <a:t>N * (</a:t>
             </a:r>
             <a:r>
               <a:rPr lang="en-US" altLang="ko-KR" sz="5400" b="1" dirty="0" err="1" smtClean="0"/>
@@ -6514,14 +6506,14 @@
                 <a:gridCol w="3151327">
                   <a:extLst>
                     <a:ext uri="{9D8B030D-6E8A-4147-A177-3AD203B41FA5}">
-                      <a16:colId xmlns:a16="http://schemas.microsoft.com/office/drawing/2014/main" val="1857036238"/>
+                      <a16:colId xmlns:a16="http://schemas.microsoft.com/office/drawing/2014/main" xmlns="" val="1857036238"/>
                     </a:ext>
                   </a:extLst>
                 </a:gridCol>
                 <a:gridCol w="7364274">
                   <a:extLst>
                     <a:ext uri="{9D8B030D-6E8A-4147-A177-3AD203B41FA5}">
-                      <a16:colId xmlns:a16="http://schemas.microsoft.com/office/drawing/2014/main" val="2297559982"/>
+                      <a16:colId xmlns:a16="http://schemas.microsoft.com/office/drawing/2014/main" xmlns="" val="2297559982"/>
                     </a:ext>
                   </a:extLst>
                 </a:gridCol>
@@ -6559,7 +6551,7 @@
                 </a:tc>
                 <a:extLst>
                   <a:ext uri="{0D108BD9-81ED-4DB2-BD59-A6C34878D82A}">
-                    <a16:rowId xmlns:a16="http://schemas.microsoft.com/office/drawing/2014/main" val="2109151873"/>
+                    <a16:rowId xmlns:a16="http://schemas.microsoft.com/office/drawing/2014/main" xmlns="" val="2109151873"/>
                   </a:ext>
                 </a:extLst>
               </a:tr>
@@ -6596,7 +6588,7 @@
                 </a:tc>
                 <a:extLst>
                   <a:ext uri="{0D108BD9-81ED-4DB2-BD59-A6C34878D82A}">
-                    <a16:rowId xmlns:a16="http://schemas.microsoft.com/office/drawing/2014/main" val="1432488104"/>
+                    <a16:rowId xmlns:a16="http://schemas.microsoft.com/office/drawing/2014/main" xmlns="" val="1432488104"/>
                   </a:ext>
                 </a:extLst>
               </a:tr>
@@ -6641,7 +6633,7 @@
                 </a:tc>
                 <a:extLst>
                   <a:ext uri="{0D108BD9-81ED-4DB2-BD59-A6C34878D82A}">
-                    <a16:rowId xmlns:a16="http://schemas.microsoft.com/office/drawing/2014/main" val="836167731"/>
+                    <a16:rowId xmlns:a16="http://schemas.microsoft.com/office/drawing/2014/main" xmlns="" val="836167731"/>
                   </a:ext>
                 </a:extLst>
               </a:tr>
@@ -6682,7 +6674,7 @@
                 </a:tc>
                 <a:extLst>
                   <a:ext uri="{0D108BD9-81ED-4DB2-BD59-A6C34878D82A}">
-                    <a16:rowId xmlns:a16="http://schemas.microsoft.com/office/drawing/2014/main" val="3953734072"/>
+                    <a16:rowId xmlns:a16="http://schemas.microsoft.com/office/drawing/2014/main" xmlns="" val="3953734072"/>
                   </a:ext>
                 </a:extLst>
               </a:tr>
@@ -6755,7 +6747,7 @@
                 </a:tc>
                 <a:extLst>
                   <a:ext uri="{0D108BD9-81ED-4DB2-BD59-A6C34878D82A}">
-                    <a16:rowId xmlns:a16="http://schemas.microsoft.com/office/drawing/2014/main" val="870834416"/>
+                    <a16:rowId xmlns:a16="http://schemas.microsoft.com/office/drawing/2014/main" xmlns="" val="870834416"/>
                   </a:ext>
                 </a:extLst>
               </a:tr>
@@ -6863,14 +6855,14 @@
                 <a:gridCol w="3151327">
                   <a:extLst>
                     <a:ext uri="{9D8B030D-6E8A-4147-A177-3AD203B41FA5}">
-                      <a16:colId xmlns:a16="http://schemas.microsoft.com/office/drawing/2014/main" val="1857036238"/>
+                      <a16:colId xmlns:a16="http://schemas.microsoft.com/office/drawing/2014/main" xmlns="" val="1857036238"/>
                     </a:ext>
                   </a:extLst>
                 </a:gridCol>
                 <a:gridCol w="7364274">
                   <a:extLst>
                     <a:ext uri="{9D8B030D-6E8A-4147-A177-3AD203B41FA5}">
-                      <a16:colId xmlns:a16="http://schemas.microsoft.com/office/drawing/2014/main" val="2297559982"/>
+                      <a16:colId xmlns:a16="http://schemas.microsoft.com/office/drawing/2014/main" xmlns="" val="2297559982"/>
                     </a:ext>
                   </a:extLst>
                 </a:gridCol>
@@ -6908,7 +6900,7 @@
                 </a:tc>
                 <a:extLst>
                   <a:ext uri="{0D108BD9-81ED-4DB2-BD59-A6C34878D82A}">
-                    <a16:rowId xmlns:a16="http://schemas.microsoft.com/office/drawing/2014/main" val="2109151873"/>
+                    <a16:rowId xmlns:a16="http://schemas.microsoft.com/office/drawing/2014/main" xmlns="" val="2109151873"/>
                   </a:ext>
                 </a:extLst>
               </a:tr>
@@ -6945,7 +6937,7 @@
                 </a:tc>
                 <a:extLst>
                   <a:ext uri="{0D108BD9-81ED-4DB2-BD59-A6C34878D82A}">
-                    <a16:rowId xmlns:a16="http://schemas.microsoft.com/office/drawing/2014/main" val="1432488104"/>
+                    <a16:rowId xmlns:a16="http://schemas.microsoft.com/office/drawing/2014/main" xmlns="" val="1432488104"/>
                   </a:ext>
                 </a:extLst>
               </a:tr>
@@ -6990,7 +6982,7 @@
                 </a:tc>
                 <a:extLst>
                   <a:ext uri="{0D108BD9-81ED-4DB2-BD59-A6C34878D82A}">
-                    <a16:rowId xmlns:a16="http://schemas.microsoft.com/office/drawing/2014/main" val="836167731"/>
+                    <a16:rowId xmlns:a16="http://schemas.microsoft.com/office/drawing/2014/main" xmlns="" val="836167731"/>
                   </a:ext>
                 </a:extLst>
               </a:tr>
@@ -7027,7 +7019,7 @@
                 </a:tc>
                 <a:extLst>
                   <a:ext uri="{0D108BD9-81ED-4DB2-BD59-A6C34878D82A}">
-                    <a16:rowId xmlns:a16="http://schemas.microsoft.com/office/drawing/2014/main" val="3953734072"/>
+                    <a16:rowId xmlns:a16="http://schemas.microsoft.com/office/drawing/2014/main" xmlns="" val="3953734072"/>
                   </a:ext>
                 </a:extLst>
               </a:tr>
@@ -7080,7 +7072,7 @@
                 </a:tc>
                 <a:extLst>
                   <a:ext uri="{0D108BD9-81ED-4DB2-BD59-A6C34878D82A}">
-                    <a16:rowId xmlns:a16="http://schemas.microsoft.com/office/drawing/2014/main" val="870834416"/>
+                    <a16:rowId xmlns:a16="http://schemas.microsoft.com/office/drawing/2014/main" xmlns="" val="870834416"/>
                   </a:ext>
                 </a:extLst>
               </a:tr>
@@ -7133,7 +7125,7 @@
                 </a:tc>
                 <a:extLst>
                   <a:ext uri="{0D108BD9-81ED-4DB2-BD59-A6C34878D82A}">
-                    <a16:rowId xmlns:a16="http://schemas.microsoft.com/office/drawing/2014/main" val="1877982623"/>
+                    <a16:rowId xmlns:a16="http://schemas.microsoft.com/office/drawing/2014/main" xmlns="" val="1877982623"/>
                   </a:ext>
                 </a:extLst>
               </a:tr>
@@ -7194,7 +7186,7 @@
                 </a:tc>
                 <a:extLst>
                   <a:ext uri="{0D108BD9-81ED-4DB2-BD59-A6C34878D82A}">
-                    <a16:rowId xmlns:a16="http://schemas.microsoft.com/office/drawing/2014/main" val="2582305650"/>
+                    <a16:rowId xmlns:a16="http://schemas.microsoft.com/office/drawing/2014/main" xmlns="" val="2582305650"/>
                   </a:ext>
                 </a:extLst>
               </a:tr>
@@ -7302,14 +7294,14 @@
                 <a:gridCol w="3151327">
                   <a:extLst>
                     <a:ext uri="{9D8B030D-6E8A-4147-A177-3AD203B41FA5}">
-                      <a16:colId xmlns:a16="http://schemas.microsoft.com/office/drawing/2014/main" val="1857036238"/>
+                      <a16:colId xmlns:a16="http://schemas.microsoft.com/office/drawing/2014/main" xmlns="" val="1857036238"/>
                     </a:ext>
                   </a:extLst>
                 </a:gridCol>
                 <a:gridCol w="7364274">
                   <a:extLst>
                     <a:ext uri="{9D8B030D-6E8A-4147-A177-3AD203B41FA5}">
-                      <a16:colId xmlns:a16="http://schemas.microsoft.com/office/drawing/2014/main" val="2297559982"/>
+                      <a16:colId xmlns:a16="http://schemas.microsoft.com/office/drawing/2014/main" xmlns="" val="2297559982"/>
                     </a:ext>
                   </a:extLst>
                 </a:gridCol>
@@ -7347,7 +7339,7 @@
                 </a:tc>
                 <a:extLst>
                   <a:ext uri="{0D108BD9-81ED-4DB2-BD59-A6C34878D82A}">
-                    <a16:rowId xmlns:a16="http://schemas.microsoft.com/office/drawing/2014/main" val="2109151873"/>
+                    <a16:rowId xmlns:a16="http://schemas.microsoft.com/office/drawing/2014/main" xmlns="" val="2109151873"/>
                   </a:ext>
                 </a:extLst>
               </a:tr>
@@ -7384,7 +7376,7 @@
                 </a:tc>
                 <a:extLst>
                   <a:ext uri="{0D108BD9-81ED-4DB2-BD59-A6C34878D82A}">
-                    <a16:rowId xmlns:a16="http://schemas.microsoft.com/office/drawing/2014/main" val="1432488104"/>
+                    <a16:rowId xmlns:a16="http://schemas.microsoft.com/office/drawing/2014/main" xmlns="" val="1432488104"/>
                   </a:ext>
                 </a:extLst>
               </a:tr>
@@ -7421,7 +7413,7 @@
                 </a:tc>
                 <a:extLst>
                   <a:ext uri="{0D108BD9-81ED-4DB2-BD59-A6C34878D82A}">
-                    <a16:rowId xmlns:a16="http://schemas.microsoft.com/office/drawing/2014/main" val="836167731"/>
+                    <a16:rowId xmlns:a16="http://schemas.microsoft.com/office/drawing/2014/main" xmlns="" val="836167731"/>
                   </a:ext>
                 </a:extLst>
               </a:tr>
@@ -7458,7 +7450,7 @@
                 </a:tc>
                 <a:extLst>
                   <a:ext uri="{0D108BD9-81ED-4DB2-BD59-A6C34878D82A}">
-                    <a16:rowId xmlns:a16="http://schemas.microsoft.com/office/drawing/2014/main" val="3953734072"/>
+                    <a16:rowId xmlns:a16="http://schemas.microsoft.com/office/drawing/2014/main" xmlns="" val="3953734072"/>
                   </a:ext>
                 </a:extLst>
               </a:tr>
@@ -7495,7 +7487,7 @@
                 </a:tc>
                 <a:extLst>
                   <a:ext uri="{0D108BD9-81ED-4DB2-BD59-A6C34878D82A}">
-                    <a16:rowId xmlns:a16="http://schemas.microsoft.com/office/drawing/2014/main" val="870834416"/>
+                    <a16:rowId xmlns:a16="http://schemas.microsoft.com/office/drawing/2014/main" xmlns="" val="870834416"/>
                   </a:ext>
                 </a:extLst>
               </a:tr>
@@ -7548,7 +7540,7 @@
                 </a:tc>
                 <a:extLst>
                   <a:ext uri="{0D108BD9-81ED-4DB2-BD59-A6C34878D82A}">
-                    <a16:rowId xmlns:a16="http://schemas.microsoft.com/office/drawing/2014/main" val="1877982623"/>
+                    <a16:rowId xmlns:a16="http://schemas.microsoft.com/office/drawing/2014/main" xmlns="" val="1877982623"/>
                   </a:ext>
                 </a:extLst>
               </a:tr>
@@ -7601,7 +7593,7 @@
                 </a:tc>
                 <a:extLst>
                   <a:ext uri="{0D108BD9-81ED-4DB2-BD59-A6C34878D82A}">
-                    <a16:rowId xmlns:a16="http://schemas.microsoft.com/office/drawing/2014/main" val="2582305650"/>
+                    <a16:rowId xmlns:a16="http://schemas.microsoft.com/office/drawing/2014/main" xmlns="" val="2582305650"/>
                   </a:ext>
                 </a:extLst>
               </a:tr>
@@ -7654,7 +7646,7 @@
                 </a:tc>
                 <a:extLst>
                   <a:ext uri="{0D108BD9-81ED-4DB2-BD59-A6C34878D82A}">
-                    <a16:rowId xmlns:a16="http://schemas.microsoft.com/office/drawing/2014/main" val="3621719393"/>
+                    <a16:rowId xmlns:a16="http://schemas.microsoft.com/office/drawing/2014/main" xmlns="" val="3621719393"/>
                   </a:ext>
                 </a:extLst>
               </a:tr>
@@ -7707,7 +7699,7 @@
                 </a:tc>
                 <a:extLst>
                   <a:ext uri="{0D108BD9-81ED-4DB2-BD59-A6C34878D82A}">
-                    <a16:rowId xmlns:a16="http://schemas.microsoft.com/office/drawing/2014/main" val="2699402494"/>
+                    <a16:rowId xmlns:a16="http://schemas.microsoft.com/office/drawing/2014/main" xmlns="" val="2699402494"/>
                   </a:ext>
                 </a:extLst>
               </a:tr>

--- a/Chapter20/접미사배열ppt.pptx
+++ b/Chapter20/접미사배열ppt.pptx
@@ -310,7 +310,7 @@
           <a:p>
             <a:fld id="{2622C8D9-6F77-4B5F-8F05-E62BD66A937E}" type="datetimeFigureOut">
               <a:rPr lang="ko-KR" altLang="en-US" smtClean="0"/>
-              <a:t>2017-11-25</a:t>
+              <a:t>2017-11-26</a:t>
             </a:fld>
             <a:endParaRPr lang="ko-KR" altLang="en-US"/>
           </a:p>
@@ -480,7 +480,7 @@
           <a:p>
             <a:fld id="{2622C8D9-6F77-4B5F-8F05-E62BD66A937E}" type="datetimeFigureOut">
               <a:rPr lang="ko-KR" altLang="en-US" smtClean="0"/>
-              <a:t>2017-11-25</a:t>
+              <a:t>2017-11-26</a:t>
             </a:fld>
             <a:endParaRPr lang="ko-KR" altLang="en-US"/>
           </a:p>
@@ -660,7 +660,7 @@
           <a:p>
             <a:fld id="{2622C8D9-6F77-4B5F-8F05-E62BD66A937E}" type="datetimeFigureOut">
               <a:rPr lang="ko-KR" altLang="en-US" smtClean="0"/>
-              <a:t>2017-11-25</a:t>
+              <a:t>2017-11-26</a:t>
             </a:fld>
             <a:endParaRPr lang="ko-KR" altLang="en-US"/>
           </a:p>
@@ -830,7 +830,7 @@
           <a:p>
             <a:fld id="{2622C8D9-6F77-4B5F-8F05-E62BD66A937E}" type="datetimeFigureOut">
               <a:rPr lang="ko-KR" altLang="en-US" smtClean="0"/>
-              <a:t>2017-11-25</a:t>
+              <a:t>2017-11-26</a:t>
             </a:fld>
             <a:endParaRPr lang="ko-KR" altLang="en-US"/>
           </a:p>
@@ -1076,7 +1076,7 @@
           <a:p>
             <a:fld id="{2622C8D9-6F77-4B5F-8F05-E62BD66A937E}" type="datetimeFigureOut">
               <a:rPr lang="ko-KR" altLang="en-US" smtClean="0"/>
-              <a:t>2017-11-25</a:t>
+              <a:t>2017-11-26</a:t>
             </a:fld>
             <a:endParaRPr lang="ko-KR" altLang="en-US"/>
           </a:p>
@@ -1308,7 +1308,7 @@
           <a:p>
             <a:fld id="{2622C8D9-6F77-4B5F-8F05-E62BD66A937E}" type="datetimeFigureOut">
               <a:rPr lang="ko-KR" altLang="en-US" smtClean="0"/>
-              <a:t>2017-11-25</a:t>
+              <a:t>2017-11-26</a:t>
             </a:fld>
             <a:endParaRPr lang="ko-KR" altLang="en-US"/>
           </a:p>
@@ -1675,7 +1675,7 @@
           <a:p>
             <a:fld id="{2622C8D9-6F77-4B5F-8F05-E62BD66A937E}" type="datetimeFigureOut">
               <a:rPr lang="ko-KR" altLang="en-US" smtClean="0"/>
-              <a:t>2017-11-25</a:t>
+              <a:t>2017-11-26</a:t>
             </a:fld>
             <a:endParaRPr lang="ko-KR" altLang="en-US"/>
           </a:p>
@@ -1793,7 +1793,7 @@
           <a:p>
             <a:fld id="{2622C8D9-6F77-4B5F-8F05-E62BD66A937E}" type="datetimeFigureOut">
               <a:rPr lang="ko-KR" altLang="en-US" smtClean="0"/>
-              <a:t>2017-11-25</a:t>
+              <a:t>2017-11-26</a:t>
             </a:fld>
             <a:endParaRPr lang="ko-KR" altLang="en-US"/>
           </a:p>
@@ -1888,7 +1888,7 @@
           <a:p>
             <a:fld id="{2622C8D9-6F77-4B5F-8F05-E62BD66A937E}" type="datetimeFigureOut">
               <a:rPr lang="ko-KR" altLang="en-US" smtClean="0"/>
-              <a:t>2017-11-25</a:t>
+              <a:t>2017-11-26</a:t>
             </a:fld>
             <a:endParaRPr lang="ko-KR" altLang="en-US"/>
           </a:p>
@@ -2165,7 +2165,7 @@
           <a:p>
             <a:fld id="{2622C8D9-6F77-4B5F-8F05-E62BD66A937E}" type="datetimeFigureOut">
               <a:rPr lang="ko-KR" altLang="en-US" smtClean="0"/>
-              <a:t>2017-11-25</a:t>
+              <a:t>2017-11-26</a:t>
             </a:fld>
             <a:endParaRPr lang="ko-KR" altLang="en-US"/>
           </a:p>
@@ -2418,7 +2418,7 @@
           <a:p>
             <a:fld id="{2622C8D9-6F77-4B5F-8F05-E62BD66A937E}" type="datetimeFigureOut">
               <a:rPr lang="ko-KR" altLang="en-US" smtClean="0"/>
-              <a:t>2017-11-25</a:t>
+              <a:t>2017-11-26</a:t>
             </a:fld>
             <a:endParaRPr lang="ko-KR" altLang="en-US"/>
           </a:p>
@@ -2631,7 +2631,7 @@
           <a:p>
             <a:fld id="{2622C8D9-6F77-4B5F-8F05-E62BD66A937E}" type="datetimeFigureOut">
               <a:rPr lang="ko-KR" altLang="en-US" smtClean="0"/>
-              <a:t>2017-11-25</a:t>
+              <a:t>2017-11-26</a:t>
             </a:fld>
             <a:endParaRPr lang="ko-KR" altLang="en-US"/>
           </a:p>
@@ -3088,6 +3088,13 @@
   <p:clrMapOvr>
     <a:masterClrMapping/>
   </p:clrMapOvr>
+  <p:timing>
+    <p:tnLst>
+      <p:par>
+        <p:cTn id="1" dur="indefinite" restart="never" nodeType="tmRoot"/>
+      </p:par>
+    </p:tnLst>
+  </p:timing>
 </p:sld>
 </file>
 
@@ -3404,15 +3411,7 @@
           <a:p>
             <a:r>
               <a:rPr lang="en-US" altLang="ko-KR" dirty="0" smtClean="0"/>
-              <a:t>Q. </a:t>
-            </a:r>
-            <a:r>
-              <a:rPr lang="en-US" altLang="ko-KR" dirty="0" smtClean="0"/>
-              <a:t>SA</a:t>
-            </a:r>
-            <a:r>
-              <a:rPr lang="en-US" altLang="ko-KR" dirty="0" smtClean="0"/>
-              <a:t>[</a:t>
+              <a:t>Q. SA[</a:t>
             </a:r>
             <a:r>
               <a:rPr lang="en-US" altLang="ko-KR" dirty="0" err="1" smtClean="0"/>
@@ -4769,15 +4768,7 @@
                   <a:srgbClr val="FF0000"/>
                 </a:solidFill>
               </a:rPr>
-              <a:t>코드 </a:t>
-            </a:r>
-            <a:r>
-              <a:rPr lang="ko-KR" altLang="en-US" b="1" dirty="0" smtClean="0">
-                <a:solidFill>
-                  <a:srgbClr val="FF0000"/>
-                </a:solidFill>
-              </a:rPr>
-              <a:t>구경</a:t>
+              <a:t>코드 구경</a:t>
             </a:r>
             <a:endParaRPr lang="ko-KR" altLang="en-US" b="1" dirty="0">
               <a:solidFill>
@@ -4977,11 +4968,7 @@
             </a:r>
             <a:r>
               <a:rPr lang="en-US" altLang="ko-KR" dirty="0" smtClean="0"/>
-              <a:t>] == N – 1) </a:t>
-            </a:r>
-            <a:r>
-              <a:rPr lang="en-US" altLang="ko-KR" dirty="0" smtClean="0"/>
-              <a:t>continue</a:t>
+              <a:t>] == N – 1) continue</a:t>
             </a:r>
             <a:r>
               <a:rPr lang="ko-KR" altLang="en-US" dirty="0" smtClean="0"/>
@@ -5404,6 +5391,13 @@
   <p:clrMapOvr>
     <a:masterClrMapping/>
   </p:clrMapOvr>
+  <p:timing>
+    <p:tnLst>
+      <p:par>
+        <p:cTn id="1" dur="indefinite" restart="never" nodeType="tmRoot"/>
+      </p:par>
+    </p:tnLst>
+  </p:timing>
 </p:sld>
 </file>
 
@@ -6453,11 +6447,7 @@
             </a:r>
             <a:r>
               <a:rPr lang="ko-KR" altLang="en-US" dirty="0" smtClean="0"/>
-              <a:t>는 </a:t>
-            </a:r>
-            <a:r>
-              <a:rPr lang="ko-KR" altLang="en-US" dirty="0" smtClean="0"/>
-              <a:t>사전 순으로 </a:t>
+              <a:t>는 사전 순으로 </a:t>
             </a:r>
             <a:r>
               <a:rPr lang="en-US" altLang="ko-KR" dirty="0" err="1" smtClean="0"/>
